--- a/Präsentation/SchlussPräsentation.pptx
+++ b/Präsentation/SchlussPräsentation.pptx
@@ -5,15 +5,21 @@
     <p:sldMasterId id="2147483710" r:id="rId1"/>
   </p:sldMasterIdLst>
   <p:notesMasterIdLst>
-    <p:notesMasterId r:id="rId8"/>
+    <p:notesMasterId r:id="rId14"/>
   </p:notesMasterIdLst>
   <p:sldIdLst>
     <p:sldId id="256" r:id="rId2"/>
-    <p:sldId id="257" r:id="rId3"/>
-    <p:sldId id="273" r:id="rId4"/>
-    <p:sldId id="274" r:id="rId5"/>
-    <p:sldId id="267" r:id="rId6"/>
-    <p:sldId id="261" r:id="rId7"/>
+    <p:sldId id="274" r:id="rId3"/>
+    <p:sldId id="257" r:id="rId4"/>
+    <p:sldId id="273" r:id="rId5"/>
+    <p:sldId id="275" r:id="rId6"/>
+    <p:sldId id="276" r:id="rId7"/>
+    <p:sldId id="263" r:id="rId8"/>
+    <p:sldId id="277" r:id="rId9"/>
+    <p:sldId id="264" r:id="rId10"/>
+    <p:sldId id="265" r:id="rId11"/>
+    <p:sldId id="267" r:id="rId12"/>
+    <p:sldId id="261" r:id="rId13"/>
   </p:sldIdLst>
   <p:sldSz cx="12192000" cy="6858000"/>
   <p:notesSz cx="6858000" cy="9144000"/>
@@ -332,7 +338,7 @@
           <a:p>
             <a:fld id="{082AF0A2-73D9-4858-851E-F8063A45314E}" type="datetimeFigureOut">
               <a:rPr lang="de-DE" smtClean="0"/>
-              <a:t>09.06.2019</a:t>
+              <a:t>10.06.19</a:t>
             </a:fld>
             <a:endParaRPr lang="de-DE"/>
           </a:p>
@@ -750,29 +756,6 @@
           <a:bodyPr/>
           <a:lstStyle/>
           <a:p>
-            <a:pPr marL="0" marR="0" lvl="0" indent="0" algn="l" defTabSz="914400" rtl="0" eaLnBrk="1" fontAlgn="auto" latinLnBrk="0" hangingPunct="1">
-              <a:lnSpc>
-                <a:spcPct val="100000"/>
-              </a:lnSpc>
-              <a:spcBef>
-                <a:spcPts val="0"/>
-              </a:spcBef>
-              <a:spcAft>
-                <a:spcPts val="0"/>
-              </a:spcAft>
-              <a:buClrTx/>
-              <a:buSzTx/>
-              <a:buFontTx/>
-              <a:buNone/>
-              <a:tabLst/>
-              <a:defRPr/>
-            </a:pPr>
-            <a:r>
-              <a:rPr lang="de-DE" dirty="0"/>
-              <a:t>Nik</a:t>
-            </a:r>
-          </a:p>
-          <a:p>
             <a:endParaRPr lang="de-DE" dirty="0"/>
           </a:p>
         </p:txBody>
@@ -803,7 +786,7 @@
     </p:spTree>
     <p:extLst>
       <p:ext uri="{BB962C8B-B14F-4D97-AF65-F5344CB8AC3E}">
-        <p14:creationId xmlns:p14="http://schemas.microsoft.com/office/powerpoint/2010/main" val="3449548892"/>
+        <p14:creationId xmlns:p14="http://schemas.microsoft.com/office/powerpoint/2010/main" val="2260707273"/>
       </p:ext>
     </p:extLst>
   </p:cSld>
@@ -857,7 +840,27 @@
           <a:bodyPr/>
           <a:lstStyle/>
           <a:p>
-            <a:endParaRPr lang="de-DE" dirty="0"/>
+            <a:pPr marL="0" marR="0" lvl="0" indent="0" algn="l" defTabSz="914400" rtl="0" eaLnBrk="1" fontAlgn="auto" latinLnBrk="0" hangingPunct="1">
+              <a:lnSpc>
+                <a:spcPct val="100000"/>
+              </a:lnSpc>
+              <a:spcBef>
+                <a:spcPts val="0"/>
+              </a:spcBef>
+              <a:spcAft>
+                <a:spcPts val="0"/>
+              </a:spcAft>
+              <a:buClrTx/>
+              <a:buSzTx/>
+              <a:buFontTx/>
+              <a:buNone/>
+              <a:tabLst/>
+              <a:defRPr/>
+            </a:pPr>
+            <a:r>
+              <a:rPr lang="de-DE" dirty="0"/>
+              <a:t>Nik</a:t>
+            </a:r>
           </a:p>
           <a:p>
             <a:endParaRPr lang="de-DE" dirty="0"/>
@@ -890,7 +893,7 @@
     </p:spTree>
     <p:extLst>
       <p:ext uri="{BB962C8B-B14F-4D97-AF65-F5344CB8AC3E}">
-        <p14:creationId xmlns:p14="http://schemas.microsoft.com/office/powerpoint/2010/main" val="3703624786"/>
+        <p14:creationId xmlns:p14="http://schemas.microsoft.com/office/powerpoint/2010/main" val="3449548892"/>
       </p:ext>
     </p:extLst>
   </p:cSld>
@@ -946,6 +949,9 @@
           <a:p>
             <a:endParaRPr lang="de-DE" dirty="0"/>
           </a:p>
+          <a:p>
+            <a:endParaRPr lang="de-DE" dirty="0"/>
+          </a:p>
         </p:txBody>
       </p:sp>
       <p:sp>
@@ -974,7 +980,7 @@
     </p:spTree>
     <p:extLst>
       <p:ext uri="{BB962C8B-B14F-4D97-AF65-F5344CB8AC3E}">
-        <p14:creationId xmlns:p14="http://schemas.microsoft.com/office/powerpoint/2010/main" val="2260707273"/>
+        <p14:creationId xmlns:p14="http://schemas.microsoft.com/office/powerpoint/2010/main" val="3703624786"/>
       </p:ext>
     </p:extLst>
   </p:cSld>
@@ -1028,7 +1034,10 @@
           <a:bodyPr/>
           <a:lstStyle/>
           <a:p>
-            <a:endParaRPr lang="de-DE" dirty="0"/>
+            <a:r>
+              <a:rPr lang="de-DE" dirty="0"/>
+              <a:t>100kHz 10dB  600kHz 30dB</a:t>
+            </a:r>
           </a:p>
         </p:txBody>
       </p:sp>
@@ -1039,7 +1048,7 @@
             <a:spLocks noGrp="1"/>
           </p:cNvSpPr>
           <p:nvPr>
-            <p:ph type="sldNum" sz="quarter" idx="10"/>
+            <p:ph type="sldNum" sz="quarter" idx="5"/>
           </p:nvPr>
         </p:nvSpPr>
         <p:spPr/>
@@ -1047,9 +1056,9 @@
           <a:bodyPr/>
           <a:lstStyle/>
           <a:p>
-            <a:fld id="{3F29246C-16D7-4C3E-9D9F-DF7E50C352C7}" type="slidenum">
+            <a:fld id="{4442CAA8-4D25-FB43-92A0-7ADFB186CDD8}" type="slidenum">
               <a:rPr lang="de-DE" smtClean="0"/>
-              <a:t>5</a:t>
+              <a:t>6</a:t>
             </a:fld>
             <a:endParaRPr lang="de-DE"/>
           </a:p>
@@ -1058,7 +1067,7 @@
     </p:spTree>
     <p:extLst>
       <p:ext uri="{BB962C8B-B14F-4D97-AF65-F5344CB8AC3E}">
-        <p14:creationId xmlns:p14="http://schemas.microsoft.com/office/powerpoint/2010/main" val="4106339053"/>
+        <p14:creationId xmlns:p14="http://schemas.microsoft.com/office/powerpoint/2010/main" val="1047823706"/>
       </p:ext>
     </p:extLst>
   </p:cSld>
@@ -1112,6 +1121,90 @@
           <a:bodyPr/>
           <a:lstStyle/>
           <a:p>
+            <a:endParaRPr lang="de-DE" dirty="0"/>
+          </a:p>
+        </p:txBody>
+      </p:sp>
+      <p:sp>
+        <p:nvSpPr>
+          <p:cNvPr id="4" name="Foliennummernplatzhalter 3"/>
+          <p:cNvSpPr>
+            <a:spLocks noGrp="1"/>
+          </p:cNvSpPr>
+          <p:nvPr>
+            <p:ph type="sldNum" sz="quarter" idx="10"/>
+          </p:nvPr>
+        </p:nvSpPr>
+        <p:spPr/>
+        <p:txBody>
+          <a:bodyPr/>
+          <a:lstStyle/>
+          <a:p>
+            <a:fld id="{3F29246C-16D7-4C3E-9D9F-DF7E50C352C7}" type="slidenum">
+              <a:rPr lang="de-DE" smtClean="0"/>
+              <a:t>11</a:t>
+            </a:fld>
+            <a:endParaRPr lang="de-DE"/>
+          </a:p>
+        </p:txBody>
+      </p:sp>
+    </p:spTree>
+    <p:extLst>
+      <p:ext uri="{BB962C8B-B14F-4D97-AF65-F5344CB8AC3E}">
+        <p14:creationId xmlns:p14="http://schemas.microsoft.com/office/powerpoint/2010/main" val="4106339053"/>
+      </p:ext>
+    </p:extLst>
+  </p:cSld>
+  <p:clrMapOvr>
+    <a:masterClrMapping/>
+  </p:clrMapOvr>
+</p:notes>
+</file>
+
+<file path=ppt/notesSlides/notesSlide7.xml><?xml version="1.0" encoding="utf-8"?>
+<p:notes xmlns:a="http://schemas.openxmlformats.org/drawingml/2006/main" xmlns:r="http://schemas.openxmlformats.org/officeDocument/2006/relationships" xmlns:p="http://schemas.openxmlformats.org/presentationml/2006/main">
+  <p:cSld>
+    <p:spTree>
+      <p:nvGrpSpPr>
+        <p:cNvPr id="1" name=""/>
+        <p:cNvGrpSpPr/>
+        <p:nvPr/>
+      </p:nvGrpSpPr>
+      <p:grpSpPr>
+        <a:xfrm>
+          <a:off x="0" y="0"/>
+          <a:ext cx="0" cy="0"/>
+          <a:chOff x="0" y="0"/>
+          <a:chExt cx="0" cy="0"/>
+        </a:xfrm>
+      </p:grpSpPr>
+      <p:sp>
+        <p:nvSpPr>
+          <p:cNvPr id="2" name="Folienbildplatzhalter 1"/>
+          <p:cNvSpPr>
+            <a:spLocks noGrp="1" noRot="1" noChangeAspect="1"/>
+          </p:cNvSpPr>
+          <p:nvPr>
+            <p:ph type="sldImg"/>
+          </p:nvPr>
+        </p:nvSpPr>
+        <p:spPr/>
+      </p:sp>
+      <p:sp>
+        <p:nvSpPr>
+          <p:cNvPr id="3" name="Notizenplatzhalter 2"/>
+          <p:cNvSpPr>
+            <a:spLocks noGrp="1"/>
+          </p:cNvSpPr>
+          <p:nvPr>
+            <p:ph type="body" idx="1"/>
+          </p:nvPr>
+        </p:nvSpPr>
+        <p:spPr/>
+        <p:txBody>
+          <a:bodyPr/>
+          <a:lstStyle/>
+          <a:p>
             <a:r>
               <a:rPr lang="de-DE" dirty="0"/>
               <a:t>Simon</a:t>
@@ -1136,7 +1229,7 @@
           <a:p>
             <a:fld id="{3F29246C-16D7-4C3E-9D9F-DF7E50C352C7}" type="slidenum">
               <a:rPr lang="de-DE" smtClean="0"/>
-              <a:t>6</a:t>
+              <a:t>12</a:t>
             </a:fld>
             <a:endParaRPr lang="de-DE"/>
           </a:p>
@@ -5119,6 +5212,1078 @@
 </p:sld>
 </file>
 
+<file path=ppt/slides/slide10.xml><?xml version="1.0" encoding="utf-8"?>
+<p:sld xmlns:a="http://schemas.openxmlformats.org/drawingml/2006/main" xmlns:r="http://schemas.openxmlformats.org/officeDocument/2006/relationships" xmlns:p="http://schemas.openxmlformats.org/presentationml/2006/main">
+  <p:cSld>
+    <p:spTree>
+      <p:nvGrpSpPr>
+        <p:cNvPr id="1" name=""/>
+        <p:cNvGrpSpPr/>
+        <p:nvPr/>
+      </p:nvGrpSpPr>
+      <p:grpSpPr>
+        <a:xfrm>
+          <a:off x="0" y="0"/>
+          <a:ext cx="0" cy="0"/>
+          <a:chOff x="0" y="0"/>
+          <a:chExt cx="0" cy="0"/>
+        </a:xfrm>
+      </p:grpSpPr>
+      <p:sp>
+        <p:nvSpPr>
+          <p:cNvPr id="5" name="Textfeld 4">
+            <a:extLst>
+              <a:ext uri="{FF2B5EF4-FFF2-40B4-BE49-F238E27FC236}">
+                <a16:creationId xmlns:a16="http://schemas.microsoft.com/office/drawing/2014/main" id="{C7837774-3C89-9349-9430-2565582A5A62}"/>
+              </a:ext>
+            </a:extLst>
+          </p:cNvPr>
+          <p:cNvSpPr txBox="1"/>
+          <p:nvPr/>
+        </p:nvSpPr>
+        <p:spPr>
+          <a:xfrm>
+            <a:off x="10744201" y="6214533"/>
+            <a:ext cx="857250" cy="369332"/>
+          </a:xfrm>
+          <a:prstGeom prst="rect">
+            <a:avLst/>
+          </a:prstGeom>
+          <a:noFill/>
+        </p:spPr>
+        <p:txBody>
+          <a:bodyPr wrap="square" rtlCol="0">
+            <a:spAutoFit/>
+          </a:bodyPr>
+          <a:lstStyle/>
+          <a:p>
+            <a:r>
+              <a:rPr lang="de-DE" dirty="0"/>
+              <a:t>30MHz</a:t>
+            </a:r>
+          </a:p>
+        </p:txBody>
+      </p:sp>
+      <p:sp>
+        <p:nvSpPr>
+          <p:cNvPr id="13" name="Textfeld 12">
+            <a:extLst>
+              <a:ext uri="{FF2B5EF4-FFF2-40B4-BE49-F238E27FC236}">
+                <a16:creationId xmlns:a16="http://schemas.microsoft.com/office/drawing/2014/main" id="{99222268-4CBD-E545-B183-9ED01315106C}"/>
+              </a:ext>
+            </a:extLst>
+          </p:cNvPr>
+          <p:cNvSpPr txBox="1"/>
+          <p:nvPr/>
+        </p:nvSpPr>
+        <p:spPr>
+          <a:xfrm>
+            <a:off x="9333553" y="6214533"/>
+            <a:ext cx="857250" cy="369332"/>
+          </a:xfrm>
+          <a:prstGeom prst="rect">
+            <a:avLst/>
+          </a:prstGeom>
+          <a:noFill/>
+        </p:spPr>
+        <p:txBody>
+          <a:bodyPr wrap="square" rtlCol="0">
+            <a:spAutoFit/>
+          </a:bodyPr>
+          <a:lstStyle/>
+          <a:p>
+            <a:r>
+              <a:rPr lang="de-DE" dirty="0"/>
+              <a:t>10MHz</a:t>
+            </a:r>
+          </a:p>
+        </p:txBody>
+      </p:sp>
+      <p:sp>
+        <p:nvSpPr>
+          <p:cNvPr id="15" name="Textfeld 14">
+            <a:extLst>
+              <a:ext uri="{FF2B5EF4-FFF2-40B4-BE49-F238E27FC236}">
+                <a16:creationId xmlns:a16="http://schemas.microsoft.com/office/drawing/2014/main" id="{EDBEA198-A550-2E44-9C73-5F30974FE931}"/>
+              </a:ext>
+            </a:extLst>
+          </p:cNvPr>
+          <p:cNvSpPr txBox="1"/>
+          <p:nvPr/>
+        </p:nvSpPr>
+        <p:spPr>
+          <a:xfrm>
+            <a:off x="6614166" y="6214533"/>
+            <a:ext cx="857250" cy="369332"/>
+          </a:xfrm>
+          <a:prstGeom prst="rect">
+            <a:avLst/>
+          </a:prstGeom>
+          <a:noFill/>
+        </p:spPr>
+        <p:txBody>
+          <a:bodyPr wrap="square" rtlCol="0">
+            <a:spAutoFit/>
+          </a:bodyPr>
+          <a:lstStyle/>
+          <a:p>
+            <a:r>
+              <a:rPr lang="de-DE" dirty="0"/>
+              <a:t>1MHz</a:t>
+            </a:r>
+          </a:p>
+        </p:txBody>
+      </p:sp>
+      <p:sp>
+        <p:nvSpPr>
+          <p:cNvPr id="17" name="Textfeld 16">
+            <a:extLst>
+              <a:ext uri="{FF2B5EF4-FFF2-40B4-BE49-F238E27FC236}">
+                <a16:creationId xmlns:a16="http://schemas.microsoft.com/office/drawing/2014/main" id="{A19277C0-6177-D747-B57E-D0C7ED8C6763}"/>
+              </a:ext>
+            </a:extLst>
+          </p:cNvPr>
+          <p:cNvSpPr txBox="1"/>
+          <p:nvPr/>
+        </p:nvSpPr>
+        <p:spPr>
+          <a:xfrm>
+            <a:off x="3894779" y="6214533"/>
+            <a:ext cx="991546" cy="369332"/>
+          </a:xfrm>
+          <a:prstGeom prst="rect">
+            <a:avLst/>
+          </a:prstGeom>
+          <a:noFill/>
+        </p:spPr>
+        <p:txBody>
+          <a:bodyPr wrap="square" rtlCol="0">
+            <a:spAutoFit/>
+          </a:bodyPr>
+          <a:lstStyle/>
+          <a:p>
+            <a:r>
+              <a:rPr lang="de-DE" dirty="0"/>
+              <a:t>100kHz</a:t>
+            </a:r>
+          </a:p>
+        </p:txBody>
+      </p:sp>
+      <p:sp>
+        <p:nvSpPr>
+          <p:cNvPr id="18" name="Textfeld 17">
+            <a:extLst>
+              <a:ext uri="{FF2B5EF4-FFF2-40B4-BE49-F238E27FC236}">
+                <a16:creationId xmlns:a16="http://schemas.microsoft.com/office/drawing/2014/main" id="{6B54C006-CAD9-774F-9C8E-75618709F2D9}"/>
+              </a:ext>
+            </a:extLst>
+          </p:cNvPr>
+          <p:cNvSpPr txBox="1"/>
+          <p:nvPr/>
+        </p:nvSpPr>
+        <p:spPr>
+          <a:xfrm>
+            <a:off x="1167255" y="6214533"/>
+            <a:ext cx="901405" cy="406265"/>
+          </a:xfrm>
+          <a:prstGeom prst="rect">
+            <a:avLst/>
+          </a:prstGeom>
+          <a:noFill/>
+        </p:spPr>
+        <p:txBody>
+          <a:bodyPr wrap="square" rtlCol="0">
+            <a:spAutoFit/>
+          </a:bodyPr>
+          <a:lstStyle/>
+          <a:p>
+            <a:r>
+              <a:rPr lang="de-DE" dirty="0"/>
+              <a:t>10kHz</a:t>
+            </a:r>
+          </a:p>
+        </p:txBody>
+      </p:sp>
+      <p:sp>
+        <p:nvSpPr>
+          <p:cNvPr id="3" name="Inhaltsplatzhalter 2">
+            <a:extLst>
+              <a:ext uri="{FF2B5EF4-FFF2-40B4-BE49-F238E27FC236}">
+                <a16:creationId xmlns:a16="http://schemas.microsoft.com/office/drawing/2014/main" id="{6A67045C-40DD-3847-B199-2FA673345E8A}"/>
+              </a:ext>
+            </a:extLst>
+          </p:cNvPr>
+          <p:cNvSpPr>
+            <a:spLocks noGrp="1"/>
+          </p:cNvSpPr>
+          <p:nvPr>
+            <p:ph idx="1"/>
+          </p:nvPr>
+        </p:nvSpPr>
+        <p:spPr/>
+        <p:txBody>
+          <a:bodyPr/>
+          <a:lstStyle/>
+          <a:p>
+            <a:endParaRPr lang="de-DE" dirty="0"/>
+          </a:p>
+        </p:txBody>
+      </p:sp>
+      <p:pic>
+        <p:nvPicPr>
+          <p:cNvPr id="10" name="Inhaltsplatzhalter 3">
+            <a:extLst>
+              <a:ext uri="{FF2B5EF4-FFF2-40B4-BE49-F238E27FC236}">
+                <a16:creationId xmlns:a16="http://schemas.microsoft.com/office/drawing/2014/main" id="{E4AC3DE3-314E-AB4E-B672-59D9CC75CFFC}"/>
+              </a:ext>
+            </a:extLst>
+          </p:cNvPr>
+          <p:cNvPicPr>
+            <a:picLocks noChangeAspect="1"/>
+          </p:cNvPicPr>
+          <p:nvPr/>
+        </p:nvPicPr>
+        <p:blipFill>
+          <a:blip r:embed="rId2"/>
+          <a:stretch>
+            <a:fillRect/>
+          </a:stretch>
+        </p:blipFill>
+        <p:spPr>
+          <a:xfrm>
+            <a:off x="643467" y="1316142"/>
+            <a:ext cx="10905066" cy="4225714"/>
+          </a:xfrm>
+          <a:prstGeom prst="rect">
+            <a:avLst/>
+          </a:prstGeom>
+        </p:spPr>
+      </p:pic>
+      <p:cxnSp>
+        <p:nvCxnSpPr>
+          <p:cNvPr id="11" name="Gerade Verbindung 10">
+            <a:extLst>
+              <a:ext uri="{FF2B5EF4-FFF2-40B4-BE49-F238E27FC236}">
+                <a16:creationId xmlns:a16="http://schemas.microsoft.com/office/drawing/2014/main" id="{D55D03C5-9605-8E46-8D98-E4774C3CE492}"/>
+              </a:ext>
+            </a:extLst>
+          </p:cNvPr>
+          <p:cNvCxnSpPr>
+            <a:cxnSpLocks/>
+          </p:cNvCxnSpPr>
+          <p:nvPr/>
+        </p:nvCxnSpPr>
+        <p:spPr>
+          <a:xfrm>
+            <a:off x="1167255" y="1950720"/>
+            <a:ext cx="7671945" cy="0"/>
+          </a:xfrm>
+          <a:prstGeom prst="line">
+            <a:avLst/>
+          </a:prstGeom>
+        </p:spPr>
+        <p:style>
+          <a:lnRef idx="1">
+            <a:schemeClr val="accent1"/>
+          </a:lnRef>
+          <a:fillRef idx="0">
+            <a:schemeClr val="accent1"/>
+          </a:fillRef>
+          <a:effectRef idx="0">
+            <a:schemeClr val="accent1"/>
+          </a:effectRef>
+          <a:fontRef idx="minor">
+            <a:schemeClr val="tx1"/>
+          </a:fontRef>
+        </p:style>
+      </p:cxnSp>
+      <p:cxnSp>
+        <p:nvCxnSpPr>
+          <p:cNvPr id="12" name="Gerade Verbindung 11">
+            <a:extLst>
+              <a:ext uri="{FF2B5EF4-FFF2-40B4-BE49-F238E27FC236}">
+                <a16:creationId xmlns:a16="http://schemas.microsoft.com/office/drawing/2014/main" id="{9C0C0AB3-C08B-BA46-96DA-6857BA73F474}"/>
+              </a:ext>
+            </a:extLst>
+          </p:cNvPr>
+          <p:cNvCxnSpPr>
+            <a:cxnSpLocks/>
+          </p:cNvCxnSpPr>
+          <p:nvPr/>
+        </p:nvCxnSpPr>
+        <p:spPr>
+          <a:xfrm flipV="1">
+            <a:off x="8665057" y="1825625"/>
+            <a:ext cx="0" cy="4388908"/>
+          </a:xfrm>
+          <a:prstGeom prst="line">
+            <a:avLst/>
+          </a:prstGeom>
+        </p:spPr>
+        <p:style>
+          <a:lnRef idx="1">
+            <a:schemeClr val="accent1"/>
+          </a:lnRef>
+          <a:fillRef idx="0">
+            <a:schemeClr val="accent1"/>
+          </a:fillRef>
+          <a:effectRef idx="0">
+            <a:schemeClr val="accent1"/>
+          </a:effectRef>
+          <a:fontRef idx="minor">
+            <a:schemeClr val="tx1"/>
+          </a:fontRef>
+        </p:style>
+      </p:cxnSp>
+      <p:sp>
+        <p:nvSpPr>
+          <p:cNvPr id="14" name="Textfeld 13">
+            <a:extLst>
+              <a:ext uri="{FF2B5EF4-FFF2-40B4-BE49-F238E27FC236}">
+                <a16:creationId xmlns:a16="http://schemas.microsoft.com/office/drawing/2014/main" id="{D1138C56-9876-8E45-9239-57550B6721E1}"/>
+              </a:ext>
+            </a:extLst>
+          </p:cNvPr>
+          <p:cNvSpPr txBox="1"/>
+          <p:nvPr/>
+        </p:nvSpPr>
+        <p:spPr>
+          <a:xfrm>
+            <a:off x="9752024" y="2843114"/>
+            <a:ext cx="729608" cy="369332"/>
+          </a:xfrm>
+          <a:prstGeom prst="rect">
+            <a:avLst/>
+          </a:prstGeom>
+          <a:noFill/>
+        </p:spPr>
+        <p:txBody>
+          <a:bodyPr wrap="square" rtlCol="0">
+            <a:spAutoFit/>
+          </a:bodyPr>
+          <a:lstStyle/>
+          <a:p>
+            <a:r>
+              <a:rPr lang="de-DE" dirty="0"/>
+              <a:t>74dB</a:t>
+            </a:r>
+          </a:p>
+        </p:txBody>
+      </p:sp>
+      <p:sp>
+        <p:nvSpPr>
+          <p:cNvPr id="16" name="Textfeld 15">
+            <a:extLst>
+              <a:ext uri="{FF2B5EF4-FFF2-40B4-BE49-F238E27FC236}">
+                <a16:creationId xmlns:a16="http://schemas.microsoft.com/office/drawing/2014/main" id="{0AD7089E-F9D7-9A42-896E-1B60B3F82D85}"/>
+              </a:ext>
+            </a:extLst>
+          </p:cNvPr>
+          <p:cNvSpPr txBox="1"/>
+          <p:nvPr/>
+        </p:nvSpPr>
+        <p:spPr>
+          <a:xfrm>
+            <a:off x="8739993" y="2212910"/>
+            <a:ext cx="1012031" cy="369332"/>
+          </a:xfrm>
+          <a:prstGeom prst="rect">
+            <a:avLst/>
+          </a:prstGeom>
+          <a:noFill/>
+        </p:spPr>
+        <p:txBody>
+          <a:bodyPr wrap="square" rtlCol="0">
+            <a:spAutoFit/>
+          </a:bodyPr>
+          <a:lstStyle/>
+          <a:p>
+            <a:r>
+              <a:rPr lang="de-DE" dirty="0"/>
+              <a:t>600kHz</a:t>
+            </a:r>
+          </a:p>
+        </p:txBody>
+      </p:sp>
+      <p:cxnSp>
+        <p:nvCxnSpPr>
+          <p:cNvPr id="19" name="Gerade Verbindung 18">
+            <a:extLst>
+              <a:ext uri="{FF2B5EF4-FFF2-40B4-BE49-F238E27FC236}">
+                <a16:creationId xmlns:a16="http://schemas.microsoft.com/office/drawing/2014/main" id="{BBBA43AD-F7A1-7B44-A91C-75DABAEEBF8B}"/>
+              </a:ext>
+            </a:extLst>
+          </p:cNvPr>
+          <p:cNvCxnSpPr>
+            <a:cxnSpLocks/>
+          </p:cNvCxnSpPr>
+          <p:nvPr/>
+        </p:nvCxnSpPr>
+        <p:spPr>
+          <a:xfrm>
+            <a:off x="1167255" y="4677381"/>
+            <a:ext cx="3704322" cy="0"/>
+          </a:xfrm>
+          <a:prstGeom prst="line">
+            <a:avLst/>
+          </a:prstGeom>
+        </p:spPr>
+        <p:style>
+          <a:lnRef idx="1">
+            <a:schemeClr val="accent1"/>
+          </a:lnRef>
+          <a:fillRef idx="0">
+            <a:schemeClr val="accent1"/>
+          </a:fillRef>
+          <a:effectRef idx="0">
+            <a:schemeClr val="accent1"/>
+          </a:effectRef>
+          <a:fontRef idx="minor">
+            <a:schemeClr val="tx1"/>
+          </a:fontRef>
+        </p:style>
+      </p:cxnSp>
+      <p:sp>
+        <p:nvSpPr>
+          <p:cNvPr id="20" name="Textfeld 19">
+            <a:extLst>
+              <a:ext uri="{FF2B5EF4-FFF2-40B4-BE49-F238E27FC236}">
+                <a16:creationId xmlns:a16="http://schemas.microsoft.com/office/drawing/2014/main" id="{4B7B0462-7371-D046-A3D5-CFB9D63CE51A}"/>
+              </a:ext>
+            </a:extLst>
+          </p:cNvPr>
+          <p:cNvSpPr txBox="1"/>
+          <p:nvPr/>
+        </p:nvSpPr>
+        <p:spPr>
+          <a:xfrm>
+            <a:off x="3264212" y="4328369"/>
+            <a:ext cx="729608" cy="369332"/>
+          </a:xfrm>
+          <a:prstGeom prst="rect">
+            <a:avLst/>
+          </a:prstGeom>
+          <a:noFill/>
+        </p:spPr>
+        <p:txBody>
+          <a:bodyPr wrap="square" rtlCol="0">
+            <a:spAutoFit/>
+          </a:bodyPr>
+          <a:lstStyle/>
+          <a:p>
+            <a:r>
+              <a:rPr lang="de-DE" dirty="0"/>
+              <a:t>8dB</a:t>
+            </a:r>
+          </a:p>
+        </p:txBody>
+      </p:sp>
+      <p:cxnSp>
+        <p:nvCxnSpPr>
+          <p:cNvPr id="21" name="Gerade Verbindung 20">
+            <a:extLst>
+              <a:ext uri="{FF2B5EF4-FFF2-40B4-BE49-F238E27FC236}">
+                <a16:creationId xmlns:a16="http://schemas.microsoft.com/office/drawing/2014/main" id="{F4E62D31-C1C2-894E-912F-84B855DAA7FC}"/>
+              </a:ext>
+            </a:extLst>
+          </p:cNvPr>
+          <p:cNvCxnSpPr>
+            <a:cxnSpLocks/>
+          </p:cNvCxnSpPr>
+          <p:nvPr/>
+        </p:nvCxnSpPr>
+        <p:spPr>
+          <a:xfrm flipV="1">
+            <a:off x="3997028" y="4328369"/>
+            <a:ext cx="0" cy="1865844"/>
+          </a:xfrm>
+          <a:prstGeom prst="line">
+            <a:avLst/>
+          </a:prstGeom>
+        </p:spPr>
+        <p:style>
+          <a:lnRef idx="1">
+            <a:schemeClr val="accent1"/>
+          </a:lnRef>
+          <a:fillRef idx="0">
+            <a:schemeClr val="accent1"/>
+          </a:fillRef>
+          <a:effectRef idx="0">
+            <a:schemeClr val="accent1"/>
+          </a:effectRef>
+          <a:fontRef idx="minor">
+            <a:schemeClr val="tx1"/>
+          </a:fontRef>
+        </p:style>
+      </p:cxnSp>
+      <p:sp>
+        <p:nvSpPr>
+          <p:cNvPr id="22" name="Textfeld 21">
+            <a:extLst>
+              <a:ext uri="{FF2B5EF4-FFF2-40B4-BE49-F238E27FC236}">
+                <a16:creationId xmlns:a16="http://schemas.microsoft.com/office/drawing/2014/main" id="{413B27F2-1C24-864B-8B7D-B918DE79F896}"/>
+              </a:ext>
+            </a:extLst>
+          </p:cNvPr>
+          <p:cNvSpPr txBox="1"/>
+          <p:nvPr/>
+        </p:nvSpPr>
+        <p:spPr>
+          <a:xfrm>
+            <a:off x="4000237" y="5261291"/>
+            <a:ext cx="1012031" cy="369332"/>
+          </a:xfrm>
+          <a:prstGeom prst="rect">
+            <a:avLst/>
+          </a:prstGeom>
+          <a:noFill/>
+        </p:spPr>
+        <p:txBody>
+          <a:bodyPr wrap="square" rtlCol="0">
+            <a:spAutoFit/>
+          </a:bodyPr>
+          <a:lstStyle/>
+          <a:p>
+            <a:r>
+              <a:rPr lang="de-DE" dirty="0"/>
+              <a:t>80kHz</a:t>
+            </a:r>
+          </a:p>
+        </p:txBody>
+      </p:sp>
+      <p:cxnSp>
+        <p:nvCxnSpPr>
+          <p:cNvPr id="23" name="Gerade Verbindung 22">
+            <a:extLst>
+              <a:ext uri="{FF2B5EF4-FFF2-40B4-BE49-F238E27FC236}">
+                <a16:creationId xmlns:a16="http://schemas.microsoft.com/office/drawing/2014/main" id="{8D3C2D01-6120-274E-9C7E-0F92222081D9}"/>
+              </a:ext>
+            </a:extLst>
+          </p:cNvPr>
+          <p:cNvCxnSpPr>
+            <a:cxnSpLocks/>
+          </p:cNvCxnSpPr>
+          <p:nvPr/>
+        </p:nvCxnSpPr>
+        <p:spPr>
+          <a:xfrm>
+            <a:off x="1167255" y="3212446"/>
+            <a:ext cx="10186545" cy="0"/>
+          </a:xfrm>
+          <a:prstGeom prst="line">
+            <a:avLst/>
+          </a:prstGeom>
+        </p:spPr>
+        <p:style>
+          <a:lnRef idx="1">
+            <a:schemeClr val="accent1"/>
+          </a:lnRef>
+          <a:fillRef idx="0">
+            <a:schemeClr val="accent1"/>
+          </a:fillRef>
+          <a:effectRef idx="0">
+            <a:schemeClr val="accent1"/>
+          </a:effectRef>
+          <a:fontRef idx="minor">
+            <a:schemeClr val="tx1"/>
+          </a:fontRef>
+        </p:style>
+      </p:cxnSp>
+      <p:cxnSp>
+        <p:nvCxnSpPr>
+          <p:cNvPr id="24" name="Gerade Verbindung 23">
+            <a:extLst>
+              <a:ext uri="{FF2B5EF4-FFF2-40B4-BE49-F238E27FC236}">
+                <a16:creationId xmlns:a16="http://schemas.microsoft.com/office/drawing/2014/main" id="{E9E05B43-9401-3645-B62E-1808A8C2A261}"/>
+              </a:ext>
+            </a:extLst>
+          </p:cNvPr>
+          <p:cNvCxnSpPr>
+            <a:cxnSpLocks/>
+          </p:cNvCxnSpPr>
+          <p:nvPr/>
+        </p:nvCxnSpPr>
+        <p:spPr>
+          <a:xfrm flipV="1">
+            <a:off x="10861583" y="2724766"/>
+            <a:ext cx="0" cy="3489768"/>
+          </a:xfrm>
+          <a:prstGeom prst="line">
+            <a:avLst/>
+          </a:prstGeom>
+        </p:spPr>
+        <p:style>
+          <a:lnRef idx="1">
+            <a:schemeClr val="accent1"/>
+          </a:lnRef>
+          <a:fillRef idx="0">
+            <a:schemeClr val="accent1"/>
+          </a:fillRef>
+          <a:effectRef idx="0">
+            <a:schemeClr val="accent1"/>
+          </a:effectRef>
+          <a:fontRef idx="minor">
+            <a:schemeClr val="tx1"/>
+          </a:fontRef>
+        </p:style>
+      </p:cxnSp>
+      <p:sp>
+        <p:nvSpPr>
+          <p:cNvPr id="25" name="Textfeld 24">
+            <a:extLst>
+              <a:ext uri="{FF2B5EF4-FFF2-40B4-BE49-F238E27FC236}">
+                <a16:creationId xmlns:a16="http://schemas.microsoft.com/office/drawing/2014/main" id="{6463C207-3CC1-354D-9F20-6D700A04C8F7}"/>
+              </a:ext>
+            </a:extLst>
+          </p:cNvPr>
+          <p:cNvSpPr txBox="1"/>
+          <p:nvPr/>
+        </p:nvSpPr>
+        <p:spPr>
+          <a:xfrm>
+            <a:off x="7138217" y="1943339"/>
+            <a:ext cx="1280699" cy="369332"/>
+          </a:xfrm>
+          <a:prstGeom prst="rect">
+            <a:avLst/>
+          </a:prstGeom>
+          <a:noFill/>
+        </p:spPr>
+        <p:txBody>
+          <a:bodyPr wrap="square" rtlCol="0">
+            <a:spAutoFit/>
+          </a:bodyPr>
+          <a:lstStyle/>
+          <a:p>
+            <a:r>
+              <a:rPr lang="de-DE" dirty="0"/>
+              <a:t>137dB</a:t>
+            </a:r>
+          </a:p>
+        </p:txBody>
+      </p:sp>
+      <p:sp>
+        <p:nvSpPr>
+          <p:cNvPr id="26" name="Textfeld 25">
+            <a:extLst>
+              <a:ext uri="{FF2B5EF4-FFF2-40B4-BE49-F238E27FC236}">
+                <a16:creationId xmlns:a16="http://schemas.microsoft.com/office/drawing/2014/main" id="{D771C17E-F821-1A40-853F-9C2A143B402A}"/>
+              </a:ext>
+            </a:extLst>
+          </p:cNvPr>
+          <p:cNvSpPr txBox="1"/>
+          <p:nvPr/>
+        </p:nvSpPr>
+        <p:spPr>
+          <a:xfrm>
+            <a:off x="10870749" y="3581779"/>
+            <a:ext cx="1012031" cy="369332"/>
+          </a:xfrm>
+          <a:prstGeom prst="rect">
+            <a:avLst/>
+          </a:prstGeom>
+          <a:noFill/>
+        </p:spPr>
+        <p:txBody>
+          <a:bodyPr wrap="square" rtlCol="0">
+            <a:spAutoFit/>
+          </a:bodyPr>
+          <a:lstStyle/>
+          <a:p>
+            <a:r>
+              <a:rPr lang="de-DE" dirty="0"/>
+              <a:t>20MHz</a:t>
+            </a:r>
+          </a:p>
+        </p:txBody>
+      </p:sp>
+    </p:spTree>
+    <p:extLst>
+      <p:ext uri="{BB962C8B-B14F-4D97-AF65-F5344CB8AC3E}">
+        <p14:creationId xmlns:p14="http://schemas.microsoft.com/office/powerpoint/2010/main" val="1538406623"/>
+      </p:ext>
+    </p:extLst>
+  </p:cSld>
+  <p:clrMapOvr>
+    <a:masterClrMapping/>
+  </p:clrMapOvr>
+</p:sld>
+</file>
+
+<file path=ppt/slides/slide11.xml><?xml version="1.0" encoding="utf-8"?>
+<p:sld xmlns:a="http://schemas.openxmlformats.org/drawingml/2006/main" xmlns:r="http://schemas.openxmlformats.org/officeDocument/2006/relationships" xmlns:p="http://schemas.openxmlformats.org/presentationml/2006/main">
+  <p:cSld>
+    <p:spTree>
+      <p:nvGrpSpPr>
+        <p:cNvPr id="1" name=""/>
+        <p:cNvGrpSpPr/>
+        <p:nvPr/>
+      </p:nvGrpSpPr>
+      <p:grpSpPr>
+        <a:xfrm>
+          <a:off x="0" y="0"/>
+          <a:ext cx="0" cy="0"/>
+          <a:chOff x="0" y="0"/>
+          <a:chExt cx="0" cy="0"/>
+        </a:xfrm>
+      </p:grpSpPr>
+      <p:sp>
+        <p:nvSpPr>
+          <p:cNvPr id="2" name="Titel 1">
+            <a:extLst>
+              <a:ext uri="{FF2B5EF4-FFF2-40B4-BE49-F238E27FC236}">
+                <a16:creationId xmlns:a16="http://schemas.microsoft.com/office/drawing/2014/main" id="{0E077631-1EC1-4878-9FED-CB023DD13DE4}"/>
+              </a:ext>
+            </a:extLst>
+          </p:cNvPr>
+          <p:cNvSpPr>
+            <a:spLocks noGrp="1"/>
+          </p:cNvSpPr>
+          <p:nvPr>
+            <p:ph type="title"/>
+          </p:nvPr>
+        </p:nvSpPr>
+        <p:spPr>
+          <a:xfrm>
+            <a:off x="838200" y="294005"/>
+            <a:ext cx="10515600" cy="1325563"/>
+          </a:xfrm>
+        </p:spPr>
+        <p:txBody>
+          <a:bodyPr>
+            <a:normAutofit/>
+          </a:bodyPr>
+          <a:lstStyle/>
+          <a:p>
+            <a:r>
+              <a:rPr lang="de-CH" dirty="0">
+                <a:latin typeface="Arial" panose="020B0604020202020204" pitchFamily="34" charset="0"/>
+                <a:cs typeface="Arial" panose="020B0604020202020204" pitchFamily="34" charset="0"/>
+              </a:rPr>
+              <a:t>Klassendiagramm</a:t>
+            </a:r>
+          </a:p>
+        </p:txBody>
+      </p:sp>
+      <p:sp>
+        <p:nvSpPr>
+          <p:cNvPr id="3" name="Datumsplatzhalter 2">
+            <a:extLst>
+              <a:ext uri="{FF2B5EF4-FFF2-40B4-BE49-F238E27FC236}">
+                <a16:creationId xmlns:a16="http://schemas.microsoft.com/office/drawing/2014/main" id="{346A7BB0-DE88-49D7-851E-097C83BF3BCA}"/>
+              </a:ext>
+            </a:extLst>
+          </p:cNvPr>
+          <p:cNvSpPr>
+            <a:spLocks noGrp="1"/>
+          </p:cNvSpPr>
+          <p:nvPr>
+            <p:ph type="dt" sz="half" idx="10"/>
+          </p:nvPr>
+        </p:nvSpPr>
+        <p:spPr/>
+        <p:txBody>
+          <a:bodyPr/>
+          <a:lstStyle/>
+          <a:p>
+            <a:r>
+              <a:rPr lang="de-CH" dirty="0"/>
+              <a:t>13.06.2019</a:t>
+            </a:r>
+          </a:p>
+          <a:p>
+            <a:endParaRPr lang="de-CH" dirty="0"/>
+          </a:p>
+        </p:txBody>
+      </p:sp>
+      <p:sp>
+        <p:nvSpPr>
+          <p:cNvPr id="4" name="Fußzeilenplatzhalter 3">
+            <a:extLst>
+              <a:ext uri="{FF2B5EF4-FFF2-40B4-BE49-F238E27FC236}">
+                <a16:creationId xmlns:a16="http://schemas.microsoft.com/office/drawing/2014/main" id="{81ABF27F-FDE4-4DE3-BC0A-24E3D747A4DA}"/>
+              </a:ext>
+            </a:extLst>
+          </p:cNvPr>
+          <p:cNvSpPr>
+            <a:spLocks noGrp="1"/>
+          </p:cNvSpPr>
+          <p:nvPr>
+            <p:ph type="ftr" sz="quarter" idx="11"/>
+          </p:nvPr>
+        </p:nvSpPr>
+        <p:spPr/>
+        <p:txBody>
+          <a:bodyPr/>
+          <a:lstStyle/>
+          <a:p>
+            <a:r>
+              <a:rPr lang="de-CH"/>
+              <a:t>Gruppe 1</a:t>
+            </a:r>
+          </a:p>
+        </p:txBody>
+      </p:sp>
+      <p:sp>
+        <p:nvSpPr>
+          <p:cNvPr id="6" name="Foliennummernplatzhalter 5">
+            <a:extLst>
+              <a:ext uri="{FF2B5EF4-FFF2-40B4-BE49-F238E27FC236}">
+                <a16:creationId xmlns:a16="http://schemas.microsoft.com/office/drawing/2014/main" id="{6330A05C-1A58-4908-827F-FA2A97696E5C}"/>
+              </a:ext>
+            </a:extLst>
+          </p:cNvPr>
+          <p:cNvSpPr>
+            <a:spLocks noGrp="1"/>
+          </p:cNvSpPr>
+          <p:nvPr>
+            <p:ph type="sldNum" sz="quarter" idx="12"/>
+          </p:nvPr>
+        </p:nvSpPr>
+        <p:spPr/>
+        <p:txBody>
+          <a:bodyPr/>
+          <a:lstStyle/>
+          <a:p>
+            <a:fld id="{67DE59EB-AC61-4D10-8801-60733011B4E4}" type="slidenum">
+              <a:rPr lang="de-CH" smtClean="0"/>
+              <a:t>11</a:t>
+            </a:fld>
+            <a:endParaRPr lang="de-CH"/>
+          </a:p>
+        </p:txBody>
+      </p:sp>
+      <p:sp>
+        <p:nvSpPr>
+          <p:cNvPr id="8" name="Inhaltsplatzhalter 7">
+            <a:extLst>
+              <a:ext uri="{FF2B5EF4-FFF2-40B4-BE49-F238E27FC236}">
+                <a16:creationId xmlns:a16="http://schemas.microsoft.com/office/drawing/2014/main" id="{1FADF334-322E-40D2-A125-BF1E33F30272}"/>
+              </a:ext>
+            </a:extLst>
+          </p:cNvPr>
+          <p:cNvSpPr>
+            <a:spLocks noGrp="1"/>
+          </p:cNvSpPr>
+          <p:nvPr>
+            <p:ph idx="1"/>
+          </p:nvPr>
+        </p:nvSpPr>
+        <p:spPr/>
+        <p:txBody>
+          <a:bodyPr/>
+          <a:lstStyle/>
+          <a:p>
+            <a:endParaRPr lang="de-CH"/>
+          </a:p>
+        </p:txBody>
+      </p:sp>
+    </p:spTree>
+    <p:extLst>
+      <p:ext uri="{BB962C8B-B14F-4D97-AF65-F5344CB8AC3E}">
+        <p14:creationId xmlns:p14="http://schemas.microsoft.com/office/powerpoint/2010/main" val="1553349631"/>
+      </p:ext>
+    </p:extLst>
+  </p:cSld>
+  <p:clrMapOvr>
+    <a:masterClrMapping/>
+  </p:clrMapOvr>
+</p:sld>
+</file>
+
+<file path=ppt/slides/slide12.xml><?xml version="1.0" encoding="utf-8"?>
+<p:sld xmlns:a="http://schemas.openxmlformats.org/drawingml/2006/main" xmlns:r="http://schemas.openxmlformats.org/officeDocument/2006/relationships" xmlns:p="http://schemas.openxmlformats.org/presentationml/2006/main">
+  <p:cSld>
+    <p:spTree>
+      <p:nvGrpSpPr>
+        <p:cNvPr id="1" name=""/>
+        <p:cNvGrpSpPr/>
+        <p:nvPr/>
+      </p:nvGrpSpPr>
+      <p:grpSpPr>
+        <a:xfrm>
+          <a:off x="0" y="0"/>
+          <a:ext cx="0" cy="0"/>
+          <a:chOff x="0" y="0"/>
+          <a:chExt cx="0" cy="0"/>
+        </a:xfrm>
+      </p:grpSpPr>
+      <p:sp>
+        <p:nvSpPr>
+          <p:cNvPr id="2" name="Titel 1">
+            <a:extLst>
+              <a:ext uri="{FF2B5EF4-FFF2-40B4-BE49-F238E27FC236}">
+                <a16:creationId xmlns:a16="http://schemas.microsoft.com/office/drawing/2014/main" id="{8CBBDB5F-B964-4458-8E0B-B425EEEA316B}"/>
+              </a:ext>
+            </a:extLst>
+          </p:cNvPr>
+          <p:cNvSpPr>
+            <a:spLocks noGrp="1"/>
+          </p:cNvSpPr>
+          <p:nvPr>
+            <p:ph type="title"/>
+          </p:nvPr>
+        </p:nvSpPr>
+        <p:spPr/>
+        <p:txBody>
+          <a:bodyPr/>
+          <a:lstStyle/>
+          <a:p>
+            <a:r>
+              <a:rPr lang="de-CH" b="1" dirty="0"/>
+              <a:t>Fragen?</a:t>
+            </a:r>
+          </a:p>
+        </p:txBody>
+      </p:sp>
+      <p:sp>
+        <p:nvSpPr>
+          <p:cNvPr id="3" name="Datumsplatzhalter 2">
+            <a:extLst>
+              <a:ext uri="{FF2B5EF4-FFF2-40B4-BE49-F238E27FC236}">
+                <a16:creationId xmlns:a16="http://schemas.microsoft.com/office/drawing/2014/main" id="{34BAC75A-B53C-41CF-808B-15D21FDCEC9D}"/>
+              </a:ext>
+            </a:extLst>
+          </p:cNvPr>
+          <p:cNvSpPr>
+            <a:spLocks noGrp="1"/>
+          </p:cNvSpPr>
+          <p:nvPr>
+            <p:ph type="dt" sz="half" idx="10"/>
+          </p:nvPr>
+        </p:nvSpPr>
+        <p:spPr/>
+        <p:txBody>
+          <a:bodyPr/>
+          <a:lstStyle/>
+          <a:p>
+            <a:r>
+              <a:rPr lang="de-CH" dirty="0"/>
+              <a:t>13.06.2019</a:t>
+            </a:r>
+          </a:p>
+          <a:p>
+            <a:endParaRPr lang="de-CH" dirty="0"/>
+          </a:p>
+        </p:txBody>
+      </p:sp>
+      <p:sp>
+        <p:nvSpPr>
+          <p:cNvPr id="4" name="Fußzeilenplatzhalter 3">
+            <a:extLst>
+              <a:ext uri="{FF2B5EF4-FFF2-40B4-BE49-F238E27FC236}">
+                <a16:creationId xmlns:a16="http://schemas.microsoft.com/office/drawing/2014/main" id="{F405E387-A2E1-4E30-8970-0605782B7E7E}"/>
+              </a:ext>
+            </a:extLst>
+          </p:cNvPr>
+          <p:cNvSpPr>
+            <a:spLocks noGrp="1"/>
+          </p:cNvSpPr>
+          <p:nvPr>
+            <p:ph type="ftr" sz="quarter" idx="11"/>
+          </p:nvPr>
+        </p:nvSpPr>
+        <p:spPr/>
+        <p:txBody>
+          <a:bodyPr/>
+          <a:lstStyle/>
+          <a:p>
+            <a:r>
+              <a:rPr lang="de-CH"/>
+              <a:t>Gruppe 1</a:t>
+            </a:r>
+          </a:p>
+        </p:txBody>
+      </p:sp>
+      <p:sp>
+        <p:nvSpPr>
+          <p:cNvPr id="5" name="Foliennummernplatzhalter 4">
+            <a:extLst>
+              <a:ext uri="{FF2B5EF4-FFF2-40B4-BE49-F238E27FC236}">
+                <a16:creationId xmlns:a16="http://schemas.microsoft.com/office/drawing/2014/main" id="{37ADF01D-C825-4187-B6D7-5B0A6A07BB3D}"/>
+              </a:ext>
+            </a:extLst>
+          </p:cNvPr>
+          <p:cNvSpPr>
+            <a:spLocks noGrp="1"/>
+          </p:cNvSpPr>
+          <p:nvPr>
+            <p:ph type="sldNum" sz="quarter" idx="12"/>
+          </p:nvPr>
+        </p:nvSpPr>
+        <p:spPr/>
+        <p:txBody>
+          <a:bodyPr/>
+          <a:lstStyle/>
+          <a:p>
+            <a:fld id="{67DE59EB-AC61-4D10-8801-60733011B4E4}" type="slidenum">
+              <a:rPr lang="de-CH" smtClean="0"/>
+              <a:t>12</a:t>
+            </a:fld>
+            <a:endParaRPr lang="de-CH"/>
+          </a:p>
+        </p:txBody>
+      </p:sp>
+      <p:pic>
+        <p:nvPicPr>
+          <p:cNvPr id="1026" name="Picture 2" descr="Bildergebnis fÃ¼r fragezeichen bilder">
+            <a:extLst>
+              <a:ext uri="{FF2B5EF4-FFF2-40B4-BE49-F238E27FC236}">
+                <a16:creationId xmlns:a16="http://schemas.microsoft.com/office/drawing/2014/main" id="{382E82E2-42EC-46E4-B0A7-A9D05C86D21A}"/>
+              </a:ext>
+            </a:extLst>
+          </p:cNvPr>
+          <p:cNvPicPr>
+            <a:picLocks noChangeAspect="1" noChangeArrowheads="1"/>
+          </p:cNvPicPr>
+          <p:nvPr/>
+        </p:nvPicPr>
+        <p:blipFill>
+          <a:blip r:embed="rId3">
+            <a:extLst>
+              <a:ext uri="{28A0092B-C50C-407E-A947-70E740481C1C}">
+                <a14:useLocalDpi xmlns:a14="http://schemas.microsoft.com/office/drawing/2010/main" val="0"/>
+              </a:ext>
+            </a:extLst>
+          </a:blip>
+          <a:srcRect/>
+          <a:stretch>
+            <a:fillRect/>
+          </a:stretch>
+        </p:blipFill>
+        <p:spPr bwMode="auto">
+          <a:xfrm>
+            <a:off x="778565" y="2112403"/>
+            <a:ext cx="3972339" cy="3972339"/>
+          </a:xfrm>
+          <a:prstGeom prst="rect">
+            <a:avLst/>
+          </a:prstGeom>
+          <a:noFill/>
+          <a:extLst>
+            <a:ext uri="{909E8E84-426E-40DD-AFC4-6F175D3DCCD1}">
+              <a14:hiddenFill xmlns:a14="http://schemas.microsoft.com/office/drawing/2010/main">
+                <a:solidFill>
+                  <a:srgbClr val="FFFFFF"/>
+                </a:solidFill>
+              </a14:hiddenFill>
+            </a:ext>
+          </a:extLst>
+        </p:spPr>
+      </p:pic>
+    </p:spTree>
+    <p:extLst>
+      <p:ext uri="{BB962C8B-B14F-4D97-AF65-F5344CB8AC3E}">
+        <p14:creationId xmlns:p14="http://schemas.microsoft.com/office/powerpoint/2010/main" val="3919693850"/>
+      </p:ext>
+    </p:extLst>
+  </p:cSld>
+  <p:clrMapOvr>
+    <a:masterClrMapping/>
+  </p:clrMapOvr>
+</p:sld>
+</file>
+
 <file path=ppt/slides/slide2.xml><?xml version="1.0" encoding="utf-8"?>
 <p:sld xmlns:a="http://schemas.openxmlformats.org/drawingml/2006/main" xmlns:r="http://schemas.openxmlformats.org/officeDocument/2006/relationships" xmlns:p="http://schemas.openxmlformats.org/presentationml/2006/main">
   <p:cSld>
@@ -5169,85 +6334,17 @@
                 <a:latin typeface="Arial" panose="020B0604020202020204" pitchFamily="34" charset="0"/>
                 <a:cs typeface="Arial" panose="020B0604020202020204" pitchFamily="34" charset="0"/>
               </a:rPr>
-              <a:t>Ablauf</a:t>
-            </a:r>
-          </a:p>
-        </p:txBody>
-      </p:sp>
-      <p:sp>
-        <p:nvSpPr>
-          <p:cNvPr id="3" name="Inhaltsplatzhalter 2">
-            <a:extLst>
-              <a:ext uri="{FF2B5EF4-FFF2-40B4-BE49-F238E27FC236}">
-                <a16:creationId xmlns:a16="http://schemas.microsoft.com/office/drawing/2014/main" id="{087CF7F0-1F3E-4360-83C5-C43A47374AC5}"/>
-              </a:ext>
-            </a:extLst>
-          </p:cNvPr>
-          <p:cNvSpPr>
-            <a:spLocks noGrp="1"/>
-          </p:cNvSpPr>
-          <p:nvPr>
-            <p:ph idx="1"/>
-          </p:nvPr>
-        </p:nvSpPr>
-        <p:spPr/>
-        <p:txBody>
-          <a:bodyPr/>
-          <a:lstStyle/>
-          <a:p>
-            <a:pPr>
-              <a:buFont typeface="Arial" panose="020B0604020202020204" pitchFamily="34" charset="0"/>
-              <a:buChar char="•"/>
-            </a:pPr>
-            <a:r>
-              <a:rPr lang="de-CH" sz="3000" dirty="0"/>
-              <a:t>Herausforderungen</a:t>
-            </a:r>
-          </a:p>
-          <a:p>
-            <a:pPr>
-              <a:buFont typeface="Arial" panose="020B0604020202020204" pitchFamily="34" charset="0"/>
-              <a:buChar char="•"/>
-            </a:pPr>
-            <a:r>
-              <a:rPr lang="de-CH" sz="3000" dirty="0"/>
               <a:t>Demo</a:t>
             </a:r>
           </a:p>
-          <a:p>
-            <a:pPr>
-              <a:buFont typeface="Arial" panose="020B0604020202020204" pitchFamily="34" charset="0"/>
-              <a:buChar char="•"/>
-            </a:pPr>
-            <a:r>
-              <a:rPr lang="de-CH" sz="3000" dirty="0"/>
-              <a:t>Klassendiagramm</a:t>
-            </a:r>
-          </a:p>
-          <a:p>
-            <a:pPr>
-              <a:buFont typeface="Arial" panose="020B0604020202020204" pitchFamily="34" charset="0"/>
-              <a:buChar char="•"/>
-            </a:pPr>
-            <a:r>
-              <a:rPr lang="de-CH" sz="3000" dirty="0"/>
-              <a:t>Schluss</a:t>
-            </a:r>
-          </a:p>
-          <a:p>
-            <a:pPr marL="0" indent="0">
-              <a:buNone/>
-            </a:pPr>
-            <a:endParaRPr lang="de-CH" dirty="0"/>
-          </a:p>
-        </p:txBody>
-      </p:sp>
-      <p:sp>
-        <p:nvSpPr>
-          <p:cNvPr id="4" name="Datumsplatzhalter 3">
-            <a:extLst>
-              <a:ext uri="{FF2B5EF4-FFF2-40B4-BE49-F238E27FC236}">
-                <a16:creationId xmlns:a16="http://schemas.microsoft.com/office/drawing/2014/main" id="{E740446E-1394-4FE7-9B41-E5FB27058978}"/>
+        </p:txBody>
+      </p:sp>
+      <p:sp>
+        <p:nvSpPr>
+          <p:cNvPr id="3" name="Datumsplatzhalter 2">
+            <a:extLst>
+              <a:ext uri="{FF2B5EF4-FFF2-40B4-BE49-F238E27FC236}">
+                <a16:creationId xmlns:a16="http://schemas.microsoft.com/office/drawing/2014/main" id="{0D381AEC-7F85-48A6-8A2C-CD36FDD1A860}"/>
               </a:ext>
             </a:extLst>
           </p:cNvPr>
@@ -5268,14 +6365,17 @@
               <a:t>13.06.2019</a:t>
             </a:r>
           </a:p>
-        </p:txBody>
-      </p:sp>
-      <p:sp>
-        <p:nvSpPr>
-          <p:cNvPr id="5" name="Fußzeilenplatzhalter 4">
-            <a:extLst>
-              <a:ext uri="{FF2B5EF4-FFF2-40B4-BE49-F238E27FC236}">
-                <a16:creationId xmlns:a16="http://schemas.microsoft.com/office/drawing/2014/main" id="{6B6096FE-BB3C-47FE-93B3-648408A9FF2F}"/>
+          <a:p>
+            <a:endParaRPr lang="de-CH" dirty="0"/>
+          </a:p>
+        </p:txBody>
+      </p:sp>
+      <p:sp>
+        <p:nvSpPr>
+          <p:cNvPr id="4" name="Fußzeilenplatzhalter 3">
+            <a:extLst>
+              <a:ext uri="{FF2B5EF4-FFF2-40B4-BE49-F238E27FC236}">
+                <a16:creationId xmlns:a16="http://schemas.microsoft.com/office/drawing/2014/main" id="{67A4438C-AE65-4368-889B-54D68278C857}"/>
               </a:ext>
             </a:extLst>
           </p:cNvPr>
@@ -5300,10 +6400,10 @@
       </p:sp>
       <p:sp>
         <p:nvSpPr>
-          <p:cNvPr id="6" name="Foliennummernplatzhalter 5">
-            <a:extLst>
-              <a:ext uri="{FF2B5EF4-FFF2-40B4-BE49-F238E27FC236}">
-                <a16:creationId xmlns:a16="http://schemas.microsoft.com/office/drawing/2014/main" id="{5F0B6470-275E-41F5-A1F5-397671116739}"/>
+          <p:cNvPr id="5" name="Foliennummernplatzhalter 4">
+            <a:extLst>
+              <a:ext uri="{FF2B5EF4-FFF2-40B4-BE49-F238E27FC236}">
+                <a16:creationId xmlns:a16="http://schemas.microsoft.com/office/drawing/2014/main" id="{DBB5FEF5-4498-490F-BE5D-C37143E8361A}"/>
               </a:ext>
             </a:extLst>
           </p:cNvPr>
@@ -5327,10 +6427,35 @@
           </a:p>
         </p:txBody>
       </p:sp>
+      <p:sp>
+        <p:nvSpPr>
+          <p:cNvPr id="8" name="Inhaltsplatzhalter 7">
+            <a:extLst>
+              <a:ext uri="{FF2B5EF4-FFF2-40B4-BE49-F238E27FC236}">
+                <a16:creationId xmlns:a16="http://schemas.microsoft.com/office/drawing/2014/main" id="{A478ADE2-4D8D-43C0-97AD-DBC3CFF42460}"/>
+              </a:ext>
+            </a:extLst>
+          </p:cNvPr>
+          <p:cNvSpPr>
+            <a:spLocks noGrp="1"/>
+          </p:cNvSpPr>
+          <p:nvPr>
+            <p:ph idx="1"/>
+          </p:nvPr>
+        </p:nvSpPr>
+        <p:spPr/>
+        <p:txBody>
+          <a:bodyPr/>
+          <a:lstStyle/>
+          <a:p>
+            <a:endParaRPr lang="de-CH" dirty="0"/>
+          </a:p>
+        </p:txBody>
+      </p:sp>
     </p:spTree>
     <p:extLst>
       <p:ext uri="{BB962C8B-B14F-4D97-AF65-F5344CB8AC3E}">
-        <p14:creationId xmlns:p14="http://schemas.microsoft.com/office/powerpoint/2010/main" val="1058361189"/>
+        <p14:creationId xmlns:p14="http://schemas.microsoft.com/office/powerpoint/2010/main" val="3294738496"/>
       </p:ext>
     </p:extLst>
   </p:cSld>
@@ -5390,17 +6515,85 @@
                 <a:latin typeface="Arial" panose="020B0604020202020204" pitchFamily="34" charset="0"/>
                 <a:cs typeface="Arial" panose="020B0604020202020204" pitchFamily="34" charset="0"/>
               </a:rPr>
+              <a:t>Ablauf</a:t>
+            </a:r>
+          </a:p>
+        </p:txBody>
+      </p:sp>
+      <p:sp>
+        <p:nvSpPr>
+          <p:cNvPr id="3" name="Inhaltsplatzhalter 2">
+            <a:extLst>
+              <a:ext uri="{FF2B5EF4-FFF2-40B4-BE49-F238E27FC236}">
+                <a16:creationId xmlns:a16="http://schemas.microsoft.com/office/drawing/2014/main" id="{087CF7F0-1F3E-4360-83C5-C43A47374AC5}"/>
+              </a:ext>
+            </a:extLst>
+          </p:cNvPr>
+          <p:cNvSpPr>
+            <a:spLocks noGrp="1"/>
+          </p:cNvSpPr>
+          <p:nvPr>
+            <p:ph idx="1"/>
+          </p:nvPr>
+        </p:nvSpPr>
+        <p:spPr/>
+        <p:txBody>
+          <a:bodyPr/>
+          <a:lstStyle/>
+          <a:p>
+            <a:pPr>
+              <a:buFont typeface="Arial" panose="020B0604020202020204" pitchFamily="34" charset="0"/>
+              <a:buChar char="•"/>
+            </a:pPr>
+            <a:r>
+              <a:rPr lang="de-CH" sz="3000" dirty="0"/>
               <a:t>Herausforderungen</a:t>
             </a:r>
           </a:p>
-        </p:txBody>
-      </p:sp>
-      <p:sp>
-        <p:nvSpPr>
-          <p:cNvPr id="3" name="Datumsplatzhalter 2">
-            <a:extLst>
-              <a:ext uri="{FF2B5EF4-FFF2-40B4-BE49-F238E27FC236}">
-                <a16:creationId xmlns:a16="http://schemas.microsoft.com/office/drawing/2014/main" id="{0D381AEC-7F85-48A6-8A2C-CD36FDD1A860}"/>
+          <a:p>
+            <a:pPr>
+              <a:buFont typeface="Arial" panose="020B0604020202020204" pitchFamily="34" charset="0"/>
+              <a:buChar char="•"/>
+            </a:pPr>
+            <a:r>
+              <a:rPr lang="de-CH" sz="3000" dirty="0"/>
+              <a:t>Demo</a:t>
+            </a:r>
+          </a:p>
+          <a:p>
+            <a:pPr>
+              <a:buFont typeface="Arial" panose="020B0604020202020204" pitchFamily="34" charset="0"/>
+              <a:buChar char="•"/>
+            </a:pPr>
+            <a:r>
+              <a:rPr lang="de-CH" sz="3000" dirty="0"/>
+              <a:t>Klassendiagramm</a:t>
+            </a:r>
+          </a:p>
+          <a:p>
+            <a:pPr>
+              <a:buFont typeface="Arial" panose="020B0604020202020204" pitchFamily="34" charset="0"/>
+              <a:buChar char="•"/>
+            </a:pPr>
+            <a:r>
+              <a:rPr lang="de-CH" sz="3000" dirty="0"/>
+              <a:t>Schluss</a:t>
+            </a:r>
+          </a:p>
+          <a:p>
+            <a:pPr marL="0" indent="0">
+              <a:buNone/>
+            </a:pPr>
+            <a:endParaRPr lang="de-CH" dirty="0"/>
+          </a:p>
+        </p:txBody>
+      </p:sp>
+      <p:sp>
+        <p:nvSpPr>
+          <p:cNvPr id="4" name="Datumsplatzhalter 3">
+            <a:extLst>
+              <a:ext uri="{FF2B5EF4-FFF2-40B4-BE49-F238E27FC236}">
+                <a16:creationId xmlns:a16="http://schemas.microsoft.com/office/drawing/2014/main" id="{E740446E-1394-4FE7-9B41-E5FB27058978}"/>
               </a:ext>
             </a:extLst>
           </p:cNvPr>
@@ -5421,17 +6614,14 @@
               <a:t>13.06.2019</a:t>
             </a:r>
           </a:p>
-          <a:p>
-            <a:endParaRPr lang="de-CH" dirty="0"/>
-          </a:p>
-        </p:txBody>
-      </p:sp>
-      <p:sp>
-        <p:nvSpPr>
-          <p:cNvPr id="4" name="Fußzeilenplatzhalter 3">
-            <a:extLst>
-              <a:ext uri="{FF2B5EF4-FFF2-40B4-BE49-F238E27FC236}">
-                <a16:creationId xmlns:a16="http://schemas.microsoft.com/office/drawing/2014/main" id="{67A4438C-AE65-4368-889B-54D68278C857}"/>
+        </p:txBody>
+      </p:sp>
+      <p:sp>
+        <p:nvSpPr>
+          <p:cNvPr id="5" name="Fußzeilenplatzhalter 4">
+            <a:extLst>
+              <a:ext uri="{FF2B5EF4-FFF2-40B4-BE49-F238E27FC236}">
+                <a16:creationId xmlns:a16="http://schemas.microsoft.com/office/drawing/2014/main" id="{6B6096FE-BB3C-47FE-93B3-648408A9FF2F}"/>
               </a:ext>
             </a:extLst>
           </p:cNvPr>
@@ -5456,10 +6646,10 @@
       </p:sp>
       <p:sp>
         <p:nvSpPr>
-          <p:cNvPr id="5" name="Foliennummernplatzhalter 4">
-            <a:extLst>
-              <a:ext uri="{FF2B5EF4-FFF2-40B4-BE49-F238E27FC236}">
-                <a16:creationId xmlns:a16="http://schemas.microsoft.com/office/drawing/2014/main" id="{DBB5FEF5-4498-490F-BE5D-C37143E8361A}"/>
+          <p:cNvPr id="6" name="Foliennummernplatzhalter 5">
+            <a:extLst>
+              <a:ext uri="{FF2B5EF4-FFF2-40B4-BE49-F238E27FC236}">
+                <a16:creationId xmlns:a16="http://schemas.microsoft.com/office/drawing/2014/main" id="{5F0B6470-275E-41F5-A1F5-397671116739}"/>
               </a:ext>
             </a:extLst>
           </p:cNvPr>
@@ -5483,51 +6673,10 @@
           </a:p>
         </p:txBody>
       </p:sp>
-      <p:sp>
-        <p:nvSpPr>
-          <p:cNvPr id="8" name="Inhaltsplatzhalter 7">
-            <a:extLst>
-              <a:ext uri="{FF2B5EF4-FFF2-40B4-BE49-F238E27FC236}">
-                <a16:creationId xmlns:a16="http://schemas.microsoft.com/office/drawing/2014/main" id="{A478ADE2-4D8D-43C0-97AD-DBC3CFF42460}"/>
-              </a:ext>
-            </a:extLst>
-          </p:cNvPr>
-          <p:cNvSpPr>
-            <a:spLocks noGrp="1"/>
-          </p:cNvSpPr>
-          <p:nvPr>
-            <p:ph idx="1"/>
-          </p:nvPr>
-        </p:nvSpPr>
-        <p:spPr/>
-        <p:txBody>
-          <a:bodyPr/>
-          <a:lstStyle/>
-          <a:p>
-            <a:r>
-              <a:rPr lang="de-CH" dirty="0"/>
-              <a:t>Elektrotechnik Grundlagen</a:t>
-            </a:r>
-            <a:br>
-              <a:rPr lang="de-CH" dirty="0"/>
-            </a:br>
-            <a:r>
-              <a:rPr lang="de-CH" dirty="0"/>
-              <a:t>EMI-Filter </a:t>
-            </a:r>
-          </a:p>
-          <a:p>
-            <a:r>
-              <a:rPr lang="de-CH" dirty="0"/>
-              <a:t>MVC Erklären </a:t>
-            </a:r>
-          </a:p>
-        </p:txBody>
-      </p:sp>
     </p:spTree>
     <p:extLst>
       <p:ext uri="{BB962C8B-B14F-4D97-AF65-F5344CB8AC3E}">
-        <p14:creationId xmlns:p14="http://schemas.microsoft.com/office/powerpoint/2010/main" val="3701219265"/>
+        <p14:creationId xmlns:p14="http://schemas.microsoft.com/office/powerpoint/2010/main" val="1058361189"/>
       </p:ext>
     </p:extLst>
   </p:cSld>
@@ -5587,7 +6736,7 @@
                 <a:latin typeface="Arial" panose="020B0604020202020204" pitchFamily="34" charset="0"/>
                 <a:cs typeface="Arial" panose="020B0604020202020204" pitchFamily="34" charset="0"/>
               </a:rPr>
-              <a:t>Demo</a:t>
+              <a:t>Herausforderungen</a:t>
             </a:r>
           </a:p>
         </p:txBody>
@@ -5703,24 +6852,28 @@
           <a:p>
             <a:r>
               <a:rPr lang="de-CH" dirty="0"/>
-              <a:t>Die Software Präsentieren.</a:t>
-            </a:r>
-          </a:p>
-          <a:p>
-            <a:r>
+              <a:t>Elektrotechnik Grundlagen</a:t>
+            </a:r>
+            <a:br>
               <a:rPr lang="de-CH" dirty="0"/>
-              <a:t>Pflicht und Wunschziele laut Pflichtenheft</a:t>
-            </a:r>
-          </a:p>
-          <a:p>
-            <a:endParaRPr lang="de-CH" dirty="0"/>
+            </a:br>
+            <a:r>
+              <a:rPr lang="de-CH" dirty="0"/>
+              <a:t>EMI-Filter </a:t>
+            </a:r>
+          </a:p>
+          <a:p>
+            <a:r>
+              <a:rPr lang="de-CH" dirty="0"/>
+              <a:t>MVC Erklären </a:t>
+            </a:r>
           </a:p>
         </p:txBody>
       </p:sp>
     </p:spTree>
     <p:extLst>
       <p:ext uri="{BB962C8B-B14F-4D97-AF65-F5344CB8AC3E}">
-        <p14:creationId xmlns:p14="http://schemas.microsoft.com/office/powerpoint/2010/main" val="3294738496"/>
+        <p14:creationId xmlns:p14="http://schemas.microsoft.com/office/powerpoint/2010/main" val="3701219265"/>
       </p:ext>
     </p:extLst>
   </p:cSld>
@@ -5733,6 +6886,14 @@
 <file path=ppt/slides/slide5.xml><?xml version="1.0" encoding="utf-8"?>
 <p:sld xmlns:a="http://schemas.openxmlformats.org/drawingml/2006/main" xmlns:r="http://schemas.openxmlformats.org/officeDocument/2006/relationships" xmlns:p="http://schemas.openxmlformats.org/presentationml/2006/main">
   <p:cSld>
+    <p:bg>
+      <p:bgPr>
+        <a:solidFill>
+          <a:schemeClr val="bg1"/>
+        </a:solidFill>
+        <a:effectLst/>
+      </p:bgPr>
+    </p:bg>
     <p:spTree>
       <p:nvGrpSpPr>
         <p:cNvPr id="1" name=""/>
@@ -5747,26 +6908,86 @@
           <a:chExt cx="0" cy="0"/>
         </a:xfrm>
       </p:grpSpPr>
+      <p:sp useBgFill="1">
+        <p:nvSpPr>
+          <p:cNvPr id="12" name="Rectangle 11">
+            <a:extLst>
+              <a:ext uri="{FF2B5EF4-FFF2-40B4-BE49-F238E27FC236}">
+                <a16:creationId xmlns:a16="http://schemas.microsoft.com/office/drawing/2014/main" id="{C6417104-D4C1-4710-9982-2154A7F48492}"/>
+              </a:ext>
+              <a:ext uri="{C183D7F6-B498-43B3-948B-1728B52AA6E4}">
+                <adec:decorative xmlns:adec="http://schemas.microsoft.com/office/drawing/2017/decorative" val="1"/>
+              </a:ext>
+            </a:extLst>
+          </p:cNvPr>
+          <p:cNvSpPr>
+            <a:spLocks noGrp="1" noRot="1" noChangeAspect="1" noMove="1" noResize="1" noEditPoints="1" noAdjustHandles="1" noChangeArrowheads="1" noChangeShapeType="1" noTextEdit="1"/>
+          </p:cNvSpPr>
+          <p:nvPr>
+            <p:extLst>
+              <p:ext uri="{386F3935-93C4-4BCD-93E2-E3B085C9AB24}">
+                <p16:designElem xmlns:p16="http://schemas.microsoft.com/office/powerpoint/2015/main" val="1"/>
+              </p:ext>
+            </p:extLst>
+          </p:nvPr>
+        </p:nvSpPr>
+        <p:spPr>
+          <a:xfrm>
+            <a:off x="0" y="0"/>
+            <a:ext cx="12192001" cy="6334316"/>
+          </a:xfrm>
+          <a:prstGeom prst="rect">
+            <a:avLst/>
+          </a:prstGeom>
+          <a:ln>
+            <a:noFill/>
+          </a:ln>
+        </p:spPr>
+        <p:style>
+          <a:lnRef idx="2">
+            <a:schemeClr val="accent1">
+              <a:shade val="50000"/>
+            </a:schemeClr>
+          </a:lnRef>
+          <a:fillRef idx="1">
+            <a:schemeClr val="accent1"/>
+          </a:fillRef>
+          <a:effectRef idx="0">
+            <a:schemeClr val="accent1"/>
+          </a:effectRef>
+          <a:fontRef idx="minor">
+            <a:schemeClr val="lt1"/>
+          </a:fontRef>
+        </p:style>
+        <p:txBody>
+          <a:bodyPr rtlCol="0" anchor="ctr"/>
+          <a:lstStyle/>
+          <a:p>
+            <a:pPr algn="ctr"/>
+            <a:endParaRPr lang="en-US"/>
+          </a:p>
+        </p:txBody>
+      </p:sp>
       <p:sp>
         <p:nvSpPr>
           <p:cNvPr id="2" name="Titel 1">
             <a:extLst>
               <a:ext uri="{FF2B5EF4-FFF2-40B4-BE49-F238E27FC236}">
-                <a16:creationId xmlns:a16="http://schemas.microsoft.com/office/drawing/2014/main" id="{0E077631-1EC1-4878-9FED-CB023DD13DE4}"/>
-              </a:ext>
-            </a:extLst>
-          </p:cNvPr>
-          <p:cNvSpPr>
-            <a:spLocks noGrp="1"/>
-          </p:cNvSpPr>
-          <p:nvPr>
-            <p:ph type="title"/>
-          </p:nvPr>
-        </p:nvSpPr>
-        <p:spPr>
-          <a:xfrm>
-            <a:off x="838200" y="294005"/>
-            <a:ext cx="10515600" cy="1325563"/>
+                <a16:creationId xmlns:a16="http://schemas.microsoft.com/office/drawing/2014/main" id="{DA9399B0-93CA-7F45-ABF9-7FBCEFAF6CC4}"/>
+              </a:ext>
+            </a:extLst>
+          </p:cNvPr>
+          <p:cNvSpPr>
+            <a:spLocks noGrp="1"/>
+          </p:cNvSpPr>
+          <p:nvPr>
+            <p:ph type="ctrTitle"/>
+          </p:nvPr>
+        </p:nvSpPr>
+        <p:spPr>
+          <a:xfrm>
+            <a:off x="633999" y="4550229"/>
+            <a:ext cx="10909073" cy="1057655"/>
           </a:xfrm>
         </p:spPr>
         <p:txBody>
@@ -5776,132 +6997,339 @@
           <a:lstStyle/>
           <a:p>
             <a:r>
-              <a:rPr lang="de-CH" dirty="0">
-                <a:latin typeface="Arial" panose="020B0604020202020204" pitchFamily="34" charset="0"/>
-                <a:cs typeface="Arial" panose="020B0604020202020204" pitchFamily="34" charset="0"/>
-              </a:rPr>
-              <a:t>Klassendiagramm</a:t>
-            </a:r>
-          </a:p>
-        </p:txBody>
-      </p:sp>
-      <p:sp>
-        <p:nvSpPr>
-          <p:cNvPr id="3" name="Datumsplatzhalter 2">
-            <a:extLst>
-              <a:ext uri="{FF2B5EF4-FFF2-40B4-BE49-F238E27FC236}">
-                <a16:creationId xmlns:a16="http://schemas.microsoft.com/office/drawing/2014/main" id="{346A7BB0-DE88-49D7-851E-097C83BF3BCA}"/>
-              </a:ext>
-            </a:extLst>
-          </p:cNvPr>
-          <p:cNvSpPr>
-            <a:spLocks noGrp="1"/>
-          </p:cNvSpPr>
-          <p:nvPr>
-            <p:ph type="dt" sz="half" idx="10"/>
-          </p:nvPr>
-        </p:nvSpPr>
-        <p:spPr/>
-        <p:txBody>
-          <a:bodyPr/>
-          <a:lstStyle/>
-          <a:p>
-            <a:r>
-              <a:rPr lang="de-CH" dirty="0"/>
-              <a:t>13.06.2019</a:t>
-            </a:r>
-          </a:p>
-          <a:p>
-            <a:endParaRPr lang="de-CH" dirty="0"/>
-          </a:p>
-        </p:txBody>
-      </p:sp>
-      <p:sp>
-        <p:nvSpPr>
-          <p:cNvPr id="4" name="Fußzeilenplatzhalter 3">
-            <a:extLst>
-              <a:ext uri="{FF2B5EF4-FFF2-40B4-BE49-F238E27FC236}">
-                <a16:creationId xmlns:a16="http://schemas.microsoft.com/office/drawing/2014/main" id="{81ABF27F-FDE4-4DE3-BC0A-24E3D747A4DA}"/>
-              </a:ext>
-            </a:extLst>
-          </p:cNvPr>
-          <p:cNvSpPr>
-            <a:spLocks noGrp="1"/>
-          </p:cNvSpPr>
-          <p:nvPr>
-            <p:ph type="ftr" sz="quarter" idx="11"/>
-          </p:nvPr>
-        </p:nvSpPr>
-        <p:spPr/>
-        <p:txBody>
-          <a:bodyPr/>
-          <a:lstStyle/>
-          <a:p>
-            <a:r>
-              <a:rPr lang="de-CH"/>
-              <a:t>Gruppe 1</a:t>
-            </a:r>
-          </a:p>
-        </p:txBody>
-      </p:sp>
-      <p:sp>
-        <p:nvSpPr>
-          <p:cNvPr id="6" name="Foliennummernplatzhalter 5">
-            <a:extLst>
-              <a:ext uri="{FF2B5EF4-FFF2-40B4-BE49-F238E27FC236}">
-                <a16:creationId xmlns:a16="http://schemas.microsoft.com/office/drawing/2014/main" id="{6330A05C-1A58-4908-827F-FA2A97696E5C}"/>
-              </a:ext>
-            </a:extLst>
-          </p:cNvPr>
-          <p:cNvSpPr>
-            <a:spLocks noGrp="1"/>
-          </p:cNvSpPr>
-          <p:nvPr>
-            <p:ph type="sldNum" sz="quarter" idx="12"/>
-          </p:nvPr>
-        </p:nvSpPr>
-        <p:spPr/>
-        <p:txBody>
-          <a:bodyPr/>
-          <a:lstStyle/>
-          <a:p>
-            <a:fld id="{67DE59EB-AC61-4D10-8801-60733011B4E4}" type="slidenum">
-              <a:rPr lang="de-CH" smtClean="0"/>
-              <a:t>5</a:t>
-            </a:fld>
-            <a:endParaRPr lang="de-CH"/>
-          </a:p>
-        </p:txBody>
-      </p:sp>
-      <p:sp>
-        <p:nvSpPr>
-          <p:cNvPr id="8" name="Inhaltsplatzhalter 7">
-            <a:extLst>
-              <a:ext uri="{FF2B5EF4-FFF2-40B4-BE49-F238E27FC236}">
-                <a16:creationId xmlns:a16="http://schemas.microsoft.com/office/drawing/2014/main" id="{1FADF334-322E-40D2-A125-BF1E33F30272}"/>
-              </a:ext>
-            </a:extLst>
-          </p:cNvPr>
-          <p:cNvSpPr>
-            <a:spLocks noGrp="1"/>
-          </p:cNvSpPr>
-          <p:nvPr>
-            <p:ph idx="1"/>
-          </p:nvPr>
-        </p:nvSpPr>
-        <p:spPr/>
-        <p:txBody>
-          <a:bodyPr/>
-          <a:lstStyle/>
-          <a:p>
-            <a:endParaRPr lang="de-CH"/>
-          </a:p>
-        </p:txBody>
+              <a:rPr lang="de-DE" sz="6000"/>
+              <a:t>Gleichtakt</a:t>
+            </a:r>
+          </a:p>
+        </p:txBody>
+      </p:sp>
+      <p:sp>
+        <p:nvSpPr>
+          <p:cNvPr id="3" name="Untertitel 2">
+            <a:extLst>
+              <a:ext uri="{FF2B5EF4-FFF2-40B4-BE49-F238E27FC236}">
+                <a16:creationId xmlns:a16="http://schemas.microsoft.com/office/drawing/2014/main" id="{232DDE95-551F-8647-A981-79081B68D0AD}"/>
+              </a:ext>
+            </a:extLst>
+          </p:cNvPr>
+          <p:cNvSpPr>
+            <a:spLocks noGrp="1"/>
+          </p:cNvSpPr>
+          <p:nvPr>
+            <p:ph type="subTitle" idx="1"/>
+          </p:nvPr>
+        </p:nvSpPr>
+        <p:spPr>
+          <a:xfrm>
+            <a:off x="633999" y="5727515"/>
+            <a:ext cx="10925101" cy="515477"/>
+          </a:xfrm>
+        </p:spPr>
+        <p:txBody>
+          <a:bodyPr>
+            <a:normAutofit/>
+          </a:bodyPr>
+          <a:lstStyle/>
+          <a:p>
+            <a:endParaRPr lang="de-DE" sz="2000">
+              <a:solidFill>
+                <a:schemeClr val="tx1">
+                  <a:lumMod val="85000"/>
+                  <a:lumOff val="15000"/>
+                </a:schemeClr>
+              </a:solidFill>
+            </a:endParaRPr>
+          </a:p>
+        </p:txBody>
+      </p:sp>
+      <p:pic>
+        <p:nvPicPr>
+          <p:cNvPr id="7" name="Grafik 6">
+            <a:extLst>
+              <a:ext uri="{FF2B5EF4-FFF2-40B4-BE49-F238E27FC236}">
+                <a16:creationId xmlns:a16="http://schemas.microsoft.com/office/drawing/2014/main" id="{AA7320F8-B05D-144E-9C18-5FB2877C6B1A}"/>
+              </a:ext>
+            </a:extLst>
+          </p:cNvPr>
+          <p:cNvPicPr>
+            <a:picLocks noChangeAspect="1"/>
+          </p:cNvPicPr>
+          <p:nvPr/>
+        </p:nvPicPr>
+        <p:blipFill>
+          <a:blip r:embed="rId2"/>
+          <a:stretch>
+            <a:fillRect/>
+          </a:stretch>
+        </p:blipFill>
+        <p:spPr>
+          <a:xfrm>
+            <a:off x="635457" y="1453605"/>
+            <a:ext cx="5131653" cy="1975685"/>
+          </a:xfrm>
+          <a:prstGeom prst="rect">
+            <a:avLst/>
+          </a:prstGeom>
+        </p:spPr>
+      </p:pic>
+      <p:sp>
+        <p:nvSpPr>
+          <p:cNvPr id="14" name="Rectangle 13">
+            <a:extLst>
+              <a:ext uri="{FF2B5EF4-FFF2-40B4-BE49-F238E27FC236}">
+                <a16:creationId xmlns:a16="http://schemas.microsoft.com/office/drawing/2014/main" id="{626F1402-2DEC-4071-84AF-350C7BF00D43}"/>
+              </a:ext>
+              <a:ext uri="{C183D7F6-B498-43B3-948B-1728B52AA6E4}">
+                <adec:decorative xmlns:adec="http://schemas.microsoft.com/office/drawing/2017/decorative" val="1"/>
+              </a:ext>
+            </a:extLst>
+          </p:cNvPr>
+          <p:cNvSpPr>
+            <a:spLocks noGrp="1" noRot="1" noChangeAspect="1" noMove="1" noResize="1" noEditPoints="1" noAdjustHandles="1" noChangeArrowheads="1" noChangeShapeType="1" noTextEdit="1"/>
+          </p:cNvSpPr>
+          <p:nvPr>
+            <p:extLst>
+              <p:ext uri="{386F3935-93C4-4BCD-93E2-E3B085C9AB24}">
+                <p16:designElem xmlns:p16="http://schemas.microsoft.com/office/powerpoint/2015/main" val="1"/>
+              </p:ext>
+            </p:extLst>
+          </p:nvPr>
+        </p:nvSpPr>
+        <p:spPr>
+          <a:xfrm>
+            <a:off x="6063996" y="886968"/>
+            <a:ext cx="64008" cy="3108960"/>
+          </a:xfrm>
+          <a:prstGeom prst="rect">
+            <a:avLst/>
+          </a:prstGeom>
+          <a:ln>
+            <a:noFill/>
+          </a:ln>
+        </p:spPr>
+        <p:style>
+          <a:lnRef idx="2">
+            <a:schemeClr val="accent1">
+              <a:shade val="50000"/>
+            </a:schemeClr>
+          </a:lnRef>
+          <a:fillRef idx="1">
+            <a:schemeClr val="accent1"/>
+          </a:fillRef>
+          <a:effectRef idx="0">
+            <a:schemeClr val="accent1"/>
+          </a:effectRef>
+          <a:fontRef idx="minor">
+            <a:schemeClr val="lt1"/>
+          </a:fontRef>
+        </p:style>
+        <p:txBody>
+          <a:bodyPr rtlCol="0" anchor="ctr"/>
+          <a:lstStyle/>
+          <a:p>
+            <a:pPr algn="ctr"/>
+            <a:endParaRPr lang="en-US"/>
+          </a:p>
+        </p:txBody>
+      </p:sp>
+      <p:pic>
+        <p:nvPicPr>
+          <p:cNvPr id="5" name="Grafik 4">
+            <a:extLst>
+              <a:ext uri="{FF2B5EF4-FFF2-40B4-BE49-F238E27FC236}">
+                <a16:creationId xmlns:a16="http://schemas.microsoft.com/office/drawing/2014/main" id="{4531C22D-2B96-9F4C-B32A-928C6F10016D}"/>
+              </a:ext>
+            </a:extLst>
+          </p:cNvPr>
+          <p:cNvPicPr>
+            <a:picLocks noChangeAspect="1"/>
+          </p:cNvPicPr>
+          <p:nvPr/>
+        </p:nvPicPr>
+        <p:blipFill>
+          <a:blip r:embed="rId3"/>
+          <a:stretch>
+            <a:fillRect/>
+          </a:stretch>
+        </p:blipFill>
+        <p:spPr>
+          <a:xfrm>
+            <a:off x="6424891" y="1014755"/>
+            <a:ext cx="5118182" cy="2853386"/>
+          </a:xfrm>
+          <a:prstGeom prst="rect">
+            <a:avLst/>
+          </a:prstGeom>
+        </p:spPr>
+      </p:pic>
+      <p:cxnSp>
+        <p:nvCxnSpPr>
+          <p:cNvPr id="16" name="Straight Connector 15">
+            <a:extLst>
+              <a:ext uri="{FF2B5EF4-FFF2-40B4-BE49-F238E27FC236}">
+                <a16:creationId xmlns:a16="http://schemas.microsoft.com/office/drawing/2014/main" id="{04733B62-1719-4677-A612-CA0AC0AD7482}"/>
+              </a:ext>
+              <a:ext uri="{C183D7F6-B498-43B3-948B-1728B52AA6E4}">
+                <adec:decorative xmlns:adec="http://schemas.microsoft.com/office/drawing/2017/decorative" val="1"/>
+              </a:ext>
+            </a:extLst>
+          </p:cNvPr>
+          <p:cNvCxnSpPr>
+            <a:cxnSpLocks noGrp="1" noRot="1" noChangeAspect="1" noMove="1" noResize="1" noEditPoints="1" noAdjustHandles="1" noChangeArrowheads="1" noChangeShapeType="1"/>
+          </p:cNvCxnSpPr>
+          <p:nvPr>
+            <p:extLst>
+              <p:ext uri="{386F3935-93C4-4BCD-93E2-E3B085C9AB24}">
+                <p16:designElem xmlns:p16="http://schemas.microsoft.com/office/powerpoint/2015/main" val="1"/>
+              </p:ext>
+            </p:extLst>
+          </p:nvPr>
+        </p:nvCxnSpPr>
+        <p:spPr>
+          <a:xfrm>
+            <a:off x="721086" y="5618770"/>
+            <a:ext cx="10515600" cy="0"/>
+          </a:xfrm>
+          <a:prstGeom prst="line">
+            <a:avLst/>
+          </a:prstGeom>
+          <a:ln w="6350">
+            <a:solidFill>
+              <a:schemeClr val="tx2">
+                <a:alpha val="90000"/>
+              </a:schemeClr>
+            </a:solidFill>
+          </a:ln>
+        </p:spPr>
+        <p:style>
+          <a:lnRef idx="1">
+            <a:schemeClr val="accent1"/>
+          </a:lnRef>
+          <a:fillRef idx="0">
+            <a:schemeClr val="accent1"/>
+          </a:fillRef>
+          <a:effectRef idx="0">
+            <a:schemeClr val="accent1"/>
+          </a:effectRef>
+          <a:fontRef idx="minor">
+            <a:schemeClr val="tx1"/>
+          </a:fontRef>
+        </p:style>
+      </p:cxnSp>
+      <p:sp>
+        <p:nvSpPr>
+          <p:cNvPr id="18" name="Rectangle 17">
+            <a:extLst>
+              <a:ext uri="{FF2B5EF4-FFF2-40B4-BE49-F238E27FC236}">
+                <a16:creationId xmlns:a16="http://schemas.microsoft.com/office/drawing/2014/main" id="{DA52A394-10F4-4AA5-90E4-634D1E919DBA}"/>
+              </a:ext>
+              <a:ext uri="{C183D7F6-B498-43B3-948B-1728B52AA6E4}">
+                <adec:decorative xmlns:adec="http://schemas.microsoft.com/office/drawing/2017/decorative" val="1"/>
+              </a:ext>
+            </a:extLst>
+          </p:cNvPr>
+          <p:cNvSpPr>
+            <a:spLocks noGrp="1" noRot="1" noChangeAspect="1" noMove="1" noResize="1" noEditPoints="1" noAdjustHandles="1" noChangeArrowheads="1" noChangeShapeType="1" noTextEdit="1"/>
+          </p:cNvSpPr>
+          <p:nvPr>
+            <p:extLst>
+              <p:ext uri="{386F3935-93C4-4BCD-93E2-E3B085C9AB24}">
+                <p16:designElem xmlns:p16="http://schemas.microsoft.com/office/powerpoint/2015/main" val="1"/>
+              </p:ext>
+            </p:extLst>
+          </p:nvPr>
+        </p:nvSpPr>
+        <p:spPr>
+          <a:xfrm>
+            <a:off x="15" y="6334316"/>
+            <a:ext cx="12191985" cy="66484"/>
+          </a:xfrm>
+          <a:prstGeom prst="rect">
+            <a:avLst/>
+          </a:prstGeom>
+          <a:solidFill>
+            <a:schemeClr val="accent1"/>
+          </a:solidFill>
+          <a:ln>
+            <a:noFill/>
+          </a:ln>
+        </p:spPr>
+        <p:style>
+          <a:lnRef idx="2">
+            <a:schemeClr val="accent1">
+              <a:shade val="50000"/>
+            </a:schemeClr>
+          </a:lnRef>
+          <a:fillRef idx="1">
+            <a:schemeClr val="accent1"/>
+          </a:fillRef>
+          <a:effectRef idx="0">
+            <a:schemeClr val="accent1"/>
+          </a:effectRef>
+          <a:fontRef idx="minor">
+            <a:schemeClr val="lt1"/>
+          </a:fontRef>
+        </p:style>
+      </p:sp>
+      <p:sp>
+        <p:nvSpPr>
+          <p:cNvPr id="20" name="Rectangle 19">
+            <a:extLst>
+              <a:ext uri="{FF2B5EF4-FFF2-40B4-BE49-F238E27FC236}">
+                <a16:creationId xmlns:a16="http://schemas.microsoft.com/office/drawing/2014/main" id="{07BDDC51-8BB2-42BE-8EA8-39B3E9AC1EF6}"/>
+              </a:ext>
+              <a:ext uri="{C183D7F6-B498-43B3-948B-1728B52AA6E4}">
+                <adec:decorative xmlns:adec="http://schemas.microsoft.com/office/drawing/2017/decorative" val="1"/>
+              </a:ext>
+            </a:extLst>
+          </p:cNvPr>
+          <p:cNvSpPr>
+            <a:spLocks noGrp="1" noRot="1" noChangeAspect="1" noMove="1" noResize="1" noEditPoints="1" noAdjustHandles="1" noChangeArrowheads="1" noChangeShapeType="1" noTextEdit="1"/>
+          </p:cNvSpPr>
+          <p:nvPr>
+            <p:extLst>
+              <p:ext uri="{386F3935-93C4-4BCD-93E2-E3B085C9AB24}">
+                <p16:designElem xmlns:p16="http://schemas.microsoft.com/office/powerpoint/2015/main" val="1"/>
+              </p:ext>
+            </p:extLst>
+          </p:nvPr>
+        </p:nvSpPr>
+        <p:spPr>
+          <a:xfrm>
+            <a:off x="1" y="6400800"/>
+            <a:ext cx="12192000" cy="457200"/>
+          </a:xfrm>
+          <a:prstGeom prst="rect">
+            <a:avLst/>
+          </a:prstGeom>
+          <a:solidFill>
+            <a:schemeClr val="accent2"/>
+          </a:solidFill>
+          <a:ln>
+            <a:noFill/>
+          </a:ln>
+        </p:spPr>
+        <p:style>
+          <a:lnRef idx="2">
+            <a:schemeClr val="accent1">
+              <a:shade val="50000"/>
+            </a:schemeClr>
+          </a:lnRef>
+          <a:fillRef idx="1">
+            <a:schemeClr val="accent1"/>
+          </a:fillRef>
+          <a:effectRef idx="0">
+            <a:schemeClr val="accent1"/>
+          </a:effectRef>
+          <a:fontRef idx="minor">
+            <a:schemeClr val="lt1"/>
+          </a:fontRef>
+        </p:style>
       </p:sp>
     </p:spTree>
     <p:extLst>
       <p:ext uri="{BB962C8B-B14F-4D97-AF65-F5344CB8AC3E}">
-        <p14:creationId xmlns:p14="http://schemas.microsoft.com/office/powerpoint/2010/main" val="1553349631"/>
+        <p14:creationId xmlns:p14="http://schemas.microsoft.com/office/powerpoint/2010/main" val="2919720909"/>
       </p:ext>
     </p:extLst>
   </p:cSld>
@@ -5928,173 +7356,2955 @@
           <a:chExt cx="0" cy="0"/>
         </a:xfrm>
       </p:grpSpPr>
-      <p:sp>
-        <p:nvSpPr>
-          <p:cNvPr id="2" name="Titel 1">
-            <a:extLst>
-              <a:ext uri="{FF2B5EF4-FFF2-40B4-BE49-F238E27FC236}">
-                <a16:creationId xmlns:a16="http://schemas.microsoft.com/office/drawing/2014/main" id="{8CBBDB5F-B964-4458-8E0B-B425EEEA316B}"/>
-              </a:ext>
-            </a:extLst>
-          </p:cNvPr>
-          <p:cNvSpPr>
-            <a:spLocks noGrp="1"/>
-          </p:cNvSpPr>
-          <p:nvPr>
-            <p:ph type="title"/>
-          </p:nvPr>
-        </p:nvSpPr>
-        <p:spPr/>
-        <p:txBody>
-          <a:bodyPr/>
-          <a:lstStyle/>
-          <a:p>
-            <a:r>
-              <a:rPr lang="de-CH" b="1" dirty="0"/>
-              <a:t>Fragen?</a:t>
-            </a:r>
-          </a:p>
-        </p:txBody>
-      </p:sp>
-      <p:sp>
-        <p:nvSpPr>
-          <p:cNvPr id="3" name="Datumsplatzhalter 2">
-            <a:extLst>
-              <a:ext uri="{FF2B5EF4-FFF2-40B4-BE49-F238E27FC236}">
-                <a16:creationId xmlns:a16="http://schemas.microsoft.com/office/drawing/2014/main" id="{34BAC75A-B53C-41CF-808B-15D21FDCEC9D}"/>
-              </a:ext>
-            </a:extLst>
-          </p:cNvPr>
-          <p:cNvSpPr>
-            <a:spLocks noGrp="1"/>
-          </p:cNvSpPr>
-          <p:nvPr>
-            <p:ph type="dt" sz="half" idx="10"/>
-          </p:nvPr>
-        </p:nvSpPr>
-        <p:spPr/>
-        <p:txBody>
-          <a:bodyPr/>
-          <a:lstStyle/>
-          <a:p>
-            <a:r>
-              <a:rPr lang="de-CH" dirty="0"/>
-              <a:t>13.06.2019</a:t>
-            </a:r>
-          </a:p>
-          <a:p>
-            <a:endParaRPr lang="de-CH" dirty="0"/>
-          </a:p>
-        </p:txBody>
-      </p:sp>
-      <p:sp>
-        <p:nvSpPr>
-          <p:cNvPr id="4" name="Fußzeilenplatzhalter 3">
-            <a:extLst>
-              <a:ext uri="{FF2B5EF4-FFF2-40B4-BE49-F238E27FC236}">
-                <a16:creationId xmlns:a16="http://schemas.microsoft.com/office/drawing/2014/main" id="{F405E387-A2E1-4E30-8970-0605782B7E7E}"/>
-              </a:ext>
-            </a:extLst>
-          </p:cNvPr>
-          <p:cNvSpPr>
-            <a:spLocks noGrp="1"/>
-          </p:cNvSpPr>
-          <p:nvPr>
-            <p:ph type="ftr" sz="quarter" idx="11"/>
-          </p:nvPr>
-        </p:nvSpPr>
-        <p:spPr/>
-        <p:txBody>
-          <a:bodyPr/>
-          <a:lstStyle/>
-          <a:p>
-            <a:r>
-              <a:rPr lang="de-CH"/>
-              <a:t>Gruppe 1</a:t>
-            </a:r>
-          </a:p>
-        </p:txBody>
-      </p:sp>
-      <p:sp>
-        <p:nvSpPr>
-          <p:cNvPr id="5" name="Foliennummernplatzhalter 4">
-            <a:extLst>
-              <a:ext uri="{FF2B5EF4-FFF2-40B4-BE49-F238E27FC236}">
-                <a16:creationId xmlns:a16="http://schemas.microsoft.com/office/drawing/2014/main" id="{37ADF01D-C825-4187-B6D7-5B0A6A07BB3D}"/>
-              </a:ext>
-            </a:extLst>
-          </p:cNvPr>
-          <p:cNvSpPr>
-            <a:spLocks noGrp="1"/>
-          </p:cNvSpPr>
-          <p:nvPr>
-            <p:ph type="sldNum" sz="quarter" idx="12"/>
-          </p:nvPr>
-        </p:nvSpPr>
-        <p:spPr/>
-        <p:txBody>
-          <a:bodyPr/>
-          <a:lstStyle/>
-          <a:p>
-            <a:fld id="{67DE59EB-AC61-4D10-8801-60733011B4E4}" type="slidenum">
-              <a:rPr lang="de-CH" smtClean="0"/>
-              <a:t>6</a:t>
-            </a:fld>
-            <a:endParaRPr lang="de-CH"/>
-          </a:p>
-        </p:txBody>
-      </p:sp>
       <p:pic>
         <p:nvPicPr>
-          <p:cNvPr id="1026" name="Picture 2" descr="Bildergebnis fÃ¼r fragezeichen bilder">
-            <a:extLst>
-              <a:ext uri="{FF2B5EF4-FFF2-40B4-BE49-F238E27FC236}">
-                <a16:creationId xmlns:a16="http://schemas.microsoft.com/office/drawing/2014/main" id="{382E82E2-42EC-46E4-B0A7-A9D05C86D21A}"/>
+          <p:cNvPr id="16" name="Inhaltsplatzhalter 3">
+            <a:extLst>
+              <a:ext uri="{FF2B5EF4-FFF2-40B4-BE49-F238E27FC236}">
+                <a16:creationId xmlns:a16="http://schemas.microsoft.com/office/drawing/2014/main" id="{E0CD8908-35B1-F14D-957A-9690D4B03DC7}"/>
               </a:ext>
             </a:extLst>
           </p:cNvPr>
           <p:cNvPicPr>
-            <a:picLocks noChangeAspect="1" noChangeArrowheads="1"/>
+            <a:picLocks noGrp="1" noChangeAspect="1"/>
+          </p:cNvPicPr>
+          <p:nvPr>
+            <p:ph idx="1"/>
+          </p:nvPr>
+        </p:nvPicPr>
+        <p:blipFill rotWithShape="1">
+          <a:blip r:embed="rId3"/>
+          <a:srcRect r="888" b="-1"/>
+          <a:stretch/>
+        </p:blipFill>
+        <p:spPr>
+          <a:xfrm>
+            <a:off x="1143946" y="643466"/>
+            <a:ext cx="9904107" cy="5571067"/>
+          </a:xfrm>
+          <a:prstGeom prst="rect">
+            <a:avLst/>
+          </a:prstGeom>
+        </p:spPr>
+      </p:pic>
+      <p:sp>
+        <p:nvSpPr>
+          <p:cNvPr id="5" name="Textfeld 4">
+            <a:extLst>
+              <a:ext uri="{FF2B5EF4-FFF2-40B4-BE49-F238E27FC236}">
+                <a16:creationId xmlns:a16="http://schemas.microsoft.com/office/drawing/2014/main" id="{C7837774-3C89-9349-9430-2565582A5A62}"/>
+              </a:ext>
+            </a:extLst>
+          </p:cNvPr>
+          <p:cNvSpPr txBox="1"/>
+          <p:nvPr/>
+        </p:nvSpPr>
+        <p:spPr>
+          <a:xfrm>
+            <a:off x="10744201" y="6214533"/>
+            <a:ext cx="857250" cy="369332"/>
+          </a:xfrm>
+          <a:prstGeom prst="rect">
+            <a:avLst/>
+          </a:prstGeom>
+          <a:noFill/>
+        </p:spPr>
+        <p:txBody>
+          <a:bodyPr wrap="square" rtlCol="0">
+            <a:spAutoFit/>
+          </a:bodyPr>
+          <a:lstStyle/>
+          <a:p>
+            <a:r>
+              <a:rPr lang="de-DE" dirty="0"/>
+              <a:t>30MHz</a:t>
+            </a:r>
+          </a:p>
+        </p:txBody>
+      </p:sp>
+      <p:sp>
+        <p:nvSpPr>
+          <p:cNvPr id="13" name="Textfeld 12">
+            <a:extLst>
+              <a:ext uri="{FF2B5EF4-FFF2-40B4-BE49-F238E27FC236}">
+                <a16:creationId xmlns:a16="http://schemas.microsoft.com/office/drawing/2014/main" id="{99222268-4CBD-E545-B183-9ED01315106C}"/>
+              </a:ext>
+            </a:extLst>
+          </p:cNvPr>
+          <p:cNvSpPr txBox="1"/>
+          <p:nvPr/>
+        </p:nvSpPr>
+        <p:spPr>
+          <a:xfrm>
+            <a:off x="9333553" y="6214533"/>
+            <a:ext cx="857250" cy="369332"/>
+          </a:xfrm>
+          <a:prstGeom prst="rect">
+            <a:avLst/>
+          </a:prstGeom>
+          <a:noFill/>
+        </p:spPr>
+        <p:txBody>
+          <a:bodyPr wrap="square" rtlCol="0">
+            <a:spAutoFit/>
+          </a:bodyPr>
+          <a:lstStyle/>
+          <a:p>
+            <a:r>
+              <a:rPr lang="de-DE" dirty="0"/>
+              <a:t>10MHz</a:t>
+            </a:r>
+          </a:p>
+        </p:txBody>
+      </p:sp>
+      <p:sp>
+        <p:nvSpPr>
+          <p:cNvPr id="15" name="Textfeld 14">
+            <a:extLst>
+              <a:ext uri="{FF2B5EF4-FFF2-40B4-BE49-F238E27FC236}">
+                <a16:creationId xmlns:a16="http://schemas.microsoft.com/office/drawing/2014/main" id="{EDBEA198-A550-2E44-9C73-5F30974FE931}"/>
+              </a:ext>
+            </a:extLst>
+          </p:cNvPr>
+          <p:cNvSpPr txBox="1"/>
+          <p:nvPr/>
+        </p:nvSpPr>
+        <p:spPr>
+          <a:xfrm>
+            <a:off x="6614166" y="6214533"/>
+            <a:ext cx="857250" cy="369332"/>
+          </a:xfrm>
+          <a:prstGeom prst="rect">
+            <a:avLst/>
+          </a:prstGeom>
+          <a:noFill/>
+        </p:spPr>
+        <p:txBody>
+          <a:bodyPr wrap="square" rtlCol="0">
+            <a:spAutoFit/>
+          </a:bodyPr>
+          <a:lstStyle/>
+          <a:p>
+            <a:r>
+              <a:rPr lang="de-DE" dirty="0"/>
+              <a:t>1MHz</a:t>
+            </a:r>
+          </a:p>
+        </p:txBody>
+      </p:sp>
+      <p:sp>
+        <p:nvSpPr>
+          <p:cNvPr id="17" name="Textfeld 16">
+            <a:extLst>
+              <a:ext uri="{FF2B5EF4-FFF2-40B4-BE49-F238E27FC236}">
+                <a16:creationId xmlns:a16="http://schemas.microsoft.com/office/drawing/2014/main" id="{A19277C0-6177-D747-B57E-D0C7ED8C6763}"/>
+              </a:ext>
+            </a:extLst>
+          </p:cNvPr>
+          <p:cNvSpPr txBox="1"/>
+          <p:nvPr/>
+        </p:nvSpPr>
+        <p:spPr>
+          <a:xfrm>
+            <a:off x="3894779" y="6214533"/>
+            <a:ext cx="991546" cy="369332"/>
+          </a:xfrm>
+          <a:prstGeom prst="rect">
+            <a:avLst/>
+          </a:prstGeom>
+          <a:noFill/>
+        </p:spPr>
+        <p:txBody>
+          <a:bodyPr wrap="square" rtlCol="0">
+            <a:spAutoFit/>
+          </a:bodyPr>
+          <a:lstStyle/>
+          <a:p>
+            <a:r>
+              <a:rPr lang="de-DE" dirty="0"/>
+              <a:t>100kHz</a:t>
+            </a:r>
+          </a:p>
+        </p:txBody>
+      </p:sp>
+      <p:sp>
+        <p:nvSpPr>
+          <p:cNvPr id="18" name="Textfeld 17">
+            <a:extLst>
+              <a:ext uri="{FF2B5EF4-FFF2-40B4-BE49-F238E27FC236}">
+                <a16:creationId xmlns:a16="http://schemas.microsoft.com/office/drawing/2014/main" id="{6B54C006-CAD9-774F-9C8E-75618709F2D9}"/>
+              </a:ext>
+            </a:extLst>
+          </p:cNvPr>
+          <p:cNvSpPr txBox="1"/>
+          <p:nvPr/>
+        </p:nvSpPr>
+        <p:spPr>
+          <a:xfrm>
+            <a:off x="1167255" y="6214533"/>
+            <a:ext cx="901405" cy="406265"/>
+          </a:xfrm>
+          <a:prstGeom prst="rect">
+            <a:avLst/>
+          </a:prstGeom>
+          <a:noFill/>
+        </p:spPr>
+        <p:txBody>
+          <a:bodyPr wrap="square" rtlCol="0">
+            <a:spAutoFit/>
+          </a:bodyPr>
+          <a:lstStyle/>
+          <a:p>
+            <a:r>
+              <a:rPr lang="de-DE" dirty="0"/>
+              <a:t>10kHz</a:t>
+            </a:r>
+          </a:p>
+        </p:txBody>
+      </p:sp>
+      <p:sp>
+        <p:nvSpPr>
+          <p:cNvPr id="6" name="Textfeld 5">
+            <a:extLst>
+              <a:ext uri="{FF2B5EF4-FFF2-40B4-BE49-F238E27FC236}">
+                <a16:creationId xmlns:a16="http://schemas.microsoft.com/office/drawing/2014/main" id="{7BF50E8E-573C-E645-B674-817BAD3D7AE9}"/>
+              </a:ext>
+            </a:extLst>
+          </p:cNvPr>
+          <p:cNvSpPr txBox="1"/>
+          <p:nvPr/>
+        </p:nvSpPr>
+        <p:spPr>
+          <a:xfrm>
+            <a:off x="414338" y="2800350"/>
+            <a:ext cx="729608" cy="369332"/>
+          </a:xfrm>
+          <a:prstGeom prst="rect">
+            <a:avLst/>
+          </a:prstGeom>
+          <a:noFill/>
+        </p:spPr>
+        <p:txBody>
+          <a:bodyPr wrap="square" rtlCol="0">
+            <a:spAutoFit/>
+          </a:bodyPr>
+          <a:lstStyle/>
+          <a:p>
+            <a:r>
+              <a:rPr lang="de-DE" dirty="0"/>
+              <a:t>40dB</a:t>
+            </a:r>
+          </a:p>
+        </p:txBody>
+      </p:sp>
+      <p:sp>
+        <p:nvSpPr>
+          <p:cNvPr id="19" name="Textfeld 18">
+            <a:extLst>
+              <a:ext uri="{FF2B5EF4-FFF2-40B4-BE49-F238E27FC236}">
+                <a16:creationId xmlns:a16="http://schemas.microsoft.com/office/drawing/2014/main" id="{CA4B8B77-C883-1B4D-871C-E755A5F51D39}"/>
+              </a:ext>
+            </a:extLst>
+          </p:cNvPr>
+          <p:cNvSpPr txBox="1"/>
+          <p:nvPr/>
+        </p:nvSpPr>
+        <p:spPr>
+          <a:xfrm>
+            <a:off x="414338" y="4161921"/>
+            <a:ext cx="729608" cy="369332"/>
+          </a:xfrm>
+          <a:prstGeom prst="rect">
+            <a:avLst/>
+          </a:prstGeom>
+          <a:noFill/>
+        </p:spPr>
+        <p:txBody>
+          <a:bodyPr wrap="square" rtlCol="0">
+            <a:spAutoFit/>
+          </a:bodyPr>
+          <a:lstStyle/>
+          <a:p>
+            <a:r>
+              <a:rPr lang="de-DE" dirty="0"/>
+              <a:t>20dB</a:t>
+            </a:r>
+          </a:p>
+        </p:txBody>
+      </p:sp>
+      <p:sp>
+        <p:nvSpPr>
+          <p:cNvPr id="20" name="Textfeld 19">
+            <a:extLst>
+              <a:ext uri="{FF2B5EF4-FFF2-40B4-BE49-F238E27FC236}">
+                <a16:creationId xmlns:a16="http://schemas.microsoft.com/office/drawing/2014/main" id="{1C2D45F4-11A0-A449-9F10-A12C9025C157}"/>
+              </a:ext>
+            </a:extLst>
+          </p:cNvPr>
+          <p:cNvSpPr txBox="1"/>
+          <p:nvPr/>
+        </p:nvSpPr>
+        <p:spPr>
+          <a:xfrm>
+            <a:off x="414338" y="1352576"/>
+            <a:ext cx="729608" cy="369332"/>
+          </a:xfrm>
+          <a:prstGeom prst="rect">
+            <a:avLst/>
+          </a:prstGeom>
+          <a:noFill/>
+        </p:spPr>
+        <p:txBody>
+          <a:bodyPr wrap="square" rtlCol="0">
+            <a:spAutoFit/>
+          </a:bodyPr>
+          <a:lstStyle/>
+          <a:p>
+            <a:r>
+              <a:rPr lang="de-DE" dirty="0"/>
+              <a:t>60dB</a:t>
+            </a:r>
+          </a:p>
+        </p:txBody>
+      </p:sp>
+      <p:cxnSp>
+        <p:nvCxnSpPr>
+          <p:cNvPr id="10" name="Gerade Verbindung 9">
+            <a:extLst>
+              <a:ext uri="{FF2B5EF4-FFF2-40B4-BE49-F238E27FC236}">
+                <a16:creationId xmlns:a16="http://schemas.microsoft.com/office/drawing/2014/main" id="{D4222906-87CE-8949-AD5E-B56FB49B3CC3}"/>
+              </a:ext>
+            </a:extLst>
+          </p:cNvPr>
+          <p:cNvCxnSpPr>
+            <a:cxnSpLocks/>
+          </p:cNvCxnSpPr>
+          <p:nvPr/>
+        </p:nvCxnSpPr>
+        <p:spPr>
+          <a:xfrm>
+            <a:off x="1167255" y="3657600"/>
+            <a:ext cx="5863630" cy="0"/>
+          </a:xfrm>
+          <a:prstGeom prst="line">
+            <a:avLst/>
+          </a:prstGeom>
+        </p:spPr>
+        <p:style>
+          <a:lnRef idx="1">
+            <a:schemeClr val="accent1"/>
+          </a:lnRef>
+          <a:fillRef idx="0">
+            <a:schemeClr val="accent1"/>
+          </a:fillRef>
+          <a:effectRef idx="0">
+            <a:schemeClr val="accent1"/>
+          </a:effectRef>
+          <a:fontRef idx="minor">
+            <a:schemeClr val="tx1"/>
+          </a:fontRef>
+        </p:style>
+      </p:cxnSp>
+      <p:cxnSp>
+        <p:nvCxnSpPr>
+          <p:cNvPr id="23" name="Gerade Verbindung 22">
+            <a:extLst>
+              <a:ext uri="{FF2B5EF4-FFF2-40B4-BE49-F238E27FC236}">
+                <a16:creationId xmlns:a16="http://schemas.microsoft.com/office/drawing/2014/main" id="{CD971A23-7B07-DD47-9389-2D96AA7E1188}"/>
+              </a:ext>
+            </a:extLst>
+          </p:cNvPr>
+          <p:cNvCxnSpPr>
+            <a:cxnSpLocks/>
+          </p:cNvCxnSpPr>
+          <p:nvPr/>
+        </p:nvCxnSpPr>
+        <p:spPr>
+          <a:xfrm flipV="1">
+            <a:off x="6368897" y="3429001"/>
+            <a:ext cx="0" cy="2785532"/>
+          </a:xfrm>
+          <a:prstGeom prst="line">
+            <a:avLst/>
+          </a:prstGeom>
+        </p:spPr>
+        <p:style>
+          <a:lnRef idx="1">
+            <a:schemeClr val="accent1"/>
+          </a:lnRef>
+          <a:fillRef idx="0">
+            <a:schemeClr val="accent1"/>
+          </a:fillRef>
+          <a:effectRef idx="0">
+            <a:schemeClr val="accent1"/>
+          </a:effectRef>
+          <a:fontRef idx="minor">
+            <a:schemeClr val="tx1"/>
+          </a:fontRef>
+        </p:style>
+      </p:cxnSp>
+      <p:sp>
+        <p:nvSpPr>
+          <p:cNvPr id="28" name="Textfeld 27">
+            <a:extLst>
+              <a:ext uri="{FF2B5EF4-FFF2-40B4-BE49-F238E27FC236}">
+                <a16:creationId xmlns:a16="http://schemas.microsoft.com/office/drawing/2014/main" id="{78B29EDB-D935-2942-943D-4A7707E28117}"/>
+              </a:ext>
+            </a:extLst>
+          </p:cNvPr>
+          <p:cNvSpPr txBox="1"/>
+          <p:nvPr/>
+        </p:nvSpPr>
+        <p:spPr>
+          <a:xfrm>
+            <a:off x="3632060" y="3295641"/>
+            <a:ext cx="729608" cy="369332"/>
+          </a:xfrm>
+          <a:prstGeom prst="rect">
+            <a:avLst/>
+          </a:prstGeom>
+          <a:noFill/>
+        </p:spPr>
+        <p:txBody>
+          <a:bodyPr wrap="square" rtlCol="0">
+            <a:spAutoFit/>
+          </a:bodyPr>
+          <a:lstStyle/>
+          <a:p>
+            <a:r>
+              <a:rPr lang="de-DE" dirty="0"/>
+              <a:t>30dB</a:t>
+            </a:r>
+          </a:p>
+        </p:txBody>
+      </p:sp>
+      <p:sp>
+        <p:nvSpPr>
+          <p:cNvPr id="29" name="Textfeld 28">
+            <a:extLst>
+              <a:ext uri="{FF2B5EF4-FFF2-40B4-BE49-F238E27FC236}">
+                <a16:creationId xmlns:a16="http://schemas.microsoft.com/office/drawing/2014/main" id="{081A6709-69BB-9549-BEC5-F61008901679}"/>
+              </a:ext>
+            </a:extLst>
+          </p:cNvPr>
+          <p:cNvSpPr txBox="1"/>
+          <p:nvPr/>
+        </p:nvSpPr>
+        <p:spPr>
+          <a:xfrm>
+            <a:off x="6380552" y="4637101"/>
+            <a:ext cx="1012031" cy="369332"/>
+          </a:xfrm>
+          <a:prstGeom prst="rect">
+            <a:avLst/>
+          </a:prstGeom>
+          <a:noFill/>
+        </p:spPr>
+        <p:txBody>
+          <a:bodyPr wrap="square" rtlCol="0">
+            <a:spAutoFit/>
+          </a:bodyPr>
+          <a:lstStyle/>
+          <a:p>
+            <a:r>
+              <a:rPr lang="de-DE" dirty="0"/>
+              <a:t>600kHz</a:t>
+            </a:r>
+          </a:p>
+        </p:txBody>
+      </p:sp>
+      <p:cxnSp>
+        <p:nvCxnSpPr>
+          <p:cNvPr id="30" name="Gerade Verbindung 29">
+            <a:extLst>
+              <a:ext uri="{FF2B5EF4-FFF2-40B4-BE49-F238E27FC236}">
+                <a16:creationId xmlns:a16="http://schemas.microsoft.com/office/drawing/2014/main" id="{ABA787AC-A733-AE46-81B9-BF95557C73F7}"/>
+              </a:ext>
+            </a:extLst>
+          </p:cNvPr>
+          <p:cNvCxnSpPr>
+            <a:cxnSpLocks/>
+          </p:cNvCxnSpPr>
+          <p:nvPr/>
+        </p:nvCxnSpPr>
+        <p:spPr>
+          <a:xfrm>
+            <a:off x="1167255" y="5124421"/>
+            <a:ext cx="3704322" cy="0"/>
+          </a:xfrm>
+          <a:prstGeom prst="line">
+            <a:avLst/>
+          </a:prstGeom>
+        </p:spPr>
+        <p:style>
+          <a:lnRef idx="1">
+            <a:schemeClr val="accent1"/>
+          </a:lnRef>
+          <a:fillRef idx="0">
+            <a:schemeClr val="accent1"/>
+          </a:fillRef>
+          <a:effectRef idx="0">
+            <a:schemeClr val="accent1"/>
+          </a:effectRef>
+          <a:fontRef idx="minor">
+            <a:schemeClr val="tx1"/>
+          </a:fontRef>
+        </p:style>
+      </p:cxnSp>
+      <p:sp>
+        <p:nvSpPr>
+          <p:cNvPr id="34" name="Textfeld 33">
+            <a:extLst>
+              <a:ext uri="{FF2B5EF4-FFF2-40B4-BE49-F238E27FC236}">
+                <a16:creationId xmlns:a16="http://schemas.microsoft.com/office/drawing/2014/main" id="{966DED3A-E7A0-2D4C-8A6F-C5804A760F49}"/>
+              </a:ext>
+            </a:extLst>
+          </p:cNvPr>
+          <p:cNvSpPr txBox="1"/>
+          <p:nvPr/>
+        </p:nvSpPr>
+        <p:spPr>
+          <a:xfrm>
+            <a:off x="2654612" y="4755089"/>
+            <a:ext cx="729608" cy="369332"/>
+          </a:xfrm>
+          <a:prstGeom prst="rect">
+            <a:avLst/>
+          </a:prstGeom>
+          <a:noFill/>
+        </p:spPr>
+        <p:txBody>
+          <a:bodyPr wrap="square" rtlCol="0">
+            <a:spAutoFit/>
+          </a:bodyPr>
+          <a:lstStyle/>
+          <a:p>
+            <a:r>
+              <a:rPr lang="de-DE" dirty="0"/>
+              <a:t>10dB</a:t>
+            </a:r>
+          </a:p>
+        </p:txBody>
+      </p:sp>
+      <p:cxnSp>
+        <p:nvCxnSpPr>
+          <p:cNvPr id="35" name="Gerade Verbindung 34">
+            <a:extLst>
+              <a:ext uri="{FF2B5EF4-FFF2-40B4-BE49-F238E27FC236}">
+                <a16:creationId xmlns:a16="http://schemas.microsoft.com/office/drawing/2014/main" id="{4C50BD89-E6E1-094C-B4C3-D3345AD9A2F5}"/>
+              </a:ext>
+            </a:extLst>
+          </p:cNvPr>
+          <p:cNvCxnSpPr>
+            <a:cxnSpLocks/>
+          </p:cNvCxnSpPr>
+          <p:nvPr/>
+        </p:nvCxnSpPr>
+        <p:spPr>
+          <a:xfrm flipV="1">
+            <a:off x="4220548" y="4637101"/>
+            <a:ext cx="0" cy="1577432"/>
+          </a:xfrm>
+          <a:prstGeom prst="line">
+            <a:avLst/>
+          </a:prstGeom>
+        </p:spPr>
+        <p:style>
+          <a:lnRef idx="1">
+            <a:schemeClr val="accent1"/>
+          </a:lnRef>
+          <a:fillRef idx="0">
+            <a:schemeClr val="accent1"/>
+          </a:fillRef>
+          <a:effectRef idx="0">
+            <a:schemeClr val="accent1"/>
+          </a:effectRef>
+          <a:fontRef idx="minor">
+            <a:schemeClr val="tx1"/>
+          </a:fontRef>
+        </p:style>
+      </p:cxnSp>
+      <p:sp>
+        <p:nvSpPr>
+          <p:cNvPr id="38" name="Textfeld 37">
+            <a:extLst>
+              <a:ext uri="{FF2B5EF4-FFF2-40B4-BE49-F238E27FC236}">
+                <a16:creationId xmlns:a16="http://schemas.microsoft.com/office/drawing/2014/main" id="{81448CB7-B711-7C42-8E51-6807D1761630}"/>
+              </a:ext>
+            </a:extLst>
+          </p:cNvPr>
+          <p:cNvSpPr txBox="1"/>
+          <p:nvPr/>
+        </p:nvSpPr>
+        <p:spPr>
+          <a:xfrm>
+            <a:off x="4241354" y="5309088"/>
+            <a:ext cx="1012031" cy="369332"/>
+          </a:xfrm>
+          <a:prstGeom prst="rect">
+            <a:avLst/>
+          </a:prstGeom>
+          <a:noFill/>
+        </p:spPr>
+        <p:txBody>
+          <a:bodyPr wrap="square" rtlCol="0">
+            <a:spAutoFit/>
+          </a:bodyPr>
+          <a:lstStyle/>
+          <a:p>
+            <a:r>
+              <a:rPr lang="de-DE" dirty="0"/>
+              <a:t>100kHz</a:t>
+            </a:r>
+          </a:p>
+        </p:txBody>
+      </p:sp>
+      <p:cxnSp>
+        <p:nvCxnSpPr>
+          <p:cNvPr id="39" name="Gerade Verbindung 38">
+            <a:extLst>
+              <a:ext uri="{FF2B5EF4-FFF2-40B4-BE49-F238E27FC236}">
+                <a16:creationId xmlns:a16="http://schemas.microsoft.com/office/drawing/2014/main" id="{34BD90CD-BE36-3546-AA34-743759BECFB7}"/>
+              </a:ext>
+            </a:extLst>
+          </p:cNvPr>
+          <p:cNvCxnSpPr>
+            <a:cxnSpLocks/>
+          </p:cNvCxnSpPr>
+          <p:nvPr/>
+        </p:nvCxnSpPr>
+        <p:spPr>
+          <a:xfrm>
+            <a:off x="1167255" y="2724766"/>
+            <a:ext cx="9684342" cy="0"/>
+          </a:xfrm>
+          <a:prstGeom prst="line">
+            <a:avLst/>
+          </a:prstGeom>
+        </p:spPr>
+        <p:style>
+          <a:lnRef idx="1">
+            <a:schemeClr val="accent1"/>
+          </a:lnRef>
+          <a:fillRef idx="0">
+            <a:schemeClr val="accent1"/>
+          </a:fillRef>
+          <a:effectRef idx="0">
+            <a:schemeClr val="accent1"/>
+          </a:effectRef>
+          <a:fontRef idx="minor">
+            <a:schemeClr val="tx1"/>
+          </a:fontRef>
+        </p:style>
+      </p:cxnSp>
+      <p:cxnSp>
+        <p:nvCxnSpPr>
+          <p:cNvPr id="43" name="Gerade Verbindung 42">
+            <a:extLst>
+              <a:ext uri="{FF2B5EF4-FFF2-40B4-BE49-F238E27FC236}">
+                <a16:creationId xmlns:a16="http://schemas.microsoft.com/office/drawing/2014/main" id="{04383E60-850B-A74B-AC78-0AD248900FB8}"/>
+              </a:ext>
+            </a:extLst>
+          </p:cNvPr>
+          <p:cNvCxnSpPr>
+            <a:cxnSpLocks/>
+          </p:cNvCxnSpPr>
+          <p:nvPr/>
+        </p:nvCxnSpPr>
+        <p:spPr>
+          <a:xfrm flipV="1">
+            <a:off x="10577103" y="2433484"/>
+            <a:ext cx="0" cy="3781049"/>
+          </a:xfrm>
+          <a:prstGeom prst="line">
+            <a:avLst/>
+          </a:prstGeom>
+        </p:spPr>
+        <p:style>
+          <a:lnRef idx="1">
+            <a:schemeClr val="accent1"/>
+          </a:lnRef>
+          <a:fillRef idx="0">
+            <a:schemeClr val="accent1"/>
+          </a:fillRef>
+          <a:effectRef idx="0">
+            <a:schemeClr val="accent1"/>
+          </a:effectRef>
+          <a:fontRef idx="minor">
+            <a:schemeClr val="tx1"/>
+          </a:fontRef>
+        </p:style>
+      </p:cxnSp>
+      <p:sp>
+        <p:nvSpPr>
+          <p:cNvPr id="46" name="Textfeld 45">
+            <a:extLst>
+              <a:ext uri="{FF2B5EF4-FFF2-40B4-BE49-F238E27FC236}">
+                <a16:creationId xmlns:a16="http://schemas.microsoft.com/office/drawing/2014/main" id="{226C89B5-8D92-9941-99BD-7EDF1F845A8E}"/>
+              </a:ext>
+            </a:extLst>
+          </p:cNvPr>
+          <p:cNvSpPr txBox="1"/>
+          <p:nvPr/>
+        </p:nvSpPr>
+        <p:spPr>
+          <a:xfrm>
+            <a:off x="5507375" y="2431018"/>
+            <a:ext cx="729608" cy="369332"/>
+          </a:xfrm>
+          <a:prstGeom prst="rect">
+            <a:avLst/>
+          </a:prstGeom>
+          <a:noFill/>
+        </p:spPr>
+        <p:txBody>
+          <a:bodyPr wrap="square" rtlCol="0">
+            <a:spAutoFit/>
+          </a:bodyPr>
+          <a:lstStyle/>
+          <a:p>
+            <a:r>
+              <a:rPr lang="de-DE" dirty="0"/>
+              <a:t>43dB</a:t>
+            </a:r>
+          </a:p>
+        </p:txBody>
+      </p:sp>
+      <p:sp>
+        <p:nvSpPr>
+          <p:cNvPr id="47" name="Textfeld 46">
+            <a:extLst>
+              <a:ext uri="{FF2B5EF4-FFF2-40B4-BE49-F238E27FC236}">
+                <a16:creationId xmlns:a16="http://schemas.microsoft.com/office/drawing/2014/main" id="{757B0E8C-6488-564C-BCBE-ED22AD3DDC44}"/>
+              </a:ext>
+            </a:extLst>
+          </p:cNvPr>
+          <p:cNvSpPr txBox="1"/>
+          <p:nvPr/>
+        </p:nvSpPr>
+        <p:spPr>
+          <a:xfrm>
+            <a:off x="10542037" y="4106158"/>
+            <a:ext cx="1012031" cy="369332"/>
+          </a:xfrm>
+          <a:prstGeom prst="rect">
+            <a:avLst/>
+          </a:prstGeom>
+          <a:noFill/>
+        </p:spPr>
+        <p:txBody>
+          <a:bodyPr wrap="square" rtlCol="0">
+            <a:spAutoFit/>
+          </a:bodyPr>
+          <a:lstStyle/>
+          <a:p>
+            <a:r>
+              <a:rPr lang="de-DE" dirty="0"/>
+              <a:t>20MHz</a:t>
+            </a:r>
+          </a:p>
+        </p:txBody>
+      </p:sp>
+    </p:spTree>
+    <p:extLst>
+      <p:ext uri="{BB962C8B-B14F-4D97-AF65-F5344CB8AC3E}">
+        <p14:creationId xmlns:p14="http://schemas.microsoft.com/office/powerpoint/2010/main" val="1923458939"/>
+      </p:ext>
+    </p:extLst>
+  </p:cSld>
+  <p:clrMapOvr>
+    <a:masterClrMapping/>
+  </p:clrMapOvr>
+</p:sld>
+</file>
+
+<file path=ppt/slides/slide7.xml><?xml version="1.0" encoding="utf-8"?>
+<p:sld xmlns:a="http://schemas.openxmlformats.org/drawingml/2006/main" xmlns:r="http://schemas.openxmlformats.org/officeDocument/2006/relationships" xmlns:p="http://schemas.openxmlformats.org/presentationml/2006/main">
+  <p:cSld>
+    <p:spTree>
+      <p:nvGrpSpPr>
+        <p:cNvPr id="1" name=""/>
+        <p:cNvGrpSpPr/>
+        <p:nvPr/>
+      </p:nvGrpSpPr>
+      <p:grpSpPr>
+        <a:xfrm>
+          <a:off x="0" y="0"/>
+          <a:ext cx="0" cy="0"/>
+          <a:chOff x="0" y="0"/>
+          <a:chExt cx="0" cy="0"/>
+        </a:xfrm>
+      </p:grpSpPr>
+      <p:sp>
+        <p:nvSpPr>
+          <p:cNvPr id="5" name="Textfeld 4">
+            <a:extLst>
+              <a:ext uri="{FF2B5EF4-FFF2-40B4-BE49-F238E27FC236}">
+                <a16:creationId xmlns:a16="http://schemas.microsoft.com/office/drawing/2014/main" id="{C7837774-3C89-9349-9430-2565582A5A62}"/>
+              </a:ext>
+            </a:extLst>
+          </p:cNvPr>
+          <p:cNvSpPr txBox="1"/>
+          <p:nvPr/>
+        </p:nvSpPr>
+        <p:spPr>
+          <a:xfrm>
+            <a:off x="10744201" y="6214533"/>
+            <a:ext cx="857250" cy="369332"/>
+          </a:xfrm>
+          <a:prstGeom prst="rect">
+            <a:avLst/>
+          </a:prstGeom>
+          <a:noFill/>
+        </p:spPr>
+        <p:txBody>
+          <a:bodyPr wrap="square" rtlCol="0">
+            <a:spAutoFit/>
+          </a:bodyPr>
+          <a:lstStyle/>
+          <a:p>
+            <a:r>
+              <a:rPr lang="de-DE" dirty="0"/>
+              <a:t>30MHz</a:t>
+            </a:r>
+          </a:p>
+        </p:txBody>
+      </p:sp>
+      <p:sp>
+        <p:nvSpPr>
+          <p:cNvPr id="13" name="Textfeld 12">
+            <a:extLst>
+              <a:ext uri="{FF2B5EF4-FFF2-40B4-BE49-F238E27FC236}">
+                <a16:creationId xmlns:a16="http://schemas.microsoft.com/office/drawing/2014/main" id="{99222268-4CBD-E545-B183-9ED01315106C}"/>
+              </a:ext>
+            </a:extLst>
+          </p:cNvPr>
+          <p:cNvSpPr txBox="1"/>
+          <p:nvPr/>
+        </p:nvSpPr>
+        <p:spPr>
+          <a:xfrm>
+            <a:off x="9333553" y="6214533"/>
+            <a:ext cx="857250" cy="369332"/>
+          </a:xfrm>
+          <a:prstGeom prst="rect">
+            <a:avLst/>
+          </a:prstGeom>
+          <a:noFill/>
+        </p:spPr>
+        <p:txBody>
+          <a:bodyPr wrap="square" rtlCol="0">
+            <a:spAutoFit/>
+          </a:bodyPr>
+          <a:lstStyle/>
+          <a:p>
+            <a:r>
+              <a:rPr lang="de-DE" dirty="0"/>
+              <a:t>10MHz</a:t>
+            </a:r>
+          </a:p>
+        </p:txBody>
+      </p:sp>
+      <p:sp>
+        <p:nvSpPr>
+          <p:cNvPr id="15" name="Textfeld 14">
+            <a:extLst>
+              <a:ext uri="{FF2B5EF4-FFF2-40B4-BE49-F238E27FC236}">
+                <a16:creationId xmlns:a16="http://schemas.microsoft.com/office/drawing/2014/main" id="{EDBEA198-A550-2E44-9C73-5F30974FE931}"/>
+              </a:ext>
+            </a:extLst>
+          </p:cNvPr>
+          <p:cNvSpPr txBox="1"/>
+          <p:nvPr/>
+        </p:nvSpPr>
+        <p:spPr>
+          <a:xfrm>
+            <a:off x="6614166" y="6214533"/>
+            <a:ext cx="857250" cy="369332"/>
+          </a:xfrm>
+          <a:prstGeom prst="rect">
+            <a:avLst/>
+          </a:prstGeom>
+          <a:noFill/>
+        </p:spPr>
+        <p:txBody>
+          <a:bodyPr wrap="square" rtlCol="0">
+            <a:spAutoFit/>
+          </a:bodyPr>
+          <a:lstStyle/>
+          <a:p>
+            <a:r>
+              <a:rPr lang="de-DE" dirty="0"/>
+              <a:t>1MHz</a:t>
+            </a:r>
+          </a:p>
+        </p:txBody>
+      </p:sp>
+      <p:sp>
+        <p:nvSpPr>
+          <p:cNvPr id="17" name="Textfeld 16">
+            <a:extLst>
+              <a:ext uri="{FF2B5EF4-FFF2-40B4-BE49-F238E27FC236}">
+                <a16:creationId xmlns:a16="http://schemas.microsoft.com/office/drawing/2014/main" id="{A19277C0-6177-D747-B57E-D0C7ED8C6763}"/>
+              </a:ext>
+            </a:extLst>
+          </p:cNvPr>
+          <p:cNvSpPr txBox="1"/>
+          <p:nvPr/>
+        </p:nvSpPr>
+        <p:spPr>
+          <a:xfrm>
+            <a:off x="3894779" y="6214533"/>
+            <a:ext cx="991546" cy="369332"/>
+          </a:xfrm>
+          <a:prstGeom prst="rect">
+            <a:avLst/>
+          </a:prstGeom>
+          <a:noFill/>
+        </p:spPr>
+        <p:txBody>
+          <a:bodyPr wrap="square" rtlCol="0">
+            <a:spAutoFit/>
+          </a:bodyPr>
+          <a:lstStyle/>
+          <a:p>
+            <a:r>
+              <a:rPr lang="de-DE" dirty="0"/>
+              <a:t>100kHz</a:t>
+            </a:r>
+          </a:p>
+        </p:txBody>
+      </p:sp>
+      <p:sp>
+        <p:nvSpPr>
+          <p:cNvPr id="18" name="Textfeld 17">
+            <a:extLst>
+              <a:ext uri="{FF2B5EF4-FFF2-40B4-BE49-F238E27FC236}">
+                <a16:creationId xmlns:a16="http://schemas.microsoft.com/office/drawing/2014/main" id="{6B54C006-CAD9-774F-9C8E-75618709F2D9}"/>
+              </a:ext>
+            </a:extLst>
+          </p:cNvPr>
+          <p:cNvSpPr txBox="1"/>
+          <p:nvPr/>
+        </p:nvSpPr>
+        <p:spPr>
+          <a:xfrm>
+            <a:off x="1167255" y="6214533"/>
+            <a:ext cx="901405" cy="406265"/>
+          </a:xfrm>
+          <a:prstGeom prst="rect">
+            <a:avLst/>
+          </a:prstGeom>
+          <a:noFill/>
+        </p:spPr>
+        <p:txBody>
+          <a:bodyPr wrap="square" rtlCol="0">
+            <a:spAutoFit/>
+          </a:bodyPr>
+          <a:lstStyle/>
+          <a:p>
+            <a:r>
+              <a:rPr lang="de-DE" dirty="0"/>
+              <a:t>10kHz</a:t>
+            </a:r>
+          </a:p>
+        </p:txBody>
+      </p:sp>
+      <p:sp>
+        <p:nvSpPr>
+          <p:cNvPr id="3" name="Inhaltsplatzhalter 2">
+            <a:extLst>
+              <a:ext uri="{FF2B5EF4-FFF2-40B4-BE49-F238E27FC236}">
+                <a16:creationId xmlns:a16="http://schemas.microsoft.com/office/drawing/2014/main" id="{6A67045C-40DD-3847-B199-2FA673345E8A}"/>
+              </a:ext>
+            </a:extLst>
+          </p:cNvPr>
+          <p:cNvSpPr>
+            <a:spLocks noGrp="1"/>
+          </p:cNvSpPr>
+          <p:nvPr>
+            <p:ph idx="1"/>
+          </p:nvPr>
+        </p:nvSpPr>
+        <p:spPr/>
+        <p:txBody>
+          <a:bodyPr/>
+          <a:lstStyle/>
+          <a:p>
+            <a:endParaRPr lang="de-DE"/>
+          </a:p>
+        </p:txBody>
+      </p:sp>
+      <p:pic>
+        <p:nvPicPr>
+          <p:cNvPr id="10" name="Grafik 3">
+            <a:extLst>
+              <a:ext uri="{FF2B5EF4-FFF2-40B4-BE49-F238E27FC236}">
+                <a16:creationId xmlns:a16="http://schemas.microsoft.com/office/drawing/2014/main" id="{4A19042C-7DB4-A240-9D18-C4954F66F29D}"/>
+              </a:ext>
+            </a:extLst>
+          </p:cNvPr>
+          <p:cNvPicPr>
+            <a:picLocks noChangeAspect="1"/>
           </p:cNvPicPr>
           <p:nvPr/>
         </p:nvPicPr>
         <p:blipFill>
-          <a:blip r:embed="rId3">
-            <a:extLst>
-              <a:ext uri="{28A0092B-C50C-407E-A947-70E740481C1C}">
-                <a14:useLocalDpi xmlns:a14="http://schemas.microsoft.com/office/drawing/2010/main" val="0"/>
-              </a:ext>
-            </a:extLst>
-          </a:blip>
-          <a:srcRect/>
+          <a:blip r:embed="rId2"/>
           <a:stretch>
             <a:fillRect/>
           </a:stretch>
         </p:blipFill>
-        <p:spPr bwMode="auto">
-          <a:xfrm>
-            <a:off x="778565" y="2112403"/>
-            <a:ext cx="3972339" cy="3972339"/>
+        <p:spPr>
+          <a:xfrm>
+            <a:off x="643467" y="1329775"/>
+            <a:ext cx="10905066" cy="4198448"/>
           </a:xfrm>
           <a:prstGeom prst="rect">
             <a:avLst/>
           </a:prstGeom>
+        </p:spPr>
+      </p:pic>
+      <p:cxnSp>
+        <p:nvCxnSpPr>
+          <p:cNvPr id="11" name="Gerade Verbindung 10">
+            <a:extLst>
+              <a:ext uri="{FF2B5EF4-FFF2-40B4-BE49-F238E27FC236}">
+                <a16:creationId xmlns:a16="http://schemas.microsoft.com/office/drawing/2014/main" id="{1D9FDE59-1F52-AE47-9FFF-B4E47339959E}"/>
+              </a:ext>
+            </a:extLst>
+          </p:cNvPr>
+          <p:cNvCxnSpPr>
+            <a:cxnSpLocks/>
+          </p:cNvCxnSpPr>
+          <p:nvPr/>
+        </p:nvCxnSpPr>
+        <p:spPr>
+          <a:xfrm>
+            <a:off x="1270493" y="3495370"/>
+            <a:ext cx="5616074" cy="0"/>
+          </a:xfrm>
+          <a:prstGeom prst="line">
+            <a:avLst/>
+          </a:prstGeom>
+        </p:spPr>
+        <p:style>
+          <a:lnRef idx="1">
+            <a:schemeClr val="accent1"/>
+          </a:lnRef>
+          <a:fillRef idx="0">
+            <a:schemeClr val="accent1"/>
+          </a:fillRef>
+          <a:effectRef idx="0">
+            <a:schemeClr val="accent1"/>
+          </a:effectRef>
+          <a:fontRef idx="minor">
+            <a:schemeClr val="tx1"/>
+          </a:fontRef>
+        </p:style>
+      </p:cxnSp>
+      <p:cxnSp>
+        <p:nvCxnSpPr>
+          <p:cNvPr id="12" name="Gerade Verbindung 11">
+            <a:extLst>
+              <a:ext uri="{FF2B5EF4-FFF2-40B4-BE49-F238E27FC236}">
+                <a16:creationId xmlns:a16="http://schemas.microsoft.com/office/drawing/2014/main" id="{6113A000-8FA1-5343-8F22-1B63F7D2D1AA}"/>
+              </a:ext>
+            </a:extLst>
+          </p:cNvPr>
+          <p:cNvCxnSpPr>
+            <a:cxnSpLocks/>
+          </p:cNvCxnSpPr>
+          <p:nvPr/>
+        </p:nvCxnSpPr>
+        <p:spPr>
+          <a:xfrm flipV="1">
+            <a:off x="6442646" y="3177655"/>
+            <a:ext cx="0" cy="1946767"/>
+          </a:xfrm>
+          <a:prstGeom prst="line">
+            <a:avLst/>
+          </a:prstGeom>
+        </p:spPr>
+        <p:style>
+          <a:lnRef idx="1">
+            <a:schemeClr val="accent1"/>
+          </a:lnRef>
+          <a:fillRef idx="0">
+            <a:schemeClr val="accent1"/>
+          </a:fillRef>
+          <a:effectRef idx="0">
+            <a:schemeClr val="accent1"/>
+          </a:effectRef>
+          <a:fontRef idx="minor">
+            <a:schemeClr val="tx1"/>
+          </a:fontRef>
+        </p:style>
+      </p:cxnSp>
+      <p:sp>
+        <p:nvSpPr>
+          <p:cNvPr id="14" name="Textfeld 13">
+            <a:extLst>
+              <a:ext uri="{FF2B5EF4-FFF2-40B4-BE49-F238E27FC236}">
+                <a16:creationId xmlns:a16="http://schemas.microsoft.com/office/drawing/2014/main" id="{95A55FA0-F460-CA4F-A6FB-558B2DCDF127}"/>
+              </a:ext>
+            </a:extLst>
+          </p:cNvPr>
+          <p:cNvSpPr txBox="1"/>
+          <p:nvPr/>
+        </p:nvSpPr>
+        <p:spPr>
+          <a:xfrm>
+            <a:off x="3632060" y="3177655"/>
+            <a:ext cx="729608" cy="369332"/>
+          </a:xfrm>
+          <a:prstGeom prst="rect">
+            <a:avLst/>
+          </a:prstGeom>
           <a:noFill/>
-          <a:extLst>
-            <a:ext uri="{909E8E84-426E-40DD-AFC4-6F175D3DCCD1}">
-              <a14:hiddenFill xmlns:a14="http://schemas.microsoft.com/office/drawing/2010/main">
-                <a:solidFill>
-                  <a:srgbClr val="FFFFFF"/>
-                </a:solidFill>
-              </a14:hiddenFill>
-            </a:ext>
-          </a:extLst>
-        </p:spPr>
-      </p:pic>
+        </p:spPr>
+        <p:txBody>
+          <a:bodyPr wrap="square" rtlCol="0">
+            <a:spAutoFit/>
+          </a:bodyPr>
+          <a:lstStyle/>
+          <a:p>
+            <a:r>
+              <a:rPr lang="de-DE" dirty="0"/>
+              <a:t>30dB</a:t>
+            </a:r>
+          </a:p>
+        </p:txBody>
+      </p:sp>
+      <p:sp>
+        <p:nvSpPr>
+          <p:cNvPr id="19" name="Textfeld 18">
+            <a:extLst>
+              <a:ext uri="{FF2B5EF4-FFF2-40B4-BE49-F238E27FC236}">
+                <a16:creationId xmlns:a16="http://schemas.microsoft.com/office/drawing/2014/main" id="{054FEA13-279F-3B4D-A4DB-8AC6FAEDAF56}"/>
+              </a:ext>
+            </a:extLst>
+          </p:cNvPr>
+          <p:cNvSpPr txBox="1"/>
+          <p:nvPr/>
+        </p:nvSpPr>
+        <p:spPr>
+          <a:xfrm>
+            <a:off x="6380551" y="4017669"/>
+            <a:ext cx="1012031" cy="369332"/>
+          </a:xfrm>
+          <a:prstGeom prst="rect">
+            <a:avLst/>
+          </a:prstGeom>
+          <a:noFill/>
+        </p:spPr>
+        <p:txBody>
+          <a:bodyPr wrap="square" rtlCol="0">
+            <a:spAutoFit/>
+          </a:bodyPr>
+          <a:lstStyle/>
+          <a:p>
+            <a:r>
+              <a:rPr lang="de-DE" dirty="0"/>
+              <a:t>600kHz</a:t>
+            </a:r>
+          </a:p>
+        </p:txBody>
+      </p:sp>
+      <p:cxnSp>
+        <p:nvCxnSpPr>
+          <p:cNvPr id="20" name="Gerade Verbindung 19">
+            <a:extLst>
+              <a:ext uri="{FF2B5EF4-FFF2-40B4-BE49-F238E27FC236}">
+                <a16:creationId xmlns:a16="http://schemas.microsoft.com/office/drawing/2014/main" id="{C08E4C53-9217-2842-B2FA-B98815D8C398}"/>
+              </a:ext>
+            </a:extLst>
+          </p:cNvPr>
+          <p:cNvCxnSpPr>
+            <a:cxnSpLocks/>
+          </p:cNvCxnSpPr>
+          <p:nvPr/>
+        </p:nvCxnSpPr>
+        <p:spPr>
+          <a:xfrm>
+            <a:off x="1299987" y="4401750"/>
+            <a:ext cx="3704322" cy="0"/>
+          </a:xfrm>
+          <a:prstGeom prst="line">
+            <a:avLst/>
+          </a:prstGeom>
+        </p:spPr>
+        <p:style>
+          <a:lnRef idx="1">
+            <a:schemeClr val="accent1"/>
+          </a:lnRef>
+          <a:fillRef idx="0">
+            <a:schemeClr val="accent1"/>
+          </a:fillRef>
+          <a:effectRef idx="0">
+            <a:schemeClr val="accent1"/>
+          </a:effectRef>
+          <a:fontRef idx="minor">
+            <a:schemeClr val="tx1"/>
+          </a:fontRef>
+        </p:style>
+      </p:cxnSp>
+      <p:sp>
+        <p:nvSpPr>
+          <p:cNvPr id="21" name="Textfeld 20">
+            <a:extLst>
+              <a:ext uri="{FF2B5EF4-FFF2-40B4-BE49-F238E27FC236}">
+                <a16:creationId xmlns:a16="http://schemas.microsoft.com/office/drawing/2014/main" id="{65F0B7F8-5BE2-864C-86D6-7CDDBE38BE55}"/>
+              </a:ext>
+            </a:extLst>
+          </p:cNvPr>
+          <p:cNvSpPr txBox="1"/>
+          <p:nvPr/>
+        </p:nvSpPr>
+        <p:spPr>
+          <a:xfrm>
+            <a:off x="2654612" y="4017669"/>
+            <a:ext cx="729608" cy="369332"/>
+          </a:xfrm>
+          <a:prstGeom prst="rect">
+            <a:avLst/>
+          </a:prstGeom>
+          <a:noFill/>
+        </p:spPr>
+        <p:txBody>
+          <a:bodyPr wrap="square" rtlCol="0">
+            <a:spAutoFit/>
+          </a:bodyPr>
+          <a:lstStyle/>
+          <a:p>
+            <a:r>
+              <a:rPr lang="de-DE" dirty="0"/>
+              <a:t>10dB</a:t>
+            </a:r>
+          </a:p>
+        </p:txBody>
+      </p:sp>
+      <p:cxnSp>
+        <p:nvCxnSpPr>
+          <p:cNvPr id="22" name="Gerade Verbindung 21">
+            <a:extLst>
+              <a:ext uri="{FF2B5EF4-FFF2-40B4-BE49-F238E27FC236}">
+                <a16:creationId xmlns:a16="http://schemas.microsoft.com/office/drawing/2014/main" id="{F6FE525C-2444-9B4B-92B7-7F587C0FFD20}"/>
+              </a:ext>
+            </a:extLst>
+          </p:cNvPr>
+          <p:cNvCxnSpPr>
+            <a:cxnSpLocks/>
+          </p:cNvCxnSpPr>
+          <p:nvPr/>
+        </p:nvCxnSpPr>
+        <p:spPr>
+          <a:xfrm flipV="1">
+            <a:off x="4220548" y="4106160"/>
+            <a:ext cx="0" cy="879498"/>
+          </a:xfrm>
+          <a:prstGeom prst="line">
+            <a:avLst/>
+          </a:prstGeom>
+        </p:spPr>
+        <p:style>
+          <a:lnRef idx="1">
+            <a:schemeClr val="accent1"/>
+          </a:lnRef>
+          <a:fillRef idx="0">
+            <a:schemeClr val="accent1"/>
+          </a:fillRef>
+          <a:effectRef idx="0">
+            <a:schemeClr val="accent1"/>
+          </a:effectRef>
+          <a:fontRef idx="minor">
+            <a:schemeClr val="tx1"/>
+          </a:fontRef>
+        </p:style>
+      </p:cxnSp>
+      <p:sp>
+        <p:nvSpPr>
+          <p:cNvPr id="23" name="Textfeld 22">
+            <a:extLst>
+              <a:ext uri="{FF2B5EF4-FFF2-40B4-BE49-F238E27FC236}">
+                <a16:creationId xmlns:a16="http://schemas.microsoft.com/office/drawing/2014/main" id="{943B24EC-E551-524D-BE37-C28406394A11}"/>
+              </a:ext>
+            </a:extLst>
+          </p:cNvPr>
+          <p:cNvSpPr txBox="1"/>
+          <p:nvPr/>
+        </p:nvSpPr>
+        <p:spPr>
+          <a:xfrm>
+            <a:off x="4226606" y="4468430"/>
+            <a:ext cx="1012031" cy="369332"/>
+          </a:xfrm>
+          <a:prstGeom prst="rect">
+            <a:avLst/>
+          </a:prstGeom>
+          <a:noFill/>
+        </p:spPr>
+        <p:txBody>
+          <a:bodyPr wrap="square" rtlCol="0">
+            <a:spAutoFit/>
+          </a:bodyPr>
+          <a:lstStyle/>
+          <a:p>
+            <a:r>
+              <a:rPr lang="de-DE" dirty="0"/>
+              <a:t>100kHz</a:t>
+            </a:r>
+          </a:p>
+        </p:txBody>
+      </p:sp>
+      <p:cxnSp>
+        <p:nvCxnSpPr>
+          <p:cNvPr id="24" name="Gerade Verbindung 23">
+            <a:extLst>
+              <a:ext uri="{FF2B5EF4-FFF2-40B4-BE49-F238E27FC236}">
+                <a16:creationId xmlns:a16="http://schemas.microsoft.com/office/drawing/2014/main" id="{ACFB3A01-FF8D-FC4D-B99F-A2F0DC69323B}"/>
+              </a:ext>
+            </a:extLst>
+          </p:cNvPr>
+          <p:cNvCxnSpPr>
+            <a:cxnSpLocks/>
+          </p:cNvCxnSpPr>
+          <p:nvPr/>
+        </p:nvCxnSpPr>
+        <p:spPr>
+          <a:xfrm>
+            <a:off x="1299987" y="2916492"/>
+            <a:ext cx="9684342" cy="0"/>
+          </a:xfrm>
+          <a:prstGeom prst="line">
+            <a:avLst/>
+          </a:prstGeom>
+        </p:spPr>
+        <p:style>
+          <a:lnRef idx="1">
+            <a:schemeClr val="accent1"/>
+          </a:lnRef>
+          <a:fillRef idx="0">
+            <a:schemeClr val="accent1"/>
+          </a:fillRef>
+          <a:effectRef idx="0">
+            <a:schemeClr val="accent1"/>
+          </a:effectRef>
+          <a:fontRef idx="minor">
+            <a:schemeClr val="tx1"/>
+          </a:fontRef>
+        </p:style>
+      </p:cxnSp>
+      <p:cxnSp>
+        <p:nvCxnSpPr>
+          <p:cNvPr id="25" name="Gerade Verbindung 24">
+            <a:extLst>
+              <a:ext uri="{FF2B5EF4-FFF2-40B4-BE49-F238E27FC236}">
+                <a16:creationId xmlns:a16="http://schemas.microsoft.com/office/drawing/2014/main" id="{A32603B4-86D7-5C44-88F1-313449A5CEB7}"/>
+              </a:ext>
+            </a:extLst>
+          </p:cNvPr>
+          <p:cNvCxnSpPr>
+            <a:cxnSpLocks/>
+          </p:cNvCxnSpPr>
+          <p:nvPr/>
+        </p:nvCxnSpPr>
+        <p:spPr>
+          <a:xfrm flipV="1">
+            <a:off x="10778550" y="2433485"/>
+            <a:ext cx="5029" cy="2404277"/>
+          </a:xfrm>
+          <a:prstGeom prst="line">
+            <a:avLst/>
+          </a:prstGeom>
+        </p:spPr>
+        <p:style>
+          <a:lnRef idx="1">
+            <a:schemeClr val="accent1"/>
+          </a:lnRef>
+          <a:fillRef idx="0">
+            <a:schemeClr val="accent1"/>
+          </a:fillRef>
+          <a:effectRef idx="0">
+            <a:schemeClr val="accent1"/>
+          </a:effectRef>
+          <a:fontRef idx="minor">
+            <a:schemeClr val="tx1"/>
+          </a:fontRef>
+        </p:style>
+      </p:cxnSp>
+      <p:sp>
+        <p:nvSpPr>
+          <p:cNvPr id="26" name="Textfeld 25">
+            <a:extLst>
+              <a:ext uri="{FF2B5EF4-FFF2-40B4-BE49-F238E27FC236}">
+                <a16:creationId xmlns:a16="http://schemas.microsoft.com/office/drawing/2014/main" id="{5DF35FCF-D5CE-CF40-AB36-9BCACE599DCD}"/>
+              </a:ext>
+            </a:extLst>
+          </p:cNvPr>
+          <p:cNvSpPr txBox="1"/>
+          <p:nvPr/>
+        </p:nvSpPr>
+        <p:spPr>
+          <a:xfrm>
+            <a:off x="5586521" y="2493434"/>
+            <a:ext cx="729608" cy="369332"/>
+          </a:xfrm>
+          <a:prstGeom prst="rect">
+            <a:avLst/>
+          </a:prstGeom>
+          <a:noFill/>
+        </p:spPr>
+        <p:txBody>
+          <a:bodyPr wrap="square" rtlCol="0">
+            <a:spAutoFit/>
+          </a:bodyPr>
+          <a:lstStyle/>
+          <a:p>
+            <a:r>
+              <a:rPr lang="de-DE" dirty="0"/>
+              <a:t>43dB</a:t>
+            </a:r>
+          </a:p>
+        </p:txBody>
+      </p:sp>
+      <p:sp>
+        <p:nvSpPr>
+          <p:cNvPr id="27" name="Textfeld 26">
+            <a:extLst>
+              <a:ext uri="{FF2B5EF4-FFF2-40B4-BE49-F238E27FC236}">
+                <a16:creationId xmlns:a16="http://schemas.microsoft.com/office/drawing/2014/main" id="{E926449E-7F78-0F49-957C-26D907A64F6E}"/>
+              </a:ext>
+            </a:extLst>
+          </p:cNvPr>
+          <p:cNvSpPr txBox="1"/>
+          <p:nvPr/>
+        </p:nvSpPr>
+        <p:spPr>
+          <a:xfrm>
+            <a:off x="10778550" y="3620749"/>
+            <a:ext cx="1012031" cy="369332"/>
+          </a:xfrm>
+          <a:prstGeom prst="rect">
+            <a:avLst/>
+          </a:prstGeom>
+          <a:noFill/>
+        </p:spPr>
+        <p:txBody>
+          <a:bodyPr wrap="square" rtlCol="0">
+            <a:spAutoFit/>
+          </a:bodyPr>
+          <a:lstStyle/>
+          <a:p>
+            <a:r>
+              <a:rPr lang="de-DE" dirty="0"/>
+              <a:t>20MHz</a:t>
+            </a:r>
+          </a:p>
+        </p:txBody>
+      </p:sp>
     </p:spTree>
     <p:extLst>
       <p:ext uri="{BB962C8B-B14F-4D97-AF65-F5344CB8AC3E}">
-        <p14:creationId xmlns:p14="http://schemas.microsoft.com/office/powerpoint/2010/main" val="3919693850"/>
+        <p14:creationId xmlns:p14="http://schemas.microsoft.com/office/powerpoint/2010/main" val="1404478768"/>
+      </p:ext>
+    </p:extLst>
+  </p:cSld>
+  <p:clrMapOvr>
+    <a:masterClrMapping/>
+  </p:clrMapOvr>
+</p:sld>
+</file>
+
+<file path=ppt/slides/slide8.xml><?xml version="1.0" encoding="utf-8"?>
+<p:sld xmlns:a="http://schemas.openxmlformats.org/drawingml/2006/main" xmlns:r="http://schemas.openxmlformats.org/officeDocument/2006/relationships" xmlns:p="http://schemas.openxmlformats.org/presentationml/2006/main">
+  <p:cSld>
+    <p:bg>
+      <p:bgPr>
+        <a:solidFill>
+          <a:schemeClr val="bg1"/>
+        </a:solidFill>
+        <a:effectLst/>
+      </p:bgPr>
+    </p:bg>
+    <p:spTree>
+      <p:nvGrpSpPr>
+        <p:cNvPr id="1" name=""/>
+        <p:cNvGrpSpPr/>
+        <p:nvPr/>
+      </p:nvGrpSpPr>
+      <p:grpSpPr>
+        <a:xfrm>
+          <a:off x="0" y="0"/>
+          <a:ext cx="0" cy="0"/>
+          <a:chOff x="0" y="0"/>
+          <a:chExt cx="0" cy="0"/>
+        </a:xfrm>
+      </p:grpSpPr>
+      <p:sp>
+        <p:nvSpPr>
+          <p:cNvPr id="20" name="Rectangle 19">
+            <a:extLst>
+              <a:ext uri="{FF2B5EF4-FFF2-40B4-BE49-F238E27FC236}">
+                <a16:creationId xmlns:a16="http://schemas.microsoft.com/office/drawing/2014/main" id="{BB2B8762-61F0-4F1B-9364-D633EE9D6AF5}"/>
+              </a:ext>
+              <a:ext uri="{C183D7F6-B498-43B3-948B-1728B52AA6E4}">
+                <adec:decorative xmlns:adec="http://schemas.microsoft.com/office/drawing/2017/decorative" val="1"/>
+              </a:ext>
+            </a:extLst>
+          </p:cNvPr>
+          <p:cNvSpPr>
+            <a:spLocks noGrp="1" noRot="1" noChangeAspect="1" noMove="1" noResize="1" noEditPoints="1" noAdjustHandles="1" noChangeArrowheads="1" noChangeShapeType="1" noTextEdit="1"/>
+          </p:cNvSpPr>
+          <p:nvPr>
+            <p:extLst>
+              <p:ext uri="{386F3935-93C4-4BCD-93E2-E3B085C9AB24}">
+                <p16:designElem xmlns:p16="http://schemas.microsoft.com/office/powerpoint/2015/main" val="1"/>
+              </p:ext>
+            </p:extLst>
+          </p:nvPr>
+        </p:nvSpPr>
+        <p:spPr>
+          <a:xfrm>
+            <a:off x="3175" y="6400800"/>
+            <a:ext cx="12188825" cy="457200"/>
+          </a:xfrm>
+          <a:prstGeom prst="rect">
+            <a:avLst/>
+          </a:prstGeom>
+          <a:solidFill>
+            <a:schemeClr val="accent2"/>
+          </a:solidFill>
+          <a:ln>
+            <a:noFill/>
+          </a:ln>
+        </p:spPr>
+        <p:style>
+          <a:lnRef idx="2">
+            <a:schemeClr val="accent1">
+              <a:shade val="50000"/>
+            </a:schemeClr>
+          </a:lnRef>
+          <a:fillRef idx="1">
+            <a:schemeClr val="accent1"/>
+          </a:fillRef>
+          <a:effectRef idx="0">
+            <a:schemeClr val="accent1"/>
+          </a:effectRef>
+          <a:fontRef idx="minor">
+            <a:schemeClr val="lt1"/>
+          </a:fontRef>
+        </p:style>
+      </p:sp>
+      <p:sp>
+        <p:nvSpPr>
+          <p:cNvPr id="22" name="Rectangle 21">
+            <a:extLst>
+              <a:ext uri="{FF2B5EF4-FFF2-40B4-BE49-F238E27FC236}">
+                <a16:creationId xmlns:a16="http://schemas.microsoft.com/office/drawing/2014/main" id="{E97675C8-1328-460C-9EBF-6B446B67EAD3}"/>
+              </a:ext>
+              <a:ext uri="{C183D7F6-B498-43B3-948B-1728B52AA6E4}">
+                <adec:decorative xmlns:adec="http://schemas.microsoft.com/office/drawing/2017/decorative" val="1"/>
+              </a:ext>
+            </a:extLst>
+          </p:cNvPr>
+          <p:cNvSpPr>
+            <a:spLocks noGrp="1" noRot="1" noChangeAspect="1" noMove="1" noResize="1" noEditPoints="1" noAdjustHandles="1" noChangeArrowheads="1" noChangeShapeType="1" noTextEdit="1"/>
+          </p:cNvSpPr>
+          <p:nvPr>
+            <p:extLst>
+              <p:ext uri="{386F3935-93C4-4BCD-93E2-E3B085C9AB24}">
+                <p16:designElem xmlns:p16="http://schemas.microsoft.com/office/powerpoint/2015/main" val="1"/>
+              </p:ext>
+            </p:extLst>
+          </p:nvPr>
+        </p:nvSpPr>
+        <p:spPr>
+          <a:xfrm>
+            <a:off x="15" y="6334316"/>
+            <a:ext cx="12188825" cy="64008"/>
+          </a:xfrm>
+          <a:prstGeom prst="rect">
+            <a:avLst/>
+          </a:prstGeom>
+          <a:solidFill>
+            <a:schemeClr val="accent1"/>
+          </a:solidFill>
+          <a:ln>
+            <a:noFill/>
+          </a:ln>
+        </p:spPr>
+        <p:style>
+          <a:lnRef idx="2">
+            <a:schemeClr val="accent1">
+              <a:shade val="50000"/>
+            </a:schemeClr>
+          </a:lnRef>
+          <a:fillRef idx="1">
+            <a:schemeClr val="accent1"/>
+          </a:fillRef>
+          <a:effectRef idx="0">
+            <a:schemeClr val="accent1"/>
+          </a:effectRef>
+          <a:fontRef idx="minor">
+            <a:schemeClr val="lt1"/>
+          </a:fontRef>
+        </p:style>
+      </p:sp>
+      <p:cxnSp>
+        <p:nvCxnSpPr>
+          <p:cNvPr id="24" name="Straight Connector 23">
+            <a:extLst>
+              <a:ext uri="{FF2B5EF4-FFF2-40B4-BE49-F238E27FC236}">
+                <a16:creationId xmlns:a16="http://schemas.microsoft.com/office/drawing/2014/main" id="{514EE78B-AF71-4195-A01B-F1165D9233BF}"/>
+              </a:ext>
+              <a:ext uri="{C183D7F6-B498-43B3-948B-1728B52AA6E4}">
+                <adec:decorative xmlns:adec="http://schemas.microsoft.com/office/drawing/2017/decorative" val="1"/>
+              </a:ext>
+            </a:extLst>
+          </p:cNvPr>
+          <p:cNvCxnSpPr>
+            <a:cxnSpLocks noGrp="1" noRot="1" noChangeAspect="1" noMove="1" noResize="1" noEditPoints="1" noAdjustHandles="1" noChangeArrowheads="1" noChangeShapeType="1"/>
+          </p:cNvCxnSpPr>
+          <p:nvPr>
+            <p:extLst>
+              <p:ext uri="{386F3935-93C4-4BCD-93E2-E3B085C9AB24}">
+                <p16:designElem xmlns:p16="http://schemas.microsoft.com/office/powerpoint/2015/main" val="1"/>
+              </p:ext>
+            </p:extLst>
+          </p:nvPr>
+        </p:nvCxnSpPr>
+        <p:spPr>
+          <a:xfrm>
+            <a:off x="1207658" y="4343400"/>
+            <a:ext cx="9875520" cy="0"/>
+          </a:xfrm>
+          <a:prstGeom prst="line">
+            <a:avLst/>
+          </a:prstGeom>
+          <a:ln w="6350">
+            <a:solidFill>
+              <a:schemeClr val="tx1">
+                <a:lumMod val="50000"/>
+                <a:lumOff val="50000"/>
+              </a:schemeClr>
+            </a:solidFill>
+          </a:ln>
+        </p:spPr>
+        <p:style>
+          <a:lnRef idx="1">
+            <a:schemeClr val="accent1"/>
+          </a:lnRef>
+          <a:fillRef idx="0">
+            <a:schemeClr val="accent1"/>
+          </a:fillRef>
+          <a:effectRef idx="0">
+            <a:schemeClr val="accent1"/>
+          </a:effectRef>
+          <a:fontRef idx="minor">
+            <a:schemeClr val="tx1"/>
+          </a:fontRef>
+        </p:style>
+      </p:cxnSp>
+      <p:sp useBgFill="1">
+        <p:nvSpPr>
+          <p:cNvPr id="26" name="Rectangle 25">
+            <a:extLst>
+              <a:ext uri="{FF2B5EF4-FFF2-40B4-BE49-F238E27FC236}">
+                <a16:creationId xmlns:a16="http://schemas.microsoft.com/office/drawing/2014/main" id="{C6417104-D4C1-4710-9982-2154A7F48492}"/>
+              </a:ext>
+              <a:ext uri="{C183D7F6-B498-43B3-948B-1728B52AA6E4}">
+                <adec:decorative xmlns:adec="http://schemas.microsoft.com/office/drawing/2017/decorative" val="1"/>
+              </a:ext>
+            </a:extLst>
+          </p:cNvPr>
+          <p:cNvSpPr>
+            <a:spLocks noGrp="1" noRot="1" noChangeAspect="1" noMove="1" noResize="1" noEditPoints="1" noAdjustHandles="1" noChangeArrowheads="1" noChangeShapeType="1" noTextEdit="1"/>
+          </p:cNvSpPr>
+          <p:nvPr>
+            <p:extLst>
+              <p:ext uri="{386F3935-93C4-4BCD-93E2-E3B085C9AB24}">
+                <p16:designElem xmlns:p16="http://schemas.microsoft.com/office/powerpoint/2015/main" val="1"/>
+              </p:ext>
+            </p:extLst>
+          </p:nvPr>
+        </p:nvSpPr>
+        <p:spPr>
+          <a:xfrm>
+            <a:off x="0" y="0"/>
+            <a:ext cx="12192001" cy="6334316"/>
+          </a:xfrm>
+          <a:prstGeom prst="rect">
+            <a:avLst/>
+          </a:prstGeom>
+          <a:ln>
+            <a:noFill/>
+          </a:ln>
+        </p:spPr>
+        <p:style>
+          <a:lnRef idx="2">
+            <a:schemeClr val="accent1">
+              <a:shade val="50000"/>
+            </a:schemeClr>
+          </a:lnRef>
+          <a:fillRef idx="1">
+            <a:schemeClr val="accent1"/>
+          </a:fillRef>
+          <a:effectRef idx="0">
+            <a:schemeClr val="accent1"/>
+          </a:effectRef>
+          <a:fontRef idx="minor">
+            <a:schemeClr val="lt1"/>
+          </a:fontRef>
+        </p:style>
+        <p:txBody>
+          <a:bodyPr rtlCol="0" anchor="ctr"/>
+          <a:lstStyle/>
+          <a:p>
+            <a:pPr algn="ctr"/>
+            <a:endParaRPr lang="en-US"/>
+          </a:p>
+        </p:txBody>
+      </p:sp>
+      <p:sp>
+        <p:nvSpPr>
+          <p:cNvPr id="2" name="Titel 1">
+            <a:extLst>
+              <a:ext uri="{FF2B5EF4-FFF2-40B4-BE49-F238E27FC236}">
+                <a16:creationId xmlns:a16="http://schemas.microsoft.com/office/drawing/2014/main" id="{62D3FDA2-5D5F-9C41-BBF5-C6408DDA08AF}"/>
+              </a:ext>
+            </a:extLst>
+          </p:cNvPr>
+          <p:cNvSpPr>
+            <a:spLocks noGrp="1"/>
+          </p:cNvSpPr>
+          <p:nvPr>
+            <p:ph type="title"/>
+          </p:nvPr>
+        </p:nvSpPr>
+        <p:spPr>
+          <a:xfrm>
+            <a:off x="633999" y="4550229"/>
+            <a:ext cx="10909073" cy="1057655"/>
+          </a:xfrm>
+        </p:spPr>
+        <p:txBody>
+          <a:bodyPr vert="horz" lIns="91440" tIns="45720" rIns="91440" bIns="45720" rtlCol="0" anchor="b">
+            <a:normAutofit/>
+          </a:bodyPr>
+          <a:lstStyle/>
+          <a:p>
+            <a:r>
+              <a:rPr lang="en-US" sz="6000">
+                <a:solidFill>
+                  <a:schemeClr val="tx1">
+                    <a:lumMod val="85000"/>
+                    <a:lumOff val="15000"/>
+                  </a:schemeClr>
+                </a:solidFill>
+              </a:rPr>
+              <a:t>Gegentakt</a:t>
+            </a:r>
+          </a:p>
+        </p:txBody>
+      </p:sp>
+      <p:pic>
+        <p:nvPicPr>
+          <p:cNvPr id="13" name="Inhaltsplatzhalter 12">
+            <a:extLst>
+              <a:ext uri="{FF2B5EF4-FFF2-40B4-BE49-F238E27FC236}">
+                <a16:creationId xmlns:a16="http://schemas.microsoft.com/office/drawing/2014/main" id="{362AF42E-9B77-BC48-92DB-1DA4D1FF76D0}"/>
+              </a:ext>
+            </a:extLst>
+          </p:cNvPr>
+          <p:cNvPicPr>
+            <a:picLocks noGrp="1" noChangeAspect="1"/>
+          </p:cNvPicPr>
+          <p:nvPr>
+            <p:ph idx="1"/>
+          </p:nvPr>
+        </p:nvPicPr>
+        <p:blipFill>
+          <a:blip r:embed="rId2"/>
+          <a:stretch>
+            <a:fillRect/>
+          </a:stretch>
+        </p:blipFill>
+        <p:spPr>
+          <a:xfrm>
+            <a:off x="635457" y="1447190"/>
+            <a:ext cx="5131653" cy="1988516"/>
+          </a:xfrm>
+          <a:prstGeom prst="rect">
+            <a:avLst/>
+          </a:prstGeom>
+        </p:spPr>
+      </p:pic>
+      <p:sp>
+        <p:nvSpPr>
+          <p:cNvPr id="28" name="Rectangle 27">
+            <a:extLst>
+              <a:ext uri="{FF2B5EF4-FFF2-40B4-BE49-F238E27FC236}">
+                <a16:creationId xmlns:a16="http://schemas.microsoft.com/office/drawing/2014/main" id="{626F1402-2DEC-4071-84AF-350C7BF00D43}"/>
+              </a:ext>
+              <a:ext uri="{C183D7F6-B498-43B3-948B-1728B52AA6E4}">
+                <adec:decorative xmlns:adec="http://schemas.microsoft.com/office/drawing/2017/decorative" val="1"/>
+              </a:ext>
+            </a:extLst>
+          </p:cNvPr>
+          <p:cNvSpPr>
+            <a:spLocks noGrp="1" noRot="1" noChangeAspect="1" noMove="1" noResize="1" noEditPoints="1" noAdjustHandles="1" noChangeArrowheads="1" noChangeShapeType="1" noTextEdit="1"/>
+          </p:cNvSpPr>
+          <p:nvPr>
+            <p:extLst>
+              <p:ext uri="{386F3935-93C4-4BCD-93E2-E3B085C9AB24}">
+                <p16:designElem xmlns:p16="http://schemas.microsoft.com/office/powerpoint/2015/main" val="1"/>
+              </p:ext>
+            </p:extLst>
+          </p:nvPr>
+        </p:nvSpPr>
+        <p:spPr>
+          <a:xfrm>
+            <a:off x="6063996" y="886968"/>
+            <a:ext cx="64008" cy="3108960"/>
+          </a:xfrm>
+          <a:prstGeom prst="rect">
+            <a:avLst/>
+          </a:prstGeom>
+          <a:ln>
+            <a:noFill/>
+          </a:ln>
+        </p:spPr>
+        <p:style>
+          <a:lnRef idx="2">
+            <a:schemeClr val="accent1">
+              <a:shade val="50000"/>
+            </a:schemeClr>
+          </a:lnRef>
+          <a:fillRef idx="1">
+            <a:schemeClr val="accent1"/>
+          </a:fillRef>
+          <a:effectRef idx="0">
+            <a:schemeClr val="accent1"/>
+          </a:effectRef>
+          <a:fontRef idx="minor">
+            <a:schemeClr val="lt1"/>
+          </a:fontRef>
+        </p:style>
+        <p:txBody>
+          <a:bodyPr rtlCol="0" anchor="ctr"/>
+          <a:lstStyle/>
+          <a:p>
+            <a:pPr algn="ctr"/>
+            <a:endParaRPr lang="en-US"/>
+          </a:p>
+        </p:txBody>
+      </p:sp>
+      <p:pic>
+        <p:nvPicPr>
+          <p:cNvPr id="15" name="Inhaltsplatzhalter 4">
+            <a:extLst>
+              <a:ext uri="{FF2B5EF4-FFF2-40B4-BE49-F238E27FC236}">
+                <a16:creationId xmlns:a16="http://schemas.microsoft.com/office/drawing/2014/main" id="{355F7640-A9C4-FA46-9222-462397E98C7C}"/>
+              </a:ext>
+            </a:extLst>
+          </p:cNvPr>
+          <p:cNvPicPr>
+            <a:picLocks noChangeAspect="1"/>
+          </p:cNvPicPr>
+          <p:nvPr/>
+        </p:nvPicPr>
+        <p:blipFill>
+          <a:blip r:embed="rId3"/>
+          <a:stretch>
+            <a:fillRect/>
+          </a:stretch>
+        </p:blipFill>
+        <p:spPr>
+          <a:xfrm>
+            <a:off x="6424891" y="1014755"/>
+            <a:ext cx="5118182" cy="2853386"/>
+          </a:xfrm>
+          <a:prstGeom prst="rect">
+            <a:avLst/>
+          </a:prstGeom>
+        </p:spPr>
+      </p:pic>
+      <p:cxnSp>
+        <p:nvCxnSpPr>
+          <p:cNvPr id="30" name="Straight Connector 29">
+            <a:extLst>
+              <a:ext uri="{FF2B5EF4-FFF2-40B4-BE49-F238E27FC236}">
+                <a16:creationId xmlns:a16="http://schemas.microsoft.com/office/drawing/2014/main" id="{04733B62-1719-4677-A612-CA0AC0AD7482}"/>
+              </a:ext>
+              <a:ext uri="{C183D7F6-B498-43B3-948B-1728B52AA6E4}">
+                <adec:decorative xmlns:adec="http://schemas.microsoft.com/office/drawing/2017/decorative" val="1"/>
+              </a:ext>
+            </a:extLst>
+          </p:cNvPr>
+          <p:cNvCxnSpPr>
+            <a:cxnSpLocks noGrp="1" noRot="1" noChangeAspect="1" noMove="1" noResize="1" noEditPoints="1" noAdjustHandles="1" noChangeArrowheads="1" noChangeShapeType="1"/>
+          </p:cNvCxnSpPr>
+          <p:nvPr>
+            <p:extLst>
+              <p:ext uri="{386F3935-93C4-4BCD-93E2-E3B085C9AB24}">
+                <p16:designElem xmlns:p16="http://schemas.microsoft.com/office/powerpoint/2015/main" val="1"/>
+              </p:ext>
+            </p:extLst>
+          </p:nvPr>
+        </p:nvCxnSpPr>
+        <p:spPr>
+          <a:xfrm>
+            <a:off x="721086" y="5618770"/>
+            <a:ext cx="10515600" cy="0"/>
+          </a:xfrm>
+          <a:prstGeom prst="line">
+            <a:avLst/>
+          </a:prstGeom>
+          <a:ln w="6350">
+            <a:solidFill>
+              <a:schemeClr val="tx2">
+                <a:alpha val="90000"/>
+              </a:schemeClr>
+            </a:solidFill>
+          </a:ln>
+        </p:spPr>
+        <p:style>
+          <a:lnRef idx="1">
+            <a:schemeClr val="accent1"/>
+          </a:lnRef>
+          <a:fillRef idx="0">
+            <a:schemeClr val="accent1"/>
+          </a:fillRef>
+          <a:effectRef idx="0">
+            <a:schemeClr val="accent1"/>
+          </a:effectRef>
+          <a:fontRef idx="minor">
+            <a:schemeClr val="tx1"/>
+          </a:fontRef>
+        </p:style>
+      </p:cxnSp>
+      <p:sp>
+        <p:nvSpPr>
+          <p:cNvPr id="32" name="Rectangle 31">
+            <a:extLst>
+              <a:ext uri="{FF2B5EF4-FFF2-40B4-BE49-F238E27FC236}">
+                <a16:creationId xmlns:a16="http://schemas.microsoft.com/office/drawing/2014/main" id="{DA52A394-10F4-4AA5-90E4-634D1E919DBA}"/>
+              </a:ext>
+              <a:ext uri="{C183D7F6-B498-43B3-948B-1728B52AA6E4}">
+                <adec:decorative xmlns:adec="http://schemas.microsoft.com/office/drawing/2017/decorative" val="1"/>
+              </a:ext>
+            </a:extLst>
+          </p:cNvPr>
+          <p:cNvSpPr>
+            <a:spLocks noGrp="1" noRot="1" noChangeAspect="1" noMove="1" noResize="1" noEditPoints="1" noAdjustHandles="1" noChangeArrowheads="1" noChangeShapeType="1" noTextEdit="1"/>
+          </p:cNvSpPr>
+          <p:nvPr>
+            <p:extLst>
+              <p:ext uri="{386F3935-93C4-4BCD-93E2-E3B085C9AB24}">
+                <p16:designElem xmlns:p16="http://schemas.microsoft.com/office/powerpoint/2015/main" val="1"/>
+              </p:ext>
+            </p:extLst>
+          </p:nvPr>
+        </p:nvSpPr>
+        <p:spPr>
+          <a:xfrm>
+            <a:off x="15" y="6334316"/>
+            <a:ext cx="12191985" cy="66484"/>
+          </a:xfrm>
+          <a:prstGeom prst="rect">
+            <a:avLst/>
+          </a:prstGeom>
+          <a:solidFill>
+            <a:schemeClr val="accent1"/>
+          </a:solidFill>
+          <a:ln>
+            <a:noFill/>
+          </a:ln>
+        </p:spPr>
+        <p:style>
+          <a:lnRef idx="2">
+            <a:schemeClr val="accent1">
+              <a:shade val="50000"/>
+            </a:schemeClr>
+          </a:lnRef>
+          <a:fillRef idx="1">
+            <a:schemeClr val="accent1"/>
+          </a:fillRef>
+          <a:effectRef idx="0">
+            <a:schemeClr val="accent1"/>
+          </a:effectRef>
+          <a:fontRef idx="minor">
+            <a:schemeClr val="lt1"/>
+          </a:fontRef>
+        </p:style>
+      </p:sp>
+      <p:sp>
+        <p:nvSpPr>
+          <p:cNvPr id="34" name="Rectangle 33">
+            <a:extLst>
+              <a:ext uri="{FF2B5EF4-FFF2-40B4-BE49-F238E27FC236}">
+                <a16:creationId xmlns:a16="http://schemas.microsoft.com/office/drawing/2014/main" id="{07BDDC51-8BB2-42BE-8EA8-39B3E9AC1EF6}"/>
+              </a:ext>
+              <a:ext uri="{C183D7F6-B498-43B3-948B-1728B52AA6E4}">
+                <adec:decorative xmlns:adec="http://schemas.microsoft.com/office/drawing/2017/decorative" val="1"/>
+              </a:ext>
+            </a:extLst>
+          </p:cNvPr>
+          <p:cNvSpPr>
+            <a:spLocks noGrp="1" noRot="1" noChangeAspect="1" noMove="1" noResize="1" noEditPoints="1" noAdjustHandles="1" noChangeArrowheads="1" noChangeShapeType="1" noTextEdit="1"/>
+          </p:cNvSpPr>
+          <p:nvPr>
+            <p:extLst>
+              <p:ext uri="{386F3935-93C4-4BCD-93E2-E3B085C9AB24}">
+                <p16:designElem xmlns:p16="http://schemas.microsoft.com/office/powerpoint/2015/main" val="1"/>
+              </p:ext>
+            </p:extLst>
+          </p:nvPr>
+        </p:nvSpPr>
+        <p:spPr>
+          <a:xfrm>
+            <a:off x="1" y="6400800"/>
+            <a:ext cx="12192000" cy="457200"/>
+          </a:xfrm>
+          <a:prstGeom prst="rect">
+            <a:avLst/>
+          </a:prstGeom>
+          <a:solidFill>
+            <a:schemeClr val="accent2"/>
+          </a:solidFill>
+          <a:ln>
+            <a:noFill/>
+          </a:ln>
+        </p:spPr>
+        <p:style>
+          <a:lnRef idx="2">
+            <a:schemeClr val="accent1">
+              <a:shade val="50000"/>
+            </a:schemeClr>
+          </a:lnRef>
+          <a:fillRef idx="1">
+            <a:schemeClr val="accent1"/>
+          </a:fillRef>
+          <a:effectRef idx="0">
+            <a:schemeClr val="accent1"/>
+          </a:effectRef>
+          <a:fontRef idx="minor">
+            <a:schemeClr val="lt1"/>
+          </a:fontRef>
+        </p:style>
+      </p:sp>
+    </p:spTree>
+    <p:extLst>
+      <p:ext uri="{BB962C8B-B14F-4D97-AF65-F5344CB8AC3E}">
+        <p14:creationId xmlns:p14="http://schemas.microsoft.com/office/powerpoint/2010/main" val="1731313643"/>
+      </p:ext>
+    </p:extLst>
+  </p:cSld>
+  <p:clrMapOvr>
+    <a:masterClrMapping/>
+  </p:clrMapOvr>
+</p:sld>
+</file>
+
+<file path=ppt/slides/slide9.xml><?xml version="1.0" encoding="utf-8"?>
+<p:sld xmlns:a="http://schemas.openxmlformats.org/drawingml/2006/main" xmlns:r="http://schemas.openxmlformats.org/officeDocument/2006/relationships" xmlns:p="http://schemas.openxmlformats.org/presentationml/2006/main">
+  <p:cSld>
+    <p:spTree>
+      <p:nvGrpSpPr>
+        <p:cNvPr id="1" name=""/>
+        <p:cNvGrpSpPr/>
+        <p:nvPr/>
+      </p:nvGrpSpPr>
+      <p:grpSpPr>
+        <a:xfrm>
+          <a:off x="0" y="0"/>
+          <a:ext cx="0" cy="0"/>
+          <a:chOff x="0" y="0"/>
+          <a:chExt cx="0" cy="0"/>
+        </a:xfrm>
+      </p:grpSpPr>
+      <p:sp>
+        <p:nvSpPr>
+          <p:cNvPr id="5" name="Textfeld 4">
+            <a:extLst>
+              <a:ext uri="{FF2B5EF4-FFF2-40B4-BE49-F238E27FC236}">
+                <a16:creationId xmlns:a16="http://schemas.microsoft.com/office/drawing/2014/main" id="{C7837774-3C89-9349-9430-2565582A5A62}"/>
+              </a:ext>
+            </a:extLst>
+          </p:cNvPr>
+          <p:cNvSpPr txBox="1"/>
+          <p:nvPr/>
+        </p:nvSpPr>
+        <p:spPr>
+          <a:xfrm>
+            <a:off x="10744201" y="6214533"/>
+            <a:ext cx="857250" cy="369332"/>
+          </a:xfrm>
+          <a:prstGeom prst="rect">
+            <a:avLst/>
+          </a:prstGeom>
+          <a:noFill/>
+        </p:spPr>
+        <p:txBody>
+          <a:bodyPr wrap="square" rtlCol="0">
+            <a:spAutoFit/>
+          </a:bodyPr>
+          <a:lstStyle/>
+          <a:p>
+            <a:r>
+              <a:rPr lang="de-DE" dirty="0"/>
+              <a:t>30MHz</a:t>
+            </a:r>
+          </a:p>
+        </p:txBody>
+      </p:sp>
+      <p:sp>
+        <p:nvSpPr>
+          <p:cNvPr id="13" name="Textfeld 12">
+            <a:extLst>
+              <a:ext uri="{FF2B5EF4-FFF2-40B4-BE49-F238E27FC236}">
+                <a16:creationId xmlns:a16="http://schemas.microsoft.com/office/drawing/2014/main" id="{99222268-4CBD-E545-B183-9ED01315106C}"/>
+              </a:ext>
+            </a:extLst>
+          </p:cNvPr>
+          <p:cNvSpPr txBox="1"/>
+          <p:nvPr/>
+        </p:nvSpPr>
+        <p:spPr>
+          <a:xfrm>
+            <a:off x="9333553" y="6214533"/>
+            <a:ext cx="857250" cy="369332"/>
+          </a:xfrm>
+          <a:prstGeom prst="rect">
+            <a:avLst/>
+          </a:prstGeom>
+          <a:noFill/>
+        </p:spPr>
+        <p:txBody>
+          <a:bodyPr wrap="square" rtlCol="0">
+            <a:spAutoFit/>
+          </a:bodyPr>
+          <a:lstStyle/>
+          <a:p>
+            <a:r>
+              <a:rPr lang="de-DE" dirty="0"/>
+              <a:t>10MHz</a:t>
+            </a:r>
+          </a:p>
+        </p:txBody>
+      </p:sp>
+      <p:sp>
+        <p:nvSpPr>
+          <p:cNvPr id="15" name="Textfeld 14">
+            <a:extLst>
+              <a:ext uri="{FF2B5EF4-FFF2-40B4-BE49-F238E27FC236}">
+                <a16:creationId xmlns:a16="http://schemas.microsoft.com/office/drawing/2014/main" id="{EDBEA198-A550-2E44-9C73-5F30974FE931}"/>
+              </a:ext>
+            </a:extLst>
+          </p:cNvPr>
+          <p:cNvSpPr txBox="1"/>
+          <p:nvPr/>
+        </p:nvSpPr>
+        <p:spPr>
+          <a:xfrm>
+            <a:off x="6614166" y="6214533"/>
+            <a:ext cx="857250" cy="369332"/>
+          </a:xfrm>
+          <a:prstGeom prst="rect">
+            <a:avLst/>
+          </a:prstGeom>
+          <a:noFill/>
+        </p:spPr>
+        <p:txBody>
+          <a:bodyPr wrap="square" rtlCol="0">
+            <a:spAutoFit/>
+          </a:bodyPr>
+          <a:lstStyle/>
+          <a:p>
+            <a:r>
+              <a:rPr lang="de-DE" dirty="0"/>
+              <a:t>1MHz</a:t>
+            </a:r>
+          </a:p>
+        </p:txBody>
+      </p:sp>
+      <p:sp>
+        <p:nvSpPr>
+          <p:cNvPr id="17" name="Textfeld 16">
+            <a:extLst>
+              <a:ext uri="{FF2B5EF4-FFF2-40B4-BE49-F238E27FC236}">
+                <a16:creationId xmlns:a16="http://schemas.microsoft.com/office/drawing/2014/main" id="{A19277C0-6177-D747-B57E-D0C7ED8C6763}"/>
+              </a:ext>
+            </a:extLst>
+          </p:cNvPr>
+          <p:cNvSpPr txBox="1"/>
+          <p:nvPr/>
+        </p:nvSpPr>
+        <p:spPr>
+          <a:xfrm>
+            <a:off x="3894779" y="6214533"/>
+            <a:ext cx="991546" cy="369332"/>
+          </a:xfrm>
+          <a:prstGeom prst="rect">
+            <a:avLst/>
+          </a:prstGeom>
+          <a:noFill/>
+        </p:spPr>
+        <p:txBody>
+          <a:bodyPr wrap="square" rtlCol="0">
+            <a:spAutoFit/>
+          </a:bodyPr>
+          <a:lstStyle/>
+          <a:p>
+            <a:r>
+              <a:rPr lang="de-DE" dirty="0"/>
+              <a:t>100kHz</a:t>
+            </a:r>
+          </a:p>
+        </p:txBody>
+      </p:sp>
+      <p:sp>
+        <p:nvSpPr>
+          <p:cNvPr id="18" name="Textfeld 17">
+            <a:extLst>
+              <a:ext uri="{FF2B5EF4-FFF2-40B4-BE49-F238E27FC236}">
+                <a16:creationId xmlns:a16="http://schemas.microsoft.com/office/drawing/2014/main" id="{6B54C006-CAD9-774F-9C8E-75618709F2D9}"/>
+              </a:ext>
+            </a:extLst>
+          </p:cNvPr>
+          <p:cNvSpPr txBox="1"/>
+          <p:nvPr/>
+        </p:nvSpPr>
+        <p:spPr>
+          <a:xfrm>
+            <a:off x="1167255" y="6214533"/>
+            <a:ext cx="901405" cy="406265"/>
+          </a:xfrm>
+          <a:prstGeom prst="rect">
+            <a:avLst/>
+          </a:prstGeom>
+          <a:noFill/>
+        </p:spPr>
+        <p:txBody>
+          <a:bodyPr wrap="square" rtlCol="0">
+            <a:spAutoFit/>
+          </a:bodyPr>
+          <a:lstStyle/>
+          <a:p>
+            <a:r>
+              <a:rPr lang="de-DE" dirty="0"/>
+              <a:t>10kHz</a:t>
+            </a:r>
+          </a:p>
+        </p:txBody>
+      </p:sp>
+      <p:sp>
+        <p:nvSpPr>
+          <p:cNvPr id="3" name="Inhaltsplatzhalter 2">
+            <a:extLst>
+              <a:ext uri="{FF2B5EF4-FFF2-40B4-BE49-F238E27FC236}">
+                <a16:creationId xmlns:a16="http://schemas.microsoft.com/office/drawing/2014/main" id="{6A67045C-40DD-3847-B199-2FA673345E8A}"/>
+              </a:ext>
+            </a:extLst>
+          </p:cNvPr>
+          <p:cNvSpPr>
+            <a:spLocks noGrp="1"/>
+          </p:cNvSpPr>
+          <p:nvPr>
+            <p:ph idx="1"/>
+          </p:nvPr>
+        </p:nvSpPr>
+        <p:spPr/>
+        <p:txBody>
+          <a:bodyPr/>
+          <a:lstStyle/>
+          <a:p>
+            <a:endParaRPr lang="de-DE"/>
+          </a:p>
+        </p:txBody>
+      </p:sp>
+      <p:pic>
+        <p:nvPicPr>
+          <p:cNvPr id="9" name="Inhaltsplatzhalter 4">
+            <a:extLst>
+              <a:ext uri="{FF2B5EF4-FFF2-40B4-BE49-F238E27FC236}">
+                <a16:creationId xmlns:a16="http://schemas.microsoft.com/office/drawing/2014/main" id="{B601A6B7-EE0E-1549-890D-07A7B0D1CA37}"/>
+              </a:ext>
+            </a:extLst>
+          </p:cNvPr>
+          <p:cNvPicPr>
+            <a:picLocks noChangeAspect="1"/>
+          </p:cNvPicPr>
+          <p:nvPr/>
+        </p:nvPicPr>
+        <p:blipFill rotWithShape="1">
+          <a:blip r:embed="rId2"/>
+          <a:srcRect r="888" b="-1"/>
+          <a:stretch/>
+        </p:blipFill>
+        <p:spPr>
+          <a:xfrm>
+            <a:off x="1143946" y="643466"/>
+            <a:ext cx="9904107" cy="5571067"/>
+          </a:xfrm>
+          <a:prstGeom prst="rect">
+            <a:avLst/>
+          </a:prstGeom>
+        </p:spPr>
+      </p:pic>
+      <p:sp>
+        <p:nvSpPr>
+          <p:cNvPr id="11" name="Textfeld 10">
+            <a:extLst>
+              <a:ext uri="{FF2B5EF4-FFF2-40B4-BE49-F238E27FC236}">
+                <a16:creationId xmlns:a16="http://schemas.microsoft.com/office/drawing/2014/main" id="{0CF04CFD-7E42-1A4C-9081-64992F8CC643}"/>
+              </a:ext>
+            </a:extLst>
+          </p:cNvPr>
+          <p:cNvSpPr txBox="1"/>
+          <p:nvPr/>
+        </p:nvSpPr>
+        <p:spPr>
+          <a:xfrm>
+            <a:off x="414338" y="4200524"/>
+            <a:ext cx="729608" cy="369332"/>
+          </a:xfrm>
+          <a:prstGeom prst="rect">
+            <a:avLst/>
+          </a:prstGeom>
+          <a:noFill/>
+        </p:spPr>
+        <p:txBody>
+          <a:bodyPr wrap="square" rtlCol="0">
+            <a:spAutoFit/>
+          </a:bodyPr>
+          <a:lstStyle/>
+          <a:p>
+            <a:r>
+              <a:rPr lang="de-DE" dirty="0"/>
+              <a:t>40dB</a:t>
+            </a:r>
+          </a:p>
+        </p:txBody>
+      </p:sp>
+      <p:sp>
+        <p:nvSpPr>
+          <p:cNvPr id="12" name="Textfeld 11">
+            <a:extLst>
+              <a:ext uri="{FF2B5EF4-FFF2-40B4-BE49-F238E27FC236}">
+                <a16:creationId xmlns:a16="http://schemas.microsoft.com/office/drawing/2014/main" id="{44757552-DAF8-5D45-9DD4-43139D57C85A}"/>
+              </a:ext>
+            </a:extLst>
+          </p:cNvPr>
+          <p:cNvSpPr txBox="1"/>
+          <p:nvPr/>
+        </p:nvSpPr>
+        <p:spPr>
+          <a:xfrm>
+            <a:off x="414338" y="5004077"/>
+            <a:ext cx="729608" cy="369332"/>
+          </a:xfrm>
+          <a:prstGeom prst="rect">
+            <a:avLst/>
+          </a:prstGeom>
+          <a:noFill/>
+        </p:spPr>
+        <p:txBody>
+          <a:bodyPr wrap="square" rtlCol="0">
+            <a:spAutoFit/>
+          </a:bodyPr>
+          <a:lstStyle/>
+          <a:p>
+            <a:r>
+              <a:rPr lang="de-DE" dirty="0"/>
+              <a:t>20dB</a:t>
+            </a:r>
+          </a:p>
+        </p:txBody>
+      </p:sp>
+      <p:sp>
+        <p:nvSpPr>
+          <p:cNvPr id="14" name="Textfeld 13">
+            <a:extLst>
+              <a:ext uri="{FF2B5EF4-FFF2-40B4-BE49-F238E27FC236}">
+                <a16:creationId xmlns:a16="http://schemas.microsoft.com/office/drawing/2014/main" id="{4B94AC0B-386B-054D-A20C-DD4E597F784F}"/>
+              </a:ext>
+            </a:extLst>
+          </p:cNvPr>
+          <p:cNvSpPr txBox="1"/>
+          <p:nvPr/>
+        </p:nvSpPr>
+        <p:spPr>
+          <a:xfrm>
+            <a:off x="414338" y="3396971"/>
+            <a:ext cx="729608" cy="369332"/>
+          </a:xfrm>
+          <a:prstGeom prst="rect">
+            <a:avLst/>
+          </a:prstGeom>
+          <a:noFill/>
+        </p:spPr>
+        <p:txBody>
+          <a:bodyPr wrap="square" rtlCol="0">
+            <a:spAutoFit/>
+          </a:bodyPr>
+          <a:lstStyle/>
+          <a:p>
+            <a:r>
+              <a:rPr lang="de-DE" dirty="0"/>
+              <a:t>60dB</a:t>
+            </a:r>
+          </a:p>
+        </p:txBody>
+      </p:sp>
+      <p:sp>
+        <p:nvSpPr>
+          <p:cNvPr id="16" name="Textfeld 15">
+            <a:extLst>
+              <a:ext uri="{FF2B5EF4-FFF2-40B4-BE49-F238E27FC236}">
+                <a16:creationId xmlns:a16="http://schemas.microsoft.com/office/drawing/2014/main" id="{2DF11CFC-FA6B-144A-AF92-9FB88FF8363C}"/>
+              </a:ext>
+            </a:extLst>
+          </p:cNvPr>
+          <p:cNvSpPr txBox="1"/>
+          <p:nvPr/>
+        </p:nvSpPr>
+        <p:spPr>
+          <a:xfrm>
+            <a:off x="414338" y="2593418"/>
+            <a:ext cx="729608" cy="369332"/>
+          </a:xfrm>
+          <a:prstGeom prst="rect">
+            <a:avLst/>
+          </a:prstGeom>
+          <a:noFill/>
+        </p:spPr>
+        <p:txBody>
+          <a:bodyPr wrap="square" rtlCol="0">
+            <a:spAutoFit/>
+          </a:bodyPr>
+          <a:lstStyle/>
+          <a:p>
+            <a:r>
+              <a:rPr lang="de-DE" dirty="0"/>
+              <a:t>80dB</a:t>
+            </a:r>
+          </a:p>
+        </p:txBody>
+      </p:sp>
+      <p:sp>
+        <p:nvSpPr>
+          <p:cNvPr id="19" name="Textfeld 18">
+            <a:extLst>
+              <a:ext uri="{FF2B5EF4-FFF2-40B4-BE49-F238E27FC236}">
+                <a16:creationId xmlns:a16="http://schemas.microsoft.com/office/drawing/2014/main" id="{50B368B5-E9A7-8A41-9B4C-F72E6268E653}"/>
+              </a:ext>
+            </a:extLst>
+          </p:cNvPr>
+          <p:cNvSpPr txBox="1"/>
+          <p:nvPr/>
+        </p:nvSpPr>
+        <p:spPr>
+          <a:xfrm>
+            <a:off x="414338" y="1788055"/>
+            <a:ext cx="831999" cy="369332"/>
+          </a:xfrm>
+          <a:prstGeom prst="rect">
+            <a:avLst/>
+          </a:prstGeom>
+          <a:noFill/>
+        </p:spPr>
+        <p:txBody>
+          <a:bodyPr wrap="square" rtlCol="0">
+            <a:spAutoFit/>
+          </a:bodyPr>
+          <a:lstStyle/>
+          <a:p>
+            <a:r>
+              <a:rPr lang="de-DE" dirty="0"/>
+              <a:t>100dB</a:t>
+            </a:r>
+          </a:p>
+        </p:txBody>
+      </p:sp>
+      <p:sp>
+        <p:nvSpPr>
+          <p:cNvPr id="20" name="Textfeld 19">
+            <a:extLst>
+              <a:ext uri="{FF2B5EF4-FFF2-40B4-BE49-F238E27FC236}">
+                <a16:creationId xmlns:a16="http://schemas.microsoft.com/office/drawing/2014/main" id="{4F47AB53-FB66-3E4A-8313-E00EE1DAF2FF}"/>
+              </a:ext>
+            </a:extLst>
+          </p:cNvPr>
+          <p:cNvSpPr txBox="1"/>
+          <p:nvPr/>
+        </p:nvSpPr>
+        <p:spPr>
+          <a:xfrm>
+            <a:off x="363142" y="982692"/>
+            <a:ext cx="831999" cy="369332"/>
+          </a:xfrm>
+          <a:prstGeom prst="rect">
+            <a:avLst/>
+          </a:prstGeom>
+          <a:noFill/>
+        </p:spPr>
+        <p:txBody>
+          <a:bodyPr wrap="square" rtlCol="0">
+            <a:spAutoFit/>
+          </a:bodyPr>
+          <a:lstStyle/>
+          <a:p>
+            <a:r>
+              <a:rPr lang="de-DE" dirty="0"/>
+              <a:t>120dB</a:t>
+            </a:r>
+          </a:p>
+        </p:txBody>
+      </p:sp>
+      <p:cxnSp>
+        <p:nvCxnSpPr>
+          <p:cNvPr id="21" name="Gerade Verbindung 20">
+            <a:extLst>
+              <a:ext uri="{FF2B5EF4-FFF2-40B4-BE49-F238E27FC236}">
+                <a16:creationId xmlns:a16="http://schemas.microsoft.com/office/drawing/2014/main" id="{BF5BA8CC-7735-1044-A16B-12DA2C51DBE2}"/>
+              </a:ext>
+            </a:extLst>
+          </p:cNvPr>
+          <p:cNvCxnSpPr>
+            <a:cxnSpLocks/>
+          </p:cNvCxnSpPr>
+          <p:nvPr/>
+        </p:nvCxnSpPr>
+        <p:spPr>
+          <a:xfrm>
+            <a:off x="1167255" y="707926"/>
+            <a:ext cx="7608035" cy="0"/>
+          </a:xfrm>
+          <a:prstGeom prst="line">
+            <a:avLst/>
+          </a:prstGeom>
+        </p:spPr>
+        <p:style>
+          <a:lnRef idx="1">
+            <a:schemeClr val="accent1"/>
+          </a:lnRef>
+          <a:fillRef idx="0">
+            <a:schemeClr val="accent1"/>
+          </a:fillRef>
+          <a:effectRef idx="0">
+            <a:schemeClr val="accent1"/>
+          </a:effectRef>
+          <a:fontRef idx="minor">
+            <a:schemeClr val="tx1"/>
+          </a:fontRef>
+        </p:style>
+      </p:cxnSp>
+      <p:cxnSp>
+        <p:nvCxnSpPr>
+          <p:cNvPr id="22" name="Gerade Verbindung 21">
+            <a:extLst>
+              <a:ext uri="{FF2B5EF4-FFF2-40B4-BE49-F238E27FC236}">
+                <a16:creationId xmlns:a16="http://schemas.microsoft.com/office/drawing/2014/main" id="{A3E592F4-BCA5-1046-87F5-0AF96FAF4AEC}"/>
+              </a:ext>
+            </a:extLst>
+          </p:cNvPr>
+          <p:cNvCxnSpPr>
+            <a:cxnSpLocks/>
+          </p:cNvCxnSpPr>
+          <p:nvPr/>
+        </p:nvCxnSpPr>
+        <p:spPr>
+          <a:xfrm flipV="1">
+            <a:off x="8448416" y="628718"/>
+            <a:ext cx="0" cy="5556319"/>
+          </a:xfrm>
+          <a:prstGeom prst="line">
+            <a:avLst/>
+          </a:prstGeom>
+        </p:spPr>
+        <p:style>
+          <a:lnRef idx="1">
+            <a:schemeClr val="accent1"/>
+          </a:lnRef>
+          <a:fillRef idx="0">
+            <a:schemeClr val="accent1"/>
+          </a:fillRef>
+          <a:effectRef idx="0">
+            <a:schemeClr val="accent1"/>
+          </a:effectRef>
+          <a:fontRef idx="minor">
+            <a:schemeClr val="tx1"/>
+          </a:fontRef>
+        </p:style>
+      </p:cxnSp>
+      <p:sp>
+        <p:nvSpPr>
+          <p:cNvPr id="23" name="Textfeld 22">
+            <a:extLst>
+              <a:ext uri="{FF2B5EF4-FFF2-40B4-BE49-F238E27FC236}">
+                <a16:creationId xmlns:a16="http://schemas.microsoft.com/office/drawing/2014/main" id="{5A69F880-4CF6-584A-A1B7-B8CB9E99806E}"/>
+              </a:ext>
+            </a:extLst>
+          </p:cNvPr>
+          <p:cNvSpPr txBox="1"/>
+          <p:nvPr/>
+        </p:nvSpPr>
+        <p:spPr>
+          <a:xfrm>
+            <a:off x="7471416" y="780346"/>
+            <a:ext cx="790575" cy="369332"/>
+          </a:xfrm>
+          <a:prstGeom prst="rect">
+            <a:avLst/>
+          </a:prstGeom>
+          <a:noFill/>
+        </p:spPr>
+        <p:txBody>
+          <a:bodyPr wrap="square" rtlCol="0">
+            <a:spAutoFit/>
+          </a:bodyPr>
+          <a:lstStyle/>
+          <a:p>
+            <a:r>
+              <a:rPr lang="de-DE" dirty="0"/>
+              <a:t>137dB</a:t>
+            </a:r>
+          </a:p>
+        </p:txBody>
+      </p:sp>
+      <p:sp>
+        <p:nvSpPr>
+          <p:cNvPr id="24" name="Textfeld 23">
+            <a:extLst>
+              <a:ext uri="{FF2B5EF4-FFF2-40B4-BE49-F238E27FC236}">
+                <a16:creationId xmlns:a16="http://schemas.microsoft.com/office/drawing/2014/main" id="{4EE1F798-B418-7345-BAB7-21D562DDFD7C}"/>
+              </a:ext>
+            </a:extLst>
+          </p:cNvPr>
+          <p:cNvSpPr txBox="1"/>
+          <p:nvPr/>
+        </p:nvSpPr>
+        <p:spPr>
+          <a:xfrm>
+            <a:off x="8672009" y="1065847"/>
+            <a:ext cx="1012031" cy="369332"/>
+          </a:xfrm>
+          <a:prstGeom prst="rect">
+            <a:avLst/>
+          </a:prstGeom>
+          <a:noFill/>
+        </p:spPr>
+        <p:txBody>
+          <a:bodyPr wrap="square" rtlCol="0">
+            <a:spAutoFit/>
+          </a:bodyPr>
+          <a:lstStyle/>
+          <a:p>
+            <a:r>
+              <a:rPr lang="de-DE" dirty="0"/>
+              <a:t>3.2MHz</a:t>
+            </a:r>
+          </a:p>
+        </p:txBody>
+      </p:sp>
+      <p:cxnSp>
+        <p:nvCxnSpPr>
+          <p:cNvPr id="25" name="Gerade Verbindung 24">
+            <a:extLst>
+              <a:ext uri="{FF2B5EF4-FFF2-40B4-BE49-F238E27FC236}">
+                <a16:creationId xmlns:a16="http://schemas.microsoft.com/office/drawing/2014/main" id="{051E8551-6864-7749-994E-887FA34025A5}"/>
+              </a:ext>
+            </a:extLst>
+          </p:cNvPr>
+          <p:cNvCxnSpPr>
+            <a:cxnSpLocks/>
+          </p:cNvCxnSpPr>
+          <p:nvPr/>
+        </p:nvCxnSpPr>
+        <p:spPr>
+          <a:xfrm>
+            <a:off x="1167255" y="5596694"/>
+            <a:ext cx="3083198" cy="0"/>
+          </a:xfrm>
+          <a:prstGeom prst="line">
+            <a:avLst/>
+          </a:prstGeom>
+        </p:spPr>
+        <p:style>
+          <a:lnRef idx="1">
+            <a:schemeClr val="accent1"/>
+          </a:lnRef>
+          <a:fillRef idx="0">
+            <a:schemeClr val="accent1"/>
+          </a:fillRef>
+          <a:effectRef idx="0">
+            <a:schemeClr val="accent1"/>
+          </a:effectRef>
+          <a:fontRef idx="minor">
+            <a:schemeClr val="tx1"/>
+          </a:fontRef>
+        </p:style>
+      </p:cxnSp>
+      <p:sp>
+        <p:nvSpPr>
+          <p:cNvPr id="26" name="Textfeld 25">
+            <a:extLst>
+              <a:ext uri="{FF2B5EF4-FFF2-40B4-BE49-F238E27FC236}">
+                <a16:creationId xmlns:a16="http://schemas.microsoft.com/office/drawing/2014/main" id="{7B6F2778-0BFB-ED47-9720-191F1B0087F9}"/>
+              </a:ext>
+            </a:extLst>
+          </p:cNvPr>
+          <p:cNvSpPr txBox="1"/>
+          <p:nvPr/>
+        </p:nvSpPr>
+        <p:spPr>
+          <a:xfrm>
+            <a:off x="3086855" y="5259749"/>
+            <a:ext cx="729608" cy="369332"/>
+          </a:xfrm>
+          <a:prstGeom prst="rect">
+            <a:avLst/>
+          </a:prstGeom>
+          <a:noFill/>
+        </p:spPr>
+        <p:txBody>
+          <a:bodyPr wrap="square" rtlCol="0">
+            <a:spAutoFit/>
+          </a:bodyPr>
+          <a:lstStyle/>
+          <a:p>
+            <a:r>
+              <a:rPr lang="de-DE" dirty="0"/>
+              <a:t>8dB</a:t>
+            </a:r>
+          </a:p>
+        </p:txBody>
+      </p:sp>
+      <p:cxnSp>
+        <p:nvCxnSpPr>
+          <p:cNvPr id="27" name="Gerade Verbindung 26">
+            <a:extLst>
+              <a:ext uri="{FF2B5EF4-FFF2-40B4-BE49-F238E27FC236}">
+                <a16:creationId xmlns:a16="http://schemas.microsoft.com/office/drawing/2014/main" id="{A9A39567-034B-F645-8278-D0C92624CB01}"/>
+              </a:ext>
+            </a:extLst>
+          </p:cNvPr>
+          <p:cNvCxnSpPr>
+            <a:cxnSpLocks/>
+          </p:cNvCxnSpPr>
+          <p:nvPr/>
+        </p:nvCxnSpPr>
+        <p:spPr>
+          <a:xfrm flipH="1" flipV="1">
+            <a:off x="3969336" y="5373409"/>
+            <a:ext cx="1" cy="800930"/>
+          </a:xfrm>
+          <a:prstGeom prst="line">
+            <a:avLst/>
+          </a:prstGeom>
+        </p:spPr>
+        <p:style>
+          <a:lnRef idx="1">
+            <a:schemeClr val="accent1"/>
+          </a:lnRef>
+          <a:fillRef idx="0">
+            <a:schemeClr val="accent1"/>
+          </a:fillRef>
+          <a:effectRef idx="0">
+            <a:schemeClr val="accent1"/>
+          </a:effectRef>
+          <a:fontRef idx="minor">
+            <a:schemeClr val="tx1"/>
+          </a:fontRef>
+        </p:style>
+      </p:cxnSp>
+      <p:sp>
+        <p:nvSpPr>
+          <p:cNvPr id="28" name="Textfeld 27">
+            <a:extLst>
+              <a:ext uri="{FF2B5EF4-FFF2-40B4-BE49-F238E27FC236}">
+                <a16:creationId xmlns:a16="http://schemas.microsoft.com/office/drawing/2014/main" id="{391AD608-BAD6-5F47-BB90-E27180A63F70}"/>
+              </a:ext>
+            </a:extLst>
+          </p:cNvPr>
+          <p:cNvSpPr txBox="1"/>
+          <p:nvPr/>
+        </p:nvSpPr>
+        <p:spPr>
+          <a:xfrm>
+            <a:off x="3979385" y="5611443"/>
+            <a:ext cx="1012031" cy="369332"/>
+          </a:xfrm>
+          <a:prstGeom prst="rect">
+            <a:avLst/>
+          </a:prstGeom>
+          <a:noFill/>
+        </p:spPr>
+        <p:txBody>
+          <a:bodyPr wrap="square" rtlCol="0">
+            <a:spAutoFit/>
+          </a:bodyPr>
+          <a:lstStyle/>
+          <a:p>
+            <a:r>
+              <a:rPr lang="de-DE" dirty="0"/>
+              <a:t>80kHz</a:t>
+            </a:r>
+          </a:p>
+        </p:txBody>
+      </p:sp>
+      <p:cxnSp>
+        <p:nvCxnSpPr>
+          <p:cNvPr id="29" name="Gerade Verbindung 28">
+            <a:extLst>
+              <a:ext uri="{FF2B5EF4-FFF2-40B4-BE49-F238E27FC236}">
+                <a16:creationId xmlns:a16="http://schemas.microsoft.com/office/drawing/2014/main" id="{2E46CE23-D916-944C-ACA7-FA9CF032526F}"/>
+              </a:ext>
+            </a:extLst>
+          </p:cNvPr>
+          <p:cNvCxnSpPr>
+            <a:cxnSpLocks/>
+          </p:cNvCxnSpPr>
+          <p:nvPr/>
+        </p:nvCxnSpPr>
+        <p:spPr>
+          <a:xfrm>
+            <a:off x="1167255" y="3004979"/>
+            <a:ext cx="9684342" cy="0"/>
+          </a:xfrm>
+          <a:prstGeom prst="line">
+            <a:avLst/>
+          </a:prstGeom>
+        </p:spPr>
+        <p:style>
+          <a:lnRef idx="1">
+            <a:schemeClr val="accent1"/>
+          </a:lnRef>
+          <a:fillRef idx="0">
+            <a:schemeClr val="accent1"/>
+          </a:fillRef>
+          <a:effectRef idx="0">
+            <a:schemeClr val="accent1"/>
+          </a:effectRef>
+          <a:fontRef idx="minor">
+            <a:schemeClr val="tx1"/>
+          </a:fontRef>
+        </p:style>
+      </p:cxnSp>
+      <p:cxnSp>
+        <p:nvCxnSpPr>
+          <p:cNvPr id="30" name="Gerade Verbindung 29">
+            <a:extLst>
+              <a:ext uri="{FF2B5EF4-FFF2-40B4-BE49-F238E27FC236}">
+                <a16:creationId xmlns:a16="http://schemas.microsoft.com/office/drawing/2014/main" id="{C14CEDB0-5788-EF44-9A81-3B7C08C97556}"/>
+              </a:ext>
+            </a:extLst>
+          </p:cNvPr>
+          <p:cNvCxnSpPr>
+            <a:cxnSpLocks/>
+          </p:cNvCxnSpPr>
+          <p:nvPr/>
+        </p:nvCxnSpPr>
+        <p:spPr>
+          <a:xfrm flipV="1">
+            <a:off x="10606599" y="2593418"/>
+            <a:ext cx="0" cy="3276440"/>
+          </a:xfrm>
+          <a:prstGeom prst="line">
+            <a:avLst/>
+          </a:prstGeom>
+        </p:spPr>
+        <p:style>
+          <a:lnRef idx="1">
+            <a:schemeClr val="accent1"/>
+          </a:lnRef>
+          <a:fillRef idx="0">
+            <a:schemeClr val="accent1"/>
+          </a:fillRef>
+          <a:effectRef idx="0">
+            <a:schemeClr val="accent1"/>
+          </a:effectRef>
+          <a:fontRef idx="minor">
+            <a:schemeClr val="tx1"/>
+          </a:fontRef>
+        </p:style>
+      </p:cxnSp>
+      <p:sp>
+        <p:nvSpPr>
+          <p:cNvPr id="31" name="Textfeld 30">
+            <a:extLst>
+              <a:ext uri="{FF2B5EF4-FFF2-40B4-BE49-F238E27FC236}">
+                <a16:creationId xmlns:a16="http://schemas.microsoft.com/office/drawing/2014/main" id="{15C086EE-D0D5-CF4E-9147-2385077001F4}"/>
+              </a:ext>
+            </a:extLst>
+          </p:cNvPr>
+          <p:cNvSpPr txBox="1"/>
+          <p:nvPr/>
+        </p:nvSpPr>
+        <p:spPr>
+          <a:xfrm>
+            <a:off x="9162704" y="2706463"/>
+            <a:ext cx="729608" cy="369332"/>
+          </a:xfrm>
+          <a:prstGeom prst="rect">
+            <a:avLst/>
+          </a:prstGeom>
+          <a:noFill/>
+        </p:spPr>
+        <p:txBody>
+          <a:bodyPr wrap="square" rtlCol="0">
+            <a:spAutoFit/>
+          </a:bodyPr>
+          <a:lstStyle/>
+          <a:p>
+            <a:r>
+              <a:rPr lang="de-DE" dirty="0"/>
+              <a:t>74dB</a:t>
+            </a:r>
+          </a:p>
+        </p:txBody>
+      </p:sp>
+      <p:sp>
+        <p:nvSpPr>
+          <p:cNvPr id="32" name="Textfeld 31">
+            <a:extLst>
+              <a:ext uri="{FF2B5EF4-FFF2-40B4-BE49-F238E27FC236}">
+                <a16:creationId xmlns:a16="http://schemas.microsoft.com/office/drawing/2014/main" id="{89D4CE8F-62D5-3E4E-AB5D-D70C25B6E8A8}"/>
+              </a:ext>
+            </a:extLst>
+          </p:cNvPr>
+          <p:cNvSpPr txBox="1"/>
+          <p:nvPr/>
+        </p:nvSpPr>
+        <p:spPr>
+          <a:xfrm>
+            <a:off x="10586343" y="3212305"/>
+            <a:ext cx="1012031" cy="369332"/>
+          </a:xfrm>
+          <a:prstGeom prst="rect">
+            <a:avLst/>
+          </a:prstGeom>
+          <a:noFill/>
+        </p:spPr>
+        <p:txBody>
+          <a:bodyPr wrap="square" rtlCol="0">
+            <a:spAutoFit/>
+          </a:bodyPr>
+          <a:lstStyle/>
+          <a:p>
+            <a:r>
+              <a:rPr lang="de-DE" dirty="0"/>
+              <a:t>20MHz</a:t>
+            </a:r>
+          </a:p>
+        </p:txBody>
+      </p:sp>
+    </p:spTree>
+    <p:extLst>
+      <p:ext uri="{BB962C8B-B14F-4D97-AF65-F5344CB8AC3E}">
+        <p14:creationId xmlns:p14="http://schemas.microsoft.com/office/powerpoint/2010/main" val="2653591450"/>
       </p:ext>
     </p:extLst>
   </p:cSld>

--- a/Präsentation/SchlussPräsentation.pptx
+++ b/Präsentation/SchlussPräsentation.pptx
@@ -338,7 +338,7 @@
           <a:p>
             <a:fld id="{082AF0A2-73D9-4858-851E-F8063A45314E}" type="datetimeFigureOut">
               <a:rPr lang="de-DE" smtClean="0"/>
-              <a:t>10.06.19</a:t>
+              <a:t>11.06.19</a:t>
             </a:fld>
             <a:endParaRPr lang="de-DE"/>
           </a:p>
@@ -5907,6 +5907,422 @@
   <p:clrMapOvr>
     <a:masterClrMapping/>
   </p:clrMapOvr>
+  <p:timing>
+    <p:tnLst>
+      <p:par>
+        <p:cTn id="1" dur="indefinite" restart="never" nodeType="tmRoot">
+          <p:childTnLst>
+            <p:seq concurrent="1" nextAc="seek">
+              <p:cTn id="2" dur="indefinite" nodeType="mainSeq">
+                <p:childTnLst>
+                  <p:par>
+                    <p:cTn id="3" fill="hold">
+                      <p:stCondLst>
+                        <p:cond delay="indefinite"/>
+                      </p:stCondLst>
+                      <p:childTnLst>
+                        <p:par>
+                          <p:cTn id="4" fill="hold">
+                            <p:stCondLst>
+                              <p:cond delay="0"/>
+                            </p:stCondLst>
+                            <p:childTnLst>
+                              <p:par>
+                                <p:cTn id="5" presetID="1" presetClass="entr" presetSubtype="0" fill="hold" nodeType="clickEffect">
+                                  <p:stCondLst>
+                                    <p:cond delay="0"/>
+                                  </p:stCondLst>
+                                  <p:childTnLst>
+                                    <p:set>
+                                      <p:cBhvr>
+                                        <p:cTn id="6" dur="1" fill="hold">
+                                          <p:stCondLst>
+                                            <p:cond delay="0"/>
+                                          </p:stCondLst>
+                                        </p:cTn>
+                                        <p:tgtEl>
+                                          <p:spTgt spid="23"/>
+                                        </p:tgtEl>
+                                        <p:attrNameLst>
+                                          <p:attrName>style.visibility</p:attrName>
+                                        </p:attrNameLst>
+                                      </p:cBhvr>
+                                      <p:to>
+                                        <p:strVal val="visible"/>
+                                      </p:to>
+                                    </p:set>
+                                  </p:childTnLst>
+                                </p:cTn>
+                              </p:par>
+                              <p:par>
+                                <p:cTn id="7" presetID="1" presetClass="entr" presetSubtype="0" fill="hold" grpId="0" nodeType="withEffect">
+                                  <p:stCondLst>
+                                    <p:cond delay="0"/>
+                                  </p:stCondLst>
+                                  <p:childTnLst>
+                                    <p:set>
+                                      <p:cBhvr>
+                                        <p:cTn id="8" dur="1" fill="hold">
+                                          <p:stCondLst>
+                                            <p:cond delay="0"/>
+                                          </p:stCondLst>
+                                        </p:cTn>
+                                        <p:tgtEl>
+                                          <p:spTgt spid="14"/>
+                                        </p:tgtEl>
+                                        <p:attrNameLst>
+                                          <p:attrName>style.visibility</p:attrName>
+                                        </p:attrNameLst>
+                                      </p:cBhvr>
+                                      <p:to>
+                                        <p:strVal val="visible"/>
+                                      </p:to>
+                                    </p:set>
+                                  </p:childTnLst>
+                                </p:cTn>
+                              </p:par>
+                              <p:par>
+                                <p:cTn id="9" presetID="1" presetClass="entr" presetSubtype="0" fill="hold" nodeType="withEffect">
+                                  <p:stCondLst>
+                                    <p:cond delay="0"/>
+                                  </p:stCondLst>
+                                  <p:childTnLst>
+                                    <p:set>
+                                      <p:cBhvr>
+                                        <p:cTn id="10" dur="1" fill="hold">
+                                          <p:stCondLst>
+                                            <p:cond delay="0"/>
+                                          </p:stCondLst>
+                                        </p:cTn>
+                                        <p:tgtEl>
+                                          <p:spTgt spid="24"/>
+                                        </p:tgtEl>
+                                        <p:attrNameLst>
+                                          <p:attrName>style.visibility</p:attrName>
+                                        </p:attrNameLst>
+                                      </p:cBhvr>
+                                      <p:to>
+                                        <p:strVal val="visible"/>
+                                      </p:to>
+                                    </p:set>
+                                  </p:childTnLst>
+                                </p:cTn>
+                              </p:par>
+                              <p:par>
+                                <p:cTn id="11" presetID="1" presetClass="entr" presetSubtype="0" fill="hold" grpId="0" nodeType="withEffect">
+                                  <p:stCondLst>
+                                    <p:cond delay="0"/>
+                                  </p:stCondLst>
+                                  <p:childTnLst>
+                                    <p:set>
+                                      <p:cBhvr>
+                                        <p:cTn id="12" dur="1" fill="hold">
+                                          <p:stCondLst>
+                                            <p:cond delay="0"/>
+                                          </p:stCondLst>
+                                        </p:cTn>
+                                        <p:tgtEl>
+                                          <p:spTgt spid="26"/>
+                                        </p:tgtEl>
+                                        <p:attrNameLst>
+                                          <p:attrName>style.visibility</p:attrName>
+                                        </p:attrNameLst>
+                                      </p:cBhvr>
+                                      <p:to>
+                                        <p:strVal val="visible"/>
+                                      </p:to>
+                                    </p:set>
+                                  </p:childTnLst>
+                                </p:cTn>
+                              </p:par>
+                            </p:childTnLst>
+                          </p:cTn>
+                        </p:par>
+                      </p:childTnLst>
+                    </p:cTn>
+                  </p:par>
+                  <p:par>
+                    <p:cTn id="13" fill="hold">
+                      <p:stCondLst>
+                        <p:cond delay="indefinite"/>
+                      </p:stCondLst>
+                      <p:childTnLst>
+                        <p:par>
+                          <p:cTn id="14" fill="hold">
+                            <p:stCondLst>
+                              <p:cond delay="0"/>
+                            </p:stCondLst>
+                            <p:childTnLst>
+                              <p:par>
+                                <p:cTn id="15" presetID="1" presetClass="entr" presetSubtype="0" fill="hold" nodeType="clickEffect">
+                                  <p:stCondLst>
+                                    <p:cond delay="0"/>
+                                  </p:stCondLst>
+                                  <p:childTnLst>
+                                    <p:set>
+                                      <p:cBhvr>
+                                        <p:cTn id="16" dur="1" fill="hold">
+                                          <p:stCondLst>
+                                            <p:cond delay="0"/>
+                                          </p:stCondLst>
+                                        </p:cTn>
+                                        <p:tgtEl>
+                                          <p:spTgt spid="12"/>
+                                        </p:tgtEl>
+                                        <p:attrNameLst>
+                                          <p:attrName>style.visibility</p:attrName>
+                                        </p:attrNameLst>
+                                      </p:cBhvr>
+                                      <p:to>
+                                        <p:strVal val="visible"/>
+                                      </p:to>
+                                    </p:set>
+                                  </p:childTnLst>
+                                </p:cTn>
+                              </p:par>
+                              <p:par>
+                                <p:cTn id="17" presetID="1" presetClass="entr" presetSubtype="0" fill="hold" grpId="0" nodeType="withEffect">
+                                  <p:stCondLst>
+                                    <p:cond delay="0"/>
+                                  </p:stCondLst>
+                                  <p:childTnLst>
+                                    <p:set>
+                                      <p:cBhvr>
+                                        <p:cTn id="18" dur="1" fill="hold">
+                                          <p:stCondLst>
+                                            <p:cond delay="0"/>
+                                          </p:stCondLst>
+                                        </p:cTn>
+                                        <p:tgtEl>
+                                          <p:spTgt spid="16"/>
+                                        </p:tgtEl>
+                                        <p:attrNameLst>
+                                          <p:attrName>style.visibility</p:attrName>
+                                        </p:attrNameLst>
+                                      </p:cBhvr>
+                                      <p:to>
+                                        <p:strVal val="visible"/>
+                                      </p:to>
+                                    </p:set>
+                                  </p:childTnLst>
+                                </p:cTn>
+                              </p:par>
+                              <p:par>
+                                <p:cTn id="19" presetID="1" presetClass="entr" presetSubtype="0" fill="hold" grpId="0" nodeType="withEffect">
+                                  <p:stCondLst>
+                                    <p:cond delay="0"/>
+                                  </p:stCondLst>
+                                  <p:childTnLst>
+                                    <p:set>
+                                      <p:cBhvr>
+                                        <p:cTn id="20" dur="1" fill="hold">
+                                          <p:stCondLst>
+                                            <p:cond delay="0"/>
+                                          </p:stCondLst>
+                                        </p:cTn>
+                                        <p:tgtEl>
+                                          <p:spTgt spid="25"/>
+                                        </p:tgtEl>
+                                        <p:attrNameLst>
+                                          <p:attrName>style.visibility</p:attrName>
+                                        </p:attrNameLst>
+                                      </p:cBhvr>
+                                      <p:to>
+                                        <p:strVal val="visible"/>
+                                      </p:to>
+                                    </p:set>
+                                  </p:childTnLst>
+                                </p:cTn>
+                              </p:par>
+                              <p:par>
+                                <p:cTn id="21" presetID="1" presetClass="entr" presetSubtype="0" fill="hold" nodeType="withEffect">
+                                  <p:stCondLst>
+                                    <p:cond delay="0"/>
+                                  </p:stCondLst>
+                                  <p:childTnLst>
+                                    <p:set>
+                                      <p:cBhvr>
+                                        <p:cTn id="22" dur="1" fill="hold">
+                                          <p:stCondLst>
+                                            <p:cond delay="0"/>
+                                          </p:stCondLst>
+                                        </p:cTn>
+                                        <p:tgtEl>
+                                          <p:spTgt spid="11"/>
+                                        </p:tgtEl>
+                                        <p:attrNameLst>
+                                          <p:attrName>style.visibility</p:attrName>
+                                        </p:attrNameLst>
+                                      </p:cBhvr>
+                                      <p:to>
+                                        <p:strVal val="visible"/>
+                                      </p:to>
+                                    </p:set>
+                                  </p:childTnLst>
+                                </p:cTn>
+                              </p:par>
+                            </p:childTnLst>
+                          </p:cTn>
+                        </p:par>
+                      </p:childTnLst>
+                    </p:cTn>
+                  </p:par>
+                  <p:par>
+                    <p:cTn id="23" fill="hold">
+                      <p:stCondLst>
+                        <p:cond delay="indefinite"/>
+                      </p:stCondLst>
+                      <p:childTnLst>
+                        <p:par>
+                          <p:cTn id="24" fill="hold">
+                            <p:stCondLst>
+                              <p:cond delay="0"/>
+                            </p:stCondLst>
+                            <p:childTnLst>
+                              <p:par>
+                                <p:cTn id="25" presetID="1" presetClass="entr" presetSubtype="0" fill="hold" nodeType="clickEffect">
+                                  <p:stCondLst>
+                                    <p:cond delay="0"/>
+                                  </p:stCondLst>
+                                  <p:childTnLst>
+                                    <p:set>
+                                      <p:cBhvr>
+                                        <p:cTn id="26" dur="1" fill="hold">
+                                          <p:stCondLst>
+                                            <p:cond delay="0"/>
+                                          </p:stCondLst>
+                                        </p:cTn>
+                                        <p:tgtEl>
+                                          <p:spTgt spid="21"/>
+                                        </p:tgtEl>
+                                        <p:attrNameLst>
+                                          <p:attrName>style.visibility</p:attrName>
+                                        </p:attrNameLst>
+                                      </p:cBhvr>
+                                      <p:to>
+                                        <p:strVal val="visible"/>
+                                      </p:to>
+                                    </p:set>
+                                  </p:childTnLst>
+                                </p:cTn>
+                              </p:par>
+                              <p:par>
+                                <p:cTn id="27" presetID="1" presetClass="entr" presetSubtype="0" fill="hold" nodeType="withEffect">
+                                  <p:stCondLst>
+                                    <p:cond delay="0"/>
+                                  </p:stCondLst>
+                                  <p:childTnLst>
+                                    <p:set>
+                                      <p:cBhvr>
+                                        <p:cTn id="28" dur="1" fill="hold">
+                                          <p:stCondLst>
+                                            <p:cond delay="0"/>
+                                          </p:stCondLst>
+                                        </p:cTn>
+                                        <p:tgtEl>
+                                          <p:spTgt spid="19"/>
+                                        </p:tgtEl>
+                                        <p:attrNameLst>
+                                          <p:attrName>style.visibility</p:attrName>
+                                        </p:attrNameLst>
+                                      </p:cBhvr>
+                                      <p:to>
+                                        <p:strVal val="visible"/>
+                                      </p:to>
+                                    </p:set>
+                                  </p:childTnLst>
+                                </p:cTn>
+                              </p:par>
+                              <p:par>
+                                <p:cTn id="29" presetID="1" presetClass="entr" presetSubtype="0" fill="hold" grpId="0" nodeType="withEffect">
+                                  <p:stCondLst>
+                                    <p:cond delay="0"/>
+                                  </p:stCondLst>
+                                  <p:childTnLst>
+                                    <p:set>
+                                      <p:cBhvr>
+                                        <p:cTn id="30" dur="1" fill="hold">
+                                          <p:stCondLst>
+                                            <p:cond delay="0"/>
+                                          </p:stCondLst>
+                                        </p:cTn>
+                                        <p:tgtEl>
+                                          <p:spTgt spid="22"/>
+                                        </p:tgtEl>
+                                        <p:attrNameLst>
+                                          <p:attrName>style.visibility</p:attrName>
+                                        </p:attrNameLst>
+                                      </p:cBhvr>
+                                      <p:to>
+                                        <p:strVal val="visible"/>
+                                      </p:to>
+                                    </p:set>
+                                  </p:childTnLst>
+                                </p:cTn>
+                              </p:par>
+                              <p:par>
+                                <p:cTn id="31" presetID="1" presetClass="entr" presetSubtype="0" fill="hold" grpId="0" nodeType="withEffect">
+                                  <p:stCondLst>
+                                    <p:cond delay="0"/>
+                                  </p:stCondLst>
+                                  <p:childTnLst>
+                                    <p:set>
+                                      <p:cBhvr>
+                                        <p:cTn id="32" dur="1" fill="hold">
+                                          <p:stCondLst>
+                                            <p:cond delay="0"/>
+                                          </p:stCondLst>
+                                        </p:cTn>
+                                        <p:tgtEl>
+                                          <p:spTgt spid="20"/>
+                                        </p:tgtEl>
+                                        <p:attrNameLst>
+                                          <p:attrName>style.visibility</p:attrName>
+                                        </p:attrNameLst>
+                                      </p:cBhvr>
+                                      <p:to>
+                                        <p:strVal val="visible"/>
+                                      </p:to>
+                                    </p:set>
+                                  </p:childTnLst>
+                                </p:cTn>
+                              </p:par>
+                            </p:childTnLst>
+                          </p:cTn>
+                        </p:par>
+                      </p:childTnLst>
+                    </p:cTn>
+                  </p:par>
+                </p:childTnLst>
+              </p:cTn>
+              <p:prevCondLst>
+                <p:cond evt="onPrev" delay="0">
+                  <p:tgtEl>
+                    <p:sldTgt/>
+                  </p:tgtEl>
+                </p:cond>
+              </p:prevCondLst>
+              <p:nextCondLst>
+                <p:cond evt="onNext" delay="0">
+                  <p:tgtEl>
+                    <p:sldTgt/>
+                  </p:tgtEl>
+                </p:cond>
+              </p:nextCondLst>
+            </p:seq>
+          </p:childTnLst>
+        </p:cTn>
+      </p:par>
+    </p:tnLst>
+    <p:bldLst>
+      <p:bldP spid="14" grpId="0"/>
+      <p:bldP spid="16" grpId="0"/>
+      <p:bldP spid="20" grpId="0"/>
+      <p:bldP spid="22" grpId="0"/>
+      <p:bldP spid="25" grpId="0"/>
+      <p:bldP spid="26" grpId="0"/>
+    </p:bldLst>
+  </p:timing>
 </p:sld>
 </file>
 
@@ -8115,6 +8531,422 @@
   <p:clrMapOvr>
     <a:masterClrMapping/>
   </p:clrMapOvr>
+  <p:timing>
+    <p:tnLst>
+      <p:par>
+        <p:cTn id="1" dur="indefinite" restart="never" nodeType="tmRoot">
+          <p:childTnLst>
+            <p:seq concurrent="1" nextAc="seek">
+              <p:cTn id="2" dur="indefinite" nodeType="mainSeq">
+                <p:childTnLst>
+                  <p:par>
+                    <p:cTn id="3" fill="hold">
+                      <p:stCondLst>
+                        <p:cond delay="indefinite"/>
+                      </p:stCondLst>
+                      <p:childTnLst>
+                        <p:par>
+                          <p:cTn id="4" fill="hold">
+                            <p:stCondLst>
+                              <p:cond delay="0"/>
+                            </p:stCondLst>
+                            <p:childTnLst>
+                              <p:par>
+                                <p:cTn id="5" presetID="1" presetClass="entr" presetSubtype="0" fill="hold" nodeType="clickEffect">
+                                  <p:stCondLst>
+                                    <p:cond delay="0"/>
+                                  </p:stCondLst>
+                                  <p:childTnLst>
+                                    <p:set>
+                                      <p:cBhvr>
+                                        <p:cTn id="6" dur="1" fill="hold">
+                                          <p:stCondLst>
+                                            <p:cond delay="0"/>
+                                          </p:stCondLst>
+                                        </p:cTn>
+                                        <p:tgtEl>
+                                          <p:spTgt spid="39"/>
+                                        </p:tgtEl>
+                                        <p:attrNameLst>
+                                          <p:attrName>style.visibility</p:attrName>
+                                        </p:attrNameLst>
+                                      </p:cBhvr>
+                                      <p:to>
+                                        <p:strVal val="visible"/>
+                                      </p:to>
+                                    </p:set>
+                                  </p:childTnLst>
+                                </p:cTn>
+                              </p:par>
+                              <p:par>
+                                <p:cTn id="7" presetID="1" presetClass="entr" presetSubtype="0" fill="hold" nodeType="withEffect">
+                                  <p:stCondLst>
+                                    <p:cond delay="0"/>
+                                  </p:stCondLst>
+                                  <p:childTnLst>
+                                    <p:set>
+                                      <p:cBhvr>
+                                        <p:cTn id="8" dur="1" fill="hold">
+                                          <p:stCondLst>
+                                            <p:cond delay="0"/>
+                                          </p:stCondLst>
+                                        </p:cTn>
+                                        <p:tgtEl>
+                                          <p:spTgt spid="43"/>
+                                        </p:tgtEl>
+                                        <p:attrNameLst>
+                                          <p:attrName>style.visibility</p:attrName>
+                                        </p:attrNameLst>
+                                      </p:cBhvr>
+                                      <p:to>
+                                        <p:strVal val="visible"/>
+                                      </p:to>
+                                    </p:set>
+                                  </p:childTnLst>
+                                </p:cTn>
+                              </p:par>
+                              <p:par>
+                                <p:cTn id="9" presetID="1" presetClass="entr" presetSubtype="0" fill="hold" grpId="0" nodeType="withEffect">
+                                  <p:stCondLst>
+                                    <p:cond delay="0"/>
+                                  </p:stCondLst>
+                                  <p:childTnLst>
+                                    <p:set>
+                                      <p:cBhvr>
+                                        <p:cTn id="10" dur="1" fill="hold">
+                                          <p:stCondLst>
+                                            <p:cond delay="0"/>
+                                          </p:stCondLst>
+                                        </p:cTn>
+                                        <p:tgtEl>
+                                          <p:spTgt spid="47"/>
+                                        </p:tgtEl>
+                                        <p:attrNameLst>
+                                          <p:attrName>style.visibility</p:attrName>
+                                        </p:attrNameLst>
+                                      </p:cBhvr>
+                                      <p:to>
+                                        <p:strVal val="visible"/>
+                                      </p:to>
+                                    </p:set>
+                                  </p:childTnLst>
+                                </p:cTn>
+                              </p:par>
+                              <p:par>
+                                <p:cTn id="11" presetID="1" presetClass="entr" presetSubtype="0" fill="hold" grpId="0" nodeType="withEffect">
+                                  <p:stCondLst>
+                                    <p:cond delay="0"/>
+                                  </p:stCondLst>
+                                  <p:childTnLst>
+                                    <p:set>
+                                      <p:cBhvr>
+                                        <p:cTn id="12" dur="1" fill="hold">
+                                          <p:stCondLst>
+                                            <p:cond delay="0"/>
+                                          </p:stCondLst>
+                                        </p:cTn>
+                                        <p:tgtEl>
+                                          <p:spTgt spid="46"/>
+                                        </p:tgtEl>
+                                        <p:attrNameLst>
+                                          <p:attrName>style.visibility</p:attrName>
+                                        </p:attrNameLst>
+                                      </p:cBhvr>
+                                      <p:to>
+                                        <p:strVal val="visible"/>
+                                      </p:to>
+                                    </p:set>
+                                  </p:childTnLst>
+                                </p:cTn>
+                              </p:par>
+                            </p:childTnLst>
+                          </p:cTn>
+                        </p:par>
+                      </p:childTnLst>
+                    </p:cTn>
+                  </p:par>
+                  <p:par>
+                    <p:cTn id="13" fill="hold">
+                      <p:stCondLst>
+                        <p:cond delay="indefinite"/>
+                      </p:stCondLst>
+                      <p:childTnLst>
+                        <p:par>
+                          <p:cTn id="14" fill="hold">
+                            <p:stCondLst>
+                              <p:cond delay="0"/>
+                            </p:stCondLst>
+                            <p:childTnLst>
+                              <p:par>
+                                <p:cTn id="15" presetID="1" presetClass="entr" presetSubtype="0" fill="hold" nodeType="clickEffect">
+                                  <p:stCondLst>
+                                    <p:cond delay="0"/>
+                                  </p:stCondLst>
+                                  <p:childTnLst>
+                                    <p:set>
+                                      <p:cBhvr>
+                                        <p:cTn id="16" dur="1" fill="hold">
+                                          <p:stCondLst>
+                                            <p:cond delay="0"/>
+                                          </p:stCondLst>
+                                        </p:cTn>
+                                        <p:tgtEl>
+                                          <p:spTgt spid="10"/>
+                                        </p:tgtEl>
+                                        <p:attrNameLst>
+                                          <p:attrName>style.visibility</p:attrName>
+                                        </p:attrNameLst>
+                                      </p:cBhvr>
+                                      <p:to>
+                                        <p:strVal val="visible"/>
+                                      </p:to>
+                                    </p:set>
+                                  </p:childTnLst>
+                                </p:cTn>
+                              </p:par>
+                              <p:par>
+                                <p:cTn id="17" presetID="1" presetClass="entr" presetSubtype="0" fill="hold" grpId="0" nodeType="withEffect">
+                                  <p:stCondLst>
+                                    <p:cond delay="0"/>
+                                  </p:stCondLst>
+                                  <p:childTnLst>
+                                    <p:set>
+                                      <p:cBhvr>
+                                        <p:cTn id="18" dur="1" fill="hold">
+                                          <p:stCondLst>
+                                            <p:cond delay="0"/>
+                                          </p:stCondLst>
+                                        </p:cTn>
+                                        <p:tgtEl>
+                                          <p:spTgt spid="28"/>
+                                        </p:tgtEl>
+                                        <p:attrNameLst>
+                                          <p:attrName>style.visibility</p:attrName>
+                                        </p:attrNameLst>
+                                      </p:cBhvr>
+                                      <p:to>
+                                        <p:strVal val="visible"/>
+                                      </p:to>
+                                    </p:set>
+                                  </p:childTnLst>
+                                </p:cTn>
+                              </p:par>
+                              <p:par>
+                                <p:cTn id="19" presetID="1" presetClass="entr" presetSubtype="0" fill="hold" nodeType="withEffect">
+                                  <p:stCondLst>
+                                    <p:cond delay="0"/>
+                                  </p:stCondLst>
+                                  <p:childTnLst>
+                                    <p:set>
+                                      <p:cBhvr>
+                                        <p:cTn id="20" dur="1" fill="hold">
+                                          <p:stCondLst>
+                                            <p:cond delay="0"/>
+                                          </p:stCondLst>
+                                        </p:cTn>
+                                        <p:tgtEl>
+                                          <p:spTgt spid="23"/>
+                                        </p:tgtEl>
+                                        <p:attrNameLst>
+                                          <p:attrName>style.visibility</p:attrName>
+                                        </p:attrNameLst>
+                                      </p:cBhvr>
+                                      <p:to>
+                                        <p:strVal val="visible"/>
+                                      </p:to>
+                                    </p:set>
+                                  </p:childTnLst>
+                                </p:cTn>
+                              </p:par>
+                              <p:par>
+                                <p:cTn id="21" presetID="1" presetClass="entr" presetSubtype="0" fill="hold" grpId="0" nodeType="withEffect">
+                                  <p:stCondLst>
+                                    <p:cond delay="0"/>
+                                  </p:stCondLst>
+                                  <p:childTnLst>
+                                    <p:set>
+                                      <p:cBhvr>
+                                        <p:cTn id="22" dur="1" fill="hold">
+                                          <p:stCondLst>
+                                            <p:cond delay="0"/>
+                                          </p:stCondLst>
+                                        </p:cTn>
+                                        <p:tgtEl>
+                                          <p:spTgt spid="29"/>
+                                        </p:tgtEl>
+                                        <p:attrNameLst>
+                                          <p:attrName>style.visibility</p:attrName>
+                                        </p:attrNameLst>
+                                      </p:cBhvr>
+                                      <p:to>
+                                        <p:strVal val="visible"/>
+                                      </p:to>
+                                    </p:set>
+                                  </p:childTnLst>
+                                </p:cTn>
+                              </p:par>
+                            </p:childTnLst>
+                          </p:cTn>
+                        </p:par>
+                      </p:childTnLst>
+                    </p:cTn>
+                  </p:par>
+                  <p:par>
+                    <p:cTn id="23" fill="hold">
+                      <p:stCondLst>
+                        <p:cond delay="indefinite"/>
+                      </p:stCondLst>
+                      <p:childTnLst>
+                        <p:par>
+                          <p:cTn id="24" fill="hold">
+                            <p:stCondLst>
+                              <p:cond delay="0"/>
+                            </p:stCondLst>
+                            <p:childTnLst>
+                              <p:par>
+                                <p:cTn id="25" presetID="1" presetClass="entr" presetSubtype="0" fill="hold" grpId="0" nodeType="clickEffect">
+                                  <p:stCondLst>
+                                    <p:cond delay="0"/>
+                                  </p:stCondLst>
+                                  <p:childTnLst>
+                                    <p:set>
+                                      <p:cBhvr>
+                                        <p:cTn id="26" dur="1" fill="hold">
+                                          <p:stCondLst>
+                                            <p:cond delay="0"/>
+                                          </p:stCondLst>
+                                        </p:cTn>
+                                        <p:tgtEl>
+                                          <p:spTgt spid="34"/>
+                                        </p:tgtEl>
+                                        <p:attrNameLst>
+                                          <p:attrName>style.visibility</p:attrName>
+                                        </p:attrNameLst>
+                                      </p:cBhvr>
+                                      <p:to>
+                                        <p:strVal val="visible"/>
+                                      </p:to>
+                                    </p:set>
+                                  </p:childTnLst>
+                                </p:cTn>
+                              </p:par>
+                              <p:par>
+                                <p:cTn id="27" presetID="1" presetClass="entr" presetSubtype="0" fill="hold" nodeType="withEffect">
+                                  <p:stCondLst>
+                                    <p:cond delay="0"/>
+                                  </p:stCondLst>
+                                  <p:childTnLst>
+                                    <p:set>
+                                      <p:cBhvr>
+                                        <p:cTn id="28" dur="1" fill="hold">
+                                          <p:stCondLst>
+                                            <p:cond delay="0"/>
+                                          </p:stCondLst>
+                                        </p:cTn>
+                                        <p:tgtEl>
+                                          <p:spTgt spid="30"/>
+                                        </p:tgtEl>
+                                        <p:attrNameLst>
+                                          <p:attrName>style.visibility</p:attrName>
+                                        </p:attrNameLst>
+                                      </p:cBhvr>
+                                      <p:to>
+                                        <p:strVal val="visible"/>
+                                      </p:to>
+                                    </p:set>
+                                  </p:childTnLst>
+                                </p:cTn>
+                              </p:par>
+                              <p:par>
+                                <p:cTn id="29" presetID="1" presetClass="entr" presetSubtype="0" fill="hold" grpId="0" nodeType="withEffect">
+                                  <p:stCondLst>
+                                    <p:cond delay="0"/>
+                                  </p:stCondLst>
+                                  <p:childTnLst>
+                                    <p:set>
+                                      <p:cBhvr>
+                                        <p:cTn id="30" dur="1" fill="hold">
+                                          <p:stCondLst>
+                                            <p:cond delay="0"/>
+                                          </p:stCondLst>
+                                        </p:cTn>
+                                        <p:tgtEl>
+                                          <p:spTgt spid="38"/>
+                                        </p:tgtEl>
+                                        <p:attrNameLst>
+                                          <p:attrName>style.visibility</p:attrName>
+                                        </p:attrNameLst>
+                                      </p:cBhvr>
+                                      <p:to>
+                                        <p:strVal val="visible"/>
+                                      </p:to>
+                                    </p:set>
+                                  </p:childTnLst>
+                                </p:cTn>
+                              </p:par>
+                              <p:par>
+                                <p:cTn id="31" presetID="1" presetClass="entr" presetSubtype="0" fill="hold" nodeType="withEffect">
+                                  <p:stCondLst>
+                                    <p:cond delay="0"/>
+                                  </p:stCondLst>
+                                  <p:childTnLst>
+                                    <p:set>
+                                      <p:cBhvr>
+                                        <p:cTn id="32" dur="1" fill="hold">
+                                          <p:stCondLst>
+                                            <p:cond delay="0"/>
+                                          </p:stCondLst>
+                                        </p:cTn>
+                                        <p:tgtEl>
+                                          <p:spTgt spid="35"/>
+                                        </p:tgtEl>
+                                        <p:attrNameLst>
+                                          <p:attrName>style.visibility</p:attrName>
+                                        </p:attrNameLst>
+                                      </p:cBhvr>
+                                      <p:to>
+                                        <p:strVal val="visible"/>
+                                      </p:to>
+                                    </p:set>
+                                  </p:childTnLst>
+                                </p:cTn>
+                              </p:par>
+                            </p:childTnLst>
+                          </p:cTn>
+                        </p:par>
+                      </p:childTnLst>
+                    </p:cTn>
+                  </p:par>
+                </p:childTnLst>
+              </p:cTn>
+              <p:prevCondLst>
+                <p:cond evt="onPrev" delay="0">
+                  <p:tgtEl>
+                    <p:sldTgt/>
+                  </p:tgtEl>
+                </p:cond>
+              </p:prevCondLst>
+              <p:nextCondLst>
+                <p:cond evt="onNext" delay="0">
+                  <p:tgtEl>
+                    <p:sldTgt/>
+                  </p:tgtEl>
+                </p:cond>
+              </p:nextCondLst>
+            </p:seq>
+          </p:childTnLst>
+        </p:cTn>
+      </p:par>
+    </p:tnLst>
+    <p:bldLst>
+      <p:bldP spid="28" grpId="0"/>
+      <p:bldP spid="29" grpId="0"/>
+      <p:bldP spid="34" grpId="0"/>
+      <p:bldP spid="38" grpId="0"/>
+      <p:bldP spid="46" grpId="0"/>
+      <p:bldP spid="47" grpId="0"/>
+    </p:bldLst>
+  </p:timing>
 </p:sld>
 </file>
 
@@ -8527,8 +9359,8 @@
         </p:nvCxnSpPr>
         <p:spPr>
           <a:xfrm>
-            <a:off x="1299987" y="4401750"/>
-            <a:ext cx="3704322" cy="0"/>
+            <a:off x="1299987" y="4387001"/>
+            <a:ext cx="3305880" cy="1"/>
           </a:xfrm>
           <a:prstGeom prst="line">
             <a:avLst/>
@@ -8711,8 +9543,8 @@
         </p:nvCxnSpPr>
         <p:spPr>
           <a:xfrm flipV="1">
-            <a:off x="10778550" y="2433485"/>
-            <a:ext cx="5029" cy="2404277"/>
+            <a:off x="10778550" y="2658533"/>
+            <a:ext cx="0" cy="2179231"/>
           </a:xfrm>
           <a:prstGeom prst="line">
             <a:avLst/>
@@ -8813,6 +9645,422 @@
   <p:clrMapOvr>
     <a:masterClrMapping/>
   </p:clrMapOvr>
+  <p:timing>
+    <p:tnLst>
+      <p:par>
+        <p:cTn id="1" dur="indefinite" restart="never" nodeType="tmRoot">
+          <p:childTnLst>
+            <p:seq concurrent="1" nextAc="seek">
+              <p:cTn id="2" dur="indefinite" nodeType="mainSeq">
+                <p:childTnLst>
+                  <p:par>
+                    <p:cTn id="3" fill="hold">
+                      <p:stCondLst>
+                        <p:cond delay="indefinite"/>
+                      </p:stCondLst>
+                      <p:childTnLst>
+                        <p:par>
+                          <p:cTn id="4" fill="hold">
+                            <p:stCondLst>
+                              <p:cond delay="0"/>
+                            </p:stCondLst>
+                            <p:childTnLst>
+                              <p:par>
+                                <p:cTn id="5" presetID="1" presetClass="entr" presetSubtype="0" fill="hold" grpId="0" nodeType="clickEffect">
+                                  <p:stCondLst>
+                                    <p:cond delay="0"/>
+                                  </p:stCondLst>
+                                  <p:childTnLst>
+                                    <p:set>
+                                      <p:cBhvr>
+                                        <p:cTn id="6" dur="1" fill="hold">
+                                          <p:stCondLst>
+                                            <p:cond delay="0"/>
+                                          </p:stCondLst>
+                                        </p:cTn>
+                                        <p:tgtEl>
+                                          <p:spTgt spid="26"/>
+                                        </p:tgtEl>
+                                        <p:attrNameLst>
+                                          <p:attrName>style.visibility</p:attrName>
+                                        </p:attrNameLst>
+                                      </p:cBhvr>
+                                      <p:to>
+                                        <p:strVal val="visible"/>
+                                      </p:to>
+                                    </p:set>
+                                  </p:childTnLst>
+                                </p:cTn>
+                              </p:par>
+                              <p:par>
+                                <p:cTn id="7" presetID="1" presetClass="entr" presetSubtype="0" fill="hold" nodeType="withEffect">
+                                  <p:stCondLst>
+                                    <p:cond delay="0"/>
+                                  </p:stCondLst>
+                                  <p:childTnLst>
+                                    <p:set>
+                                      <p:cBhvr>
+                                        <p:cTn id="8" dur="1" fill="hold">
+                                          <p:stCondLst>
+                                            <p:cond delay="0"/>
+                                          </p:stCondLst>
+                                        </p:cTn>
+                                        <p:tgtEl>
+                                          <p:spTgt spid="24"/>
+                                        </p:tgtEl>
+                                        <p:attrNameLst>
+                                          <p:attrName>style.visibility</p:attrName>
+                                        </p:attrNameLst>
+                                      </p:cBhvr>
+                                      <p:to>
+                                        <p:strVal val="visible"/>
+                                      </p:to>
+                                    </p:set>
+                                  </p:childTnLst>
+                                </p:cTn>
+                              </p:par>
+                              <p:par>
+                                <p:cTn id="9" presetID="1" presetClass="entr" presetSubtype="0" fill="hold" nodeType="withEffect">
+                                  <p:stCondLst>
+                                    <p:cond delay="0"/>
+                                  </p:stCondLst>
+                                  <p:childTnLst>
+                                    <p:set>
+                                      <p:cBhvr>
+                                        <p:cTn id="10" dur="1" fill="hold">
+                                          <p:stCondLst>
+                                            <p:cond delay="0"/>
+                                          </p:stCondLst>
+                                        </p:cTn>
+                                        <p:tgtEl>
+                                          <p:spTgt spid="25"/>
+                                        </p:tgtEl>
+                                        <p:attrNameLst>
+                                          <p:attrName>style.visibility</p:attrName>
+                                        </p:attrNameLst>
+                                      </p:cBhvr>
+                                      <p:to>
+                                        <p:strVal val="visible"/>
+                                      </p:to>
+                                    </p:set>
+                                  </p:childTnLst>
+                                </p:cTn>
+                              </p:par>
+                              <p:par>
+                                <p:cTn id="11" presetID="1" presetClass="entr" presetSubtype="0" fill="hold" grpId="0" nodeType="withEffect">
+                                  <p:stCondLst>
+                                    <p:cond delay="0"/>
+                                  </p:stCondLst>
+                                  <p:childTnLst>
+                                    <p:set>
+                                      <p:cBhvr>
+                                        <p:cTn id="12" dur="1" fill="hold">
+                                          <p:stCondLst>
+                                            <p:cond delay="0"/>
+                                          </p:stCondLst>
+                                        </p:cTn>
+                                        <p:tgtEl>
+                                          <p:spTgt spid="27"/>
+                                        </p:tgtEl>
+                                        <p:attrNameLst>
+                                          <p:attrName>style.visibility</p:attrName>
+                                        </p:attrNameLst>
+                                      </p:cBhvr>
+                                      <p:to>
+                                        <p:strVal val="visible"/>
+                                      </p:to>
+                                    </p:set>
+                                  </p:childTnLst>
+                                </p:cTn>
+                              </p:par>
+                            </p:childTnLst>
+                          </p:cTn>
+                        </p:par>
+                      </p:childTnLst>
+                    </p:cTn>
+                  </p:par>
+                  <p:par>
+                    <p:cTn id="13" fill="hold">
+                      <p:stCondLst>
+                        <p:cond delay="indefinite"/>
+                      </p:stCondLst>
+                      <p:childTnLst>
+                        <p:par>
+                          <p:cTn id="14" fill="hold">
+                            <p:stCondLst>
+                              <p:cond delay="0"/>
+                            </p:stCondLst>
+                            <p:childTnLst>
+                              <p:par>
+                                <p:cTn id="15" presetID="1" presetClass="entr" presetSubtype="0" fill="hold" grpId="0" nodeType="clickEffect">
+                                  <p:stCondLst>
+                                    <p:cond delay="0"/>
+                                  </p:stCondLst>
+                                  <p:childTnLst>
+                                    <p:set>
+                                      <p:cBhvr>
+                                        <p:cTn id="16" dur="1" fill="hold">
+                                          <p:stCondLst>
+                                            <p:cond delay="0"/>
+                                          </p:stCondLst>
+                                        </p:cTn>
+                                        <p:tgtEl>
+                                          <p:spTgt spid="14"/>
+                                        </p:tgtEl>
+                                        <p:attrNameLst>
+                                          <p:attrName>style.visibility</p:attrName>
+                                        </p:attrNameLst>
+                                      </p:cBhvr>
+                                      <p:to>
+                                        <p:strVal val="visible"/>
+                                      </p:to>
+                                    </p:set>
+                                  </p:childTnLst>
+                                </p:cTn>
+                              </p:par>
+                              <p:par>
+                                <p:cTn id="17" presetID="1" presetClass="entr" presetSubtype="0" fill="hold" nodeType="withEffect">
+                                  <p:stCondLst>
+                                    <p:cond delay="0"/>
+                                  </p:stCondLst>
+                                  <p:childTnLst>
+                                    <p:set>
+                                      <p:cBhvr>
+                                        <p:cTn id="18" dur="1" fill="hold">
+                                          <p:stCondLst>
+                                            <p:cond delay="0"/>
+                                          </p:stCondLst>
+                                        </p:cTn>
+                                        <p:tgtEl>
+                                          <p:spTgt spid="11"/>
+                                        </p:tgtEl>
+                                        <p:attrNameLst>
+                                          <p:attrName>style.visibility</p:attrName>
+                                        </p:attrNameLst>
+                                      </p:cBhvr>
+                                      <p:to>
+                                        <p:strVal val="visible"/>
+                                      </p:to>
+                                    </p:set>
+                                  </p:childTnLst>
+                                </p:cTn>
+                              </p:par>
+                              <p:par>
+                                <p:cTn id="19" presetID="1" presetClass="entr" presetSubtype="0" fill="hold" nodeType="withEffect">
+                                  <p:stCondLst>
+                                    <p:cond delay="0"/>
+                                  </p:stCondLst>
+                                  <p:childTnLst>
+                                    <p:set>
+                                      <p:cBhvr>
+                                        <p:cTn id="20" dur="1" fill="hold">
+                                          <p:stCondLst>
+                                            <p:cond delay="0"/>
+                                          </p:stCondLst>
+                                        </p:cTn>
+                                        <p:tgtEl>
+                                          <p:spTgt spid="12"/>
+                                        </p:tgtEl>
+                                        <p:attrNameLst>
+                                          <p:attrName>style.visibility</p:attrName>
+                                        </p:attrNameLst>
+                                      </p:cBhvr>
+                                      <p:to>
+                                        <p:strVal val="visible"/>
+                                      </p:to>
+                                    </p:set>
+                                  </p:childTnLst>
+                                </p:cTn>
+                              </p:par>
+                              <p:par>
+                                <p:cTn id="21" presetID="1" presetClass="entr" presetSubtype="0" fill="hold" grpId="0" nodeType="withEffect">
+                                  <p:stCondLst>
+                                    <p:cond delay="0"/>
+                                  </p:stCondLst>
+                                  <p:childTnLst>
+                                    <p:set>
+                                      <p:cBhvr>
+                                        <p:cTn id="22" dur="1" fill="hold">
+                                          <p:stCondLst>
+                                            <p:cond delay="0"/>
+                                          </p:stCondLst>
+                                        </p:cTn>
+                                        <p:tgtEl>
+                                          <p:spTgt spid="19"/>
+                                        </p:tgtEl>
+                                        <p:attrNameLst>
+                                          <p:attrName>style.visibility</p:attrName>
+                                        </p:attrNameLst>
+                                      </p:cBhvr>
+                                      <p:to>
+                                        <p:strVal val="visible"/>
+                                      </p:to>
+                                    </p:set>
+                                  </p:childTnLst>
+                                </p:cTn>
+                              </p:par>
+                            </p:childTnLst>
+                          </p:cTn>
+                        </p:par>
+                      </p:childTnLst>
+                    </p:cTn>
+                  </p:par>
+                  <p:par>
+                    <p:cTn id="23" fill="hold">
+                      <p:stCondLst>
+                        <p:cond delay="indefinite"/>
+                      </p:stCondLst>
+                      <p:childTnLst>
+                        <p:par>
+                          <p:cTn id="24" fill="hold">
+                            <p:stCondLst>
+                              <p:cond delay="0"/>
+                            </p:stCondLst>
+                            <p:childTnLst>
+                              <p:par>
+                                <p:cTn id="25" presetID="1" presetClass="entr" presetSubtype="0" fill="hold" grpId="0" nodeType="clickEffect">
+                                  <p:stCondLst>
+                                    <p:cond delay="0"/>
+                                  </p:stCondLst>
+                                  <p:childTnLst>
+                                    <p:set>
+                                      <p:cBhvr>
+                                        <p:cTn id="26" dur="1" fill="hold">
+                                          <p:stCondLst>
+                                            <p:cond delay="0"/>
+                                          </p:stCondLst>
+                                        </p:cTn>
+                                        <p:tgtEl>
+                                          <p:spTgt spid="21"/>
+                                        </p:tgtEl>
+                                        <p:attrNameLst>
+                                          <p:attrName>style.visibility</p:attrName>
+                                        </p:attrNameLst>
+                                      </p:cBhvr>
+                                      <p:to>
+                                        <p:strVal val="visible"/>
+                                      </p:to>
+                                    </p:set>
+                                  </p:childTnLst>
+                                </p:cTn>
+                              </p:par>
+                              <p:par>
+                                <p:cTn id="27" presetID="1" presetClass="entr" presetSubtype="0" fill="hold" nodeType="withEffect">
+                                  <p:stCondLst>
+                                    <p:cond delay="0"/>
+                                  </p:stCondLst>
+                                  <p:childTnLst>
+                                    <p:set>
+                                      <p:cBhvr>
+                                        <p:cTn id="28" dur="1" fill="hold">
+                                          <p:stCondLst>
+                                            <p:cond delay="0"/>
+                                          </p:stCondLst>
+                                        </p:cTn>
+                                        <p:tgtEl>
+                                          <p:spTgt spid="20"/>
+                                        </p:tgtEl>
+                                        <p:attrNameLst>
+                                          <p:attrName>style.visibility</p:attrName>
+                                        </p:attrNameLst>
+                                      </p:cBhvr>
+                                      <p:to>
+                                        <p:strVal val="visible"/>
+                                      </p:to>
+                                    </p:set>
+                                  </p:childTnLst>
+                                </p:cTn>
+                              </p:par>
+                              <p:par>
+                                <p:cTn id="29" presetID="1" presetClass="entr" presetSubtype="0" fill="hold" nodeType="withEffect">
+                                  <p:stCondLst>
+                                    <p:cond delay="0"/>
+                                  </p:stCondLst>
+                                  <p:childTnLst>
+                                    <p:set>
+                                      <p:cBhvr>
+                                        <p:cTn id="30" dur="1" fill="hold">
+                                          <p:stCondLst>
+                                            <p:cond delay="0"/>
+                                          </p:stCondLst>
+                                        </p:cTn>
+                                        <p:tgtEl>
+                                          <p:spTgt spid="22"/>
+                                        </p:tgtEl>
+                                        <p:attrNameLst>
+                                          <p:attrName>style.visibility</p:attrName>
+                                        </p:attrNameLst>
+                                      </p:cBhvr>
+                                      <p:to>
+                                        <p:strVal val="visible"/>
+                                      </p:to>
+                                    </p:set>
+                                  </p:childTnLst>
+                                </p:cTn>
+                              </p:par>
+                              <p:par>
+                                <p:cTn id="31" presetID="1" presetClass="entr" presetSubtype="0" fill="hold" grpId="0" nodeType="withEffect">
+                                  <p:stCondLst>
+                                    <p:cond delay="0"/>
+                                  </p:stCondLst>
+                                  <p:childTnLst>
+                                    <p:set>
+                                      <p:cBhvr>
+                                        <p:cTn id="32" dur="1" fill="hold">
+                                          <p:stCondLst>
+                                            <p:cond delay="0"/>
+                                          </p:stCondLst>
+                                        </p:cTn>
+                                        <p:tgtEl>
+                                          <p:spTgt spid="23"/>
+                                        </p:tgtEl>
+                                        <p:attrNameLst>
+                                          <p:attrName>style.visibility</p:attrName>
+                                        </p:attrNameLst>
+                                      </p:cBhvr>
+                                      <p:to>
+                                        <p:strVal val="visible"/>
+                                      </p:to>
+                                    </p:set>
+                                  </p:childTnLst>
+                                </p:cTn>
+                              </p:par>
+                            </p:childTnLst>
+                          </p:cTn>
+                        </p:par>
+                      </p:childTnLst>
+                    </p:cTn>
+                  </p:par>
+                </p:childTnLst>
+              </p:cTn>
+              <p:prevCondLst>
+                <p:cond evt="onPrev" delay="0">
+                  <p:tgtEl>
+                    <p:sldTgt/>
+                  </p:tgtEl>
+                </p:cond>
+              </p:prevCondLst>
+              <p:nextCondLst>
+                <p:cond evt="onNext" delay="0">
+                  <p:tgtEl>
+                    <p:sldTgt/>
+                  </p:tgtEl>
+                </p:cond>
+              </p:nextCondLst>
+            </p:seq>
+          </p:childTnLst>
+        </p:cTn>
+      </p:par>
+    </p:tnLst>
+    <p:bldLst>
+      <p:bldP spid="14" grpId="0"/>
+      <p:bldP spid="19" grpId="0"/>
+      <p:bldP spid="21" grpId="0"/>
+      <p:bldP spid="23" grpId="0"/>
+      <p:bldP spid="26" grpId="0"/>
+      <p:bldP spid="27" grpId="0"/>
+    </p:bldLst>
+  </p:timing>
 </p:sld>
 </file>
 
@@ -10311,6 +11559,422 @@
   <p:clrMapOvr>
     <a:masterClrMapping/>
   </p:clrMapOvr>
+  <p:timing>
+    <p:tnLst>
+      <p:par>
+        <p:cTn id="1" dur="indefinite" restart="never" nodeType="tmRoot">
+          <p:childTnLst>
+            <p:seq concurrent="1" nextAc="seek">
+              <p:cTn id="2" dur="indefinite" nodeType="mainSeq">
+                <p:childTnLst>
+                  <p:par>
+                    <p:cTn id="3" fill="hold">
+                      <p:stCondLst>
+                        <p:cond delay="indefinite"/>
+                      </p:stCondLst>
+                      <p:childTnLst>
+                        <p:par>
+                          <p:cTn id="4" fill="hold">
+                            <p:stCondLst>
+                              <p:cond delay="0"/>
+                            </p:stCondLst>
+                            <p:childTnLst>
+                              <p:par>
+                                <p:cTn id="5" presetID="1" presetClass="entr" presetSubtype="0" fill="hold" grpId="0" nodeType="clickEffect">
+                                  <p:stCondLst>
+                                    <p:cond delay="0"/>
+                                  </p:stCondLst>
+                                  <p:childTnLst>
+                                    <p:set>
+                                      <p:cBhvr>
+                                        <p:cTn id="6" dur="1" fill="hold">
+                                          <p:stCondLst>
+                                            <p:cond delay="0"/>
+                                          </p:stCondLst>
+                                        </p:cTn>
+                                        <p:tgtEl>
+                                          <p:spTgt spid="31"/>
+                                        </p:tgtEl>
+                                        <p:attrNameLst>
+                                          <p:attrName>style.visibility</p:attrName>
+                                        </p:attrNameLst>
+                                      </p:cBhvr>
+                                      <p:to>
+                                        <p:strVal val="visible"/>
+                                      </p:to>
+                                    </p:set>
+                                  </p:childTnLst>
+                                </p:cTn>
+                              </p:par>
+                              <p:par>
+                                <p:cTn id="7" presetID="1" presetClass="entr" presetSubtype="0" fill="hold" nodeType="withEffect">
+                                  <p:stCondLst>
+                                    <p:cond delay="0"/>
+                                  </p:stCondLst>
+                                  <p:childTnLst>
+                                    <p:set>
+                                      <p:cBhvr>
+                                        <p:cTn id="8" dur="1" fill="hold">
+                                          <p:stCondLst>
+                                            <p:cond delay="0"/>
+                                          </p:stCondLst>
+                                        </p:cTn>
+                                        <p:tgtEl>
+                                          <p:spTgt spid="29"/>
+                                        </p:tgtEl>
+                                        <p:attrNameLst>
+                                          <p:attrName>style.visibility</p:attrName>
+                                        </p:attrNameLst>
+                                      </p:cBhvr>
+                                      <p:to>
+                                        <p:strVal val="visible"/>
+                                      </p:to>
+                                    </p:set>
+                                  </p:childTnLst>
+                                </p:cTn>
+                              </p:par>
+                              <p:par>
+                                <p:cTn id="9" presetID="1" presetClass="entr" presetSubtype="0" fill="hold" grpId="0" nodeType="withEffect">
+                                  <p:stCondLst>
+                                    <p:cond delay="0"/>
+                                  </p:stCondLst>
+                                  <p:childTnLst>
+                                    <p:set>
+                                      <p:cBhvr>
+                                        <p:cTn id="10" dur="1" fill="hold">
+                                          <p:stCondLst>
+                                            <p:cond delay="0"/>
+                                          </p:stCondLst>
+                                        </p:cTn>
+                                        <p:tgtEl>
+                                          <p:spTgt spid="32"/>
+                                        </p:tgtEl>
+                                        <p:attrNameLst>
+                                          <p:attrName>style.visibility</p:attrName>
+                                        </p:attrNameLst>
+                                      </p:cBhvr>
+                                      <p:to>
+                                        <p:strVal val="visible"/>
+                                      </p:to>
+                                    </p:set>
+                                  </p:childTnLst>
+                                </p:cTn>
+                              </p:par>
+                              <p:par>
+                                <p:cTn id="11" presetID="1" presetClass="entr" presetSubtype="0" fill="hold" nodeType="withEffect">
+                                  <p:stCondLst>
+                                    <p:cond delay="0"/>
+                                  </p:stCondLst>
+                                  <p:childTnLst>
+                                    <p:set>
+                                      <p:cBhvr>
+                                        <p:cTn id="12" dur="1" fill="hold">
+                                          <p:stCondLst>
+                                            <p:cond delay="0"/>
+                                          </p:stCondLst>
+                                        </p:cTn>
+                                        <p:tgtEl>
+                                          <p:spTgt spid="30"/>
+                                        </p:tgtEl>
+                                        <p:attrNameLst>
+                                          <p:attrName>style.visibility</p:attrName>
+                                        </p:attrNameLst>
+                                      </p:cBhvr>
+                                      <p:to>
+                                        <p:strVal val="visible"/>
+                                      </p:to>
+                                    </p:set>
+                                  </p:childTnLst>
+                                </p:cTn>
+                              </p:par>
+                            </p:childTnLst>
+                          </p:cTn>
+                        </p:par>
+                      </p:childTnLst>
+                    </p:cTn>
+                  </p:par>
+                  <p:par>
+                    <p:cTn id="13" fill="hold">
+                      <p:stCondLst>
+                        <p:cond delay="indefinite"/>
+                      </p:stCondLst>
+                      <p:childTnLst>
+                        <p:par>
+                          <p:cTn id="14" fill="hold">
+                            <p:stCondLst>
+                              <p:cond delay="0"/>
+                            </p:stCondLst>
+                            <p:childTnLst>
+                              <p:par>
+                                <p:cTn id="15" presetID="1" presetClass="entr" presetSubtype="0" fill="hold" nodeType="clickEffect">
+                                  <p:stCondLst>
+                                    <p:cond delay="0"/>
+                                  </p:stCondLst>
+                                  <p:childTnLst>
+                                    <p:set>
+                                      <p:cBhvr>
+                                        <p:cTn id="16" dur="1" fill="hold">
+                                          <p:stCondLst>
+                                            <p:cond delay="0"/>
+                                          </p:stCondLst>
+                                        </p:cTn>
+                                        <p:tgtEl>
+                                          <p:spTgt spid="22"/>
+                                        </p:tgtEl>
+                                        <p:attrNameLst>
+                                          <p:attrName>style.visibility</p:attrName>
+                                        </p:attrNameLst>
+                                      </p:cBhvr>
+                                      <p:to>
+                                        <p:strVal val="visible"/>
+                                      </p:to>
+                                    </p:set>
+                                  </p:childTnLst>
+                                </p:cTn>
+                              </p:par>
+                              <p:par>
+                                <p:cTn id="17" presetID="1" presetClass="entr" presetSubtype="0" fill="hold" grpId="0" nodeType="withEffect">
+                                  <p:stCondLst>
+                                    <p:cond delay="0"/>
+                                  </p:stCondLst>
+                                  <p:childTnLst>
+                                    <p:set>
+                                      <p:cBhvr>
+                                        <p:cTn id="18" dur="1" fill="hold">
+                                          <p:stCondLst>
+                                            <p:cond delay="0"/>
+                                          </p:stCondLst>
+                                        </p:cTn>
+                                        <p:tgtEl>
+                                          <p:spTgt spid="24"/>
+                                        </p:tgtEl>
+                                        <p:attrNameLst>
+                                          <p:attrName>style.visibility</p:attrName>
+                                        </p:attrNameLst>
+                                      </p:cBhvr>
+                                      <p:to>
+                                        <p:strVal val="visible"/>
+                                      </p:to>
+                                    </p:set>
+                                  </p:childTnLst>
+                                </p:cTn>
+                              </p:par>
+                              <p:par>
+                                <p:cTn id="19" presetID="1" presetClass="entr" presetSubtype="0" fill="hold" grpId="0" nodeType="withEffect">
+                                  <p:stCondLst>
+                                    <p:cond delay="0"/>
+                                  </p:stCondLst>
+                                  <p:childTnLst>
+                                    <p:set>
+                                      <p:cBhvr>
+                                        <p:cTn id="20" dur="1" fill="hold">
+                                          <p:stCondLst>
+                                            <p:cond delay="0"/>
+                                          </p:stCondLst>
+                                        </p:cTn>
+                                        <p:tgtEl>
+                                          <p:spTgt spid="23"/>
+                                        </p:tgtEl>
+                                        <p:attrNameLst>
+                                          <p:attrName>style.visibility</p:attrName>
+                                        </p:attrNameLst>
+                                      </p:cBhvr>
+                                      <p:to>
+                                        <p:strVal val="visible"/>
+                                      </p:to>
+                                    </p:set>
+                                  </p:childTnLst>
+                                </p:cTn>
+                              </p:par>
+                              <p:par>
+                                <p:cTn id="21" presetID="1" presetClass="entr" presetSubtype="0" fill="hold" nodeType="withEffect">
+                                  <p:stCondLst>
+                                    <p:cond delay="0"/>
+                                  </p:stCondLst>
+                                  <p:childTnLst>
+                                    <p:set>
+                                      <p:cBhvr>
+                                        <p:cTn id="22" dur="1" fill="hold">
+                                          <p:stCondLst>
+                                            <p:cond delay="0"/>
+                                          </p:stCondLst>
+                                        </p:cTn>
+                                        <p:tgtEl>
+                                          <p:spTgt spid="21"/>
+                                        </p:tgtEl>
+                                        <p:attrNameLst>
+                                          <p:attrName>style.visibility</p:attrName>
+                                        </p:attrNameLst>
+                                      </p:cBhvr>
+                                      <p:to>
+                                        <p:strVal val="visible"/>
+                                      </p:to>
+                                    </p:set>
+                                  </p:childTnLst>
+                                </p:cTn>
+                              </p:par>
+                            </p:childTnLst>
+                          </p:cTn>
+                        </p:par>
+                      </p:childTnLst>
+                    </p:cTn>
+                  </p:par>
+                  <p:par>
+                    <p:cTn id="23" fill="hold">
+                      <p:stCondLst>
+                        <p:cond delay="indefinite"/>
+                      </p:stCondLst>
+                      <p:childTnLst>
+                        <p:par>
+                          <p:cTn id="24" fill="hold">
+                            <p:stCondLst>
+                              <p:cond delay="0"/>
+                            </p:stCondLst>
+                            <p:childTnLst>
+                              <p:par>
+                                <p:cTn id="25" presetID="1" presetClass="entr" presetSubtype="0" fill="hold" nodeType="clickEffect">
+                                  <p:stCondLst>
+                                    <p:cond delay="0"/>
+                                  </p:stCondLst>
+                                  <p:childTnLst>
+                                    <p:set>
+                                      <p:cBhvr>
+                                        <p:cTn id="26" dur="1" fill="hold">
+                                          <p:stCondLst>
+                                            <p:cond delay="0"/>
+                                          </p:stCondLst>
+                                        </p:cTn>
+                                        <p:tgtEl>
+                                          <p:spTgt spid="27"/>
+                                        </p:tgtEl>
+                                        <p:attrNameLst>
+                                          <p:attrName>style.visibility</p:attrName>
+                                        </p:attrNameLst>
+                                      </p:cBhvr>
+                                      <p:to>
+                                        <p:strVal val="visible"/>
+                                      </p:to>
+                                    </p:set>
+                                  </p:childTnLst>
+                                </p:cTn>
+                              </p:par>
+                              <p:par>
+                                <p:cTn id="27" presetID="1" presetClass="entr" presetSubtype="0" fill="hold" grpId="0" nodeType="withEffect">
+                                  <p:stCondLst>
+                                    <p:cond delay="0"/>
+                                  </p:stCondLst>
+                                  <p:childTnLst>
+                                    <p:set>
+                                      <p:cBhvr>
+                                        <p:cTn id="28" dur="1" fill="hold">
+                                          <p:stCondLst>
+                                            <p:cond delay="0"/>
+                                          </p:stCondLst>
+                                        </p:cTn>
+                                        <p:tgtEl>
+                                          <p:spTgt spid="26"/>
+                                        </p:tgtEl>
+                                        <p:attrNameLst>
+                                          <p:attrName>style.visibility</p:attrName>
+                                        </p:attrNameLst>
+                                      </p:cBhvr>
+                                      <p:to>
+                                        <p:strVal val="visible"/>
+                                      </p:to>
+                                    </p:set>
+                                  </p:childTnLst>
+                                </p:cTn>
+                              </p:par>
+                              <p:par>
+                                <p:cTn id="29" presetID="1" presetClass="entr" presetSubtype="0" fill="hold" nodeType="withEffect">
+                                  <p:stCondLst>
+                                    <p:cond delay="0"/>
+                                  </p:stCondLst>
+                                  <p:childTnLst>
+                                    <p:set>
+                                      <p:cBhvr>
+                                        <p:cTn id="30" dur="1" fill="hold">
+                                          <p:stCondLst>
+                                            <p:cond delay="0"/>
+                                          </p:stCondLst>
+                                        </p:cTn>
+                                        <p:tgtEl>
+                                          <p:spTgt spid="25"/>
+                                        </p:tgtEl>
+                                        <p:attrNameLst>
+                                          <p:attrName>style.visibility</p:attrName>
+                                        </p:attrNameLst>
+                                      </p:cBhvr>
+                                      <p:to>
+                                        <p:strVal val="visible"/>
+                                      </p:to>
+                                    </p:set>
+                                  </p:childTnLst>
+                                </p:cTn>
+                              </p:par>
+                              <p:par>
+                                <p:cTn id="31" presetID="1" presetClass="entr" presetSubtype="0" fill="hold" grpId="0" nodeType="withEffect">
+                                  <p:stCondLst>
+                                    <p:cond delay="0"/>
+                                  </p:stCondLst>
+                                  <p:childTnLst>
+                                    <p:set>
+                                      <p:cBhvr>
+                                        <p:cTn id="32" dur="1" fill="hold">
+                                          <p:stCondLst>
+                                            <p:cond delay="0"/>
+                                          </p:stCondLst>
+                                        </p:cTn>
+                                        <p:tgtEl>
+                                          <p:spTgt spid="28"/>
+                                        </p:tgtEl>
+                                        <p:attrNameLst>
+                                          <p:attrName>style.visibility</p:attrName>
+                                        </p:attrNameLst>
+                                      </p:cBhvr>
+                                      <p:to>
+                                        <p:strVal val="visible"/>
+                                      </p:to>
+                                    </p:set>
+                                  </p:childTnLst>
+                                </p:cTn>
+                              </p:par>
+                            </p:childTnLst>
+                          </p:cTn>
+                        </p:par>
+                      </p:childTnLst>
+                    </p:cTn>
+                  </p:par>
+                </p:childTnLst>
+              </p:cTn>
+              <p:prevCondLst>
+                <p:cond evt="onPrev" delay="0">
+                  <p:tgtEl>
+                    <p:sldTgt/>
+                  </p:tgtEl>
+                </p:cond>
+              </p:prevCondLst>
+              <p:nextCondLst>
+                <p:cond evt="onNext" delay="0">
+                  <p:tgtEl>
+                    <p:sldTgt/>
+                  </p:tgtEl>
+                </p:cond>
+              </p:nextCondLst>
+            </p:seq>
+          </p:childTnLst>
+        </p:cTn>
+      </p:par>
+    </p:tnLst>
+    <p:bldLst>
+      <p:bldP spid="23" grpId="0"/>
+      <p:bldP spid="24" grpId="0"/>
+      <p:bldP spid="26" grpId="0"/>
+      <p:bldP spid="28" grpId="0"/>
+      <p:bldP spid="31" grpId="0"/>
+      <p:bldP spid="32" grpId="0"/>
+    </p:bldLst>
+  </p:timing>
 </p:sld>
 </file>
 
